--- a/PresentationKoustubh_version1.pptx
+++ b/PresentationKoustubh_version1.pptx
@@ -10828,7 +10828,7 @@
         <p:spPr>
           <a:xfrm>
             <a:off x="3163979" y="5506085"/>
-            <a:ext cx="2464925" cy="707886"/>
+            <a:ext cx="2716316" cy="400110"/>
           </a:xfrm>
           <a:prstGeom prst="rect">
             <a:avLst/>
@@ -10843,19 +10843,7 @@
           <a:p>
             <a:r>
               <a:rPr lang="sv-SE" sz="2000" b="0" dirty="0"/>
-              <a:t>MBSFN </a:t>
-            </a:r>
-            <a:r>
-              <a:rPr lang="sv-SE" sz="2000" b="0" dirty="0" err="1"/>
-              <a:t>sub-frames</a:t>
-            </a:r>
-            <a:r>
-              <a:rPr lang="sv-SE" sz="2000" b="0" dirty="0"/>
-              <a:t>, 4.1 </a:t>
-            </a:r>
-            <a:r>
-              <a:rPr lang="sv-SE" sz="2000" b="0" dirty="0" err="1"/>
-              <a:t>ms</a:t>
+              <a:t>MBSFN Sub-Frames</a:t>
             </a:r>
             <a:endParaRPr lang="en-US" sz="2000" b="0" dirty="0" err="1"/>
           </a:p>
@@ -16842,16 +16830,9 @@
               <a:rPr lang="sv-SE" sz="2400" dirty="0"/>
               <a:t> </a:t>
             </a:r>
-            <a:endParaRPr lang="en-US" sz="2400" dirty="0"/>
-          </a:p>
-          <a:p>
-            <a:pPr marL="342900" indent="-342900" algn="just">
-              <a:buFont typeface="Arial" panose="020B0604020202020204" pitchFamily="34" charset="0"/>
-              <a:buChar char="•"/>
-            </a:pPr>
             <a:r>
               <a:rPr lang="en-US" sz="2400" dirty="0"/>
-              <a:t>Different sort of deployment of the cells to analyze the energy and throughput efficiencies.</a:t>
+              <a:t>deployment of the cells to analyze the energy and throughput efficiencies.</a:t>
             </a:r>
           </a:p>
           <a:p>
@@ -16861,8 +16842,13 @@
             </a:pPr>
             <a:r>
               <a:rPr lang="en-US" sz="2400" dirty="0"/>
-              <a:t>One could make use of dynamic simulators to analyze the traffic dynamically.</a:t>
+              <a:t>One could make use of dynamic simulators to analyze </a:t>
             </a:r>
+            <a:r>
+              <a:rPr lang="en-US" sz="2400"/>
+              <a:t>the dynamic traffic.</a:t>
+            </a:r>
+            <a:endParaRPr lang="en-US" sz="2400" dirty="0"/>
           </a:p>
           <a:p>
             <a:pPr marL="342900" indent="-342900">
@@ -19890,7 +19876,7 @@
           </p:nvSpPr>
           <p:spPr bwMode="auto">
             <a:xfrm>
-              <a:off x="7046913" y="5786439"/>
+              <a:off x="7046913" y="5786437"/>
               <a:ext cx="7938" cy="7938"/>
             </a:xfrm>
             <a:prstGeom prst="rect">
@@ -19943,8 +19929,8 @@
             <a:xfrm>
               <a:off x="1349376" y="2027239"/>
               <a:ext cx="6315075" cy="3065463"/>
-              <a:chOff x="1349376" y="2027239"/>
-              <a:chExt cx="6315075" cy="3065463"/>
+              <a:chOff x="1349376" y="2027241"/>
+              <a:chExt cx="6315075" cy="3065465"/>
             </a:xfrm>
           </p:grpSpPr>
           <p:sp>
@@ -19963,7 +19949,7 @@
             </p:nvSpPr>
             <p:spPr bwMode="auto">
               <a:xfrm>
-                <a:off x="1739901" y="2133601"/>
+                <a:off x="1739901" y="2133603"/>
                 <a:ext cx="133350" cy="296863"/>
               </a:xfrm>
               <a:prstGeom prst="rect">
@@ -20157,7 +20143,7 @@
             </p:nvSpPr>
             <p:spPr bwMode="auto">
               <a:xfrm>
-                <a:off x="1739901" y="2465389"/>
+                <a:off x="1739901" y="2465391"/>
                 <a:ext cx="133350" cy="296863"/>
               </a:xfrm>
               <a:prstGeom prst="rect">
@@ -20351,7 +20337,7 @@
             </p:nvSpPr>
             <p:spPr bwMode="auto">
               <a:xfrm>
-                <a:off x="1739901" y="2798764"/>
+                <a:off x="1739901" y="2798767"/>
                 <a:ext cx="133350" cy="296863"/>
               </a:xfrm>
               <a:prstGeom prst="rect">
@@ -20545,7 +20531,7 @@
             </p:nvSpPr>
             <p:spPr bwMode="auto">
               <a:xfrm>
-                <a:off x="1739901" y="3130551"/>
+                <a:off x="1739901" y="3130554"/>
                 <a:ext cx="133350" cy="296863"/>
               </a:xfrm>
               <a:prstGeom prst="rect">
@@ -20739,7 +20725,7 @@
             </p:nvSpPr>
             <p:spPr bwMode="auto">
               <a:xfrm>
-                <a:off x="1739901" y="3463926"/>
+                <a:off x="1739901" y="3463929"/>
                 <a:ext cx="133350" cy="296863"/>
               </a:xfrm>
               <a:prstGeom prst="rect">
@@ -20933,7 +20919,7 @@
             </p:nvSpPr>
             <p:spPr bwMode="auto">
               <a:xfrm>
-                <a:off x="1739901" y="3797301"/>
+                <a:off x="1739901" y="3797305"/>
                 <a:ext cx="133350" cy="296863"/>
               </a:xfrm>
               <a:prstGeom prst="rect">
@@ -21127,7 +21113,7 @@
             </p:nvSpPr>
             <p:spPr bwMode="auto">
               <a:xfrm>
-                <a:off x="1739901" y="4129089"/>
+                <a:off x="1739901" y="4129093"/>
                 <a:ext cx="133350" cy="296863"/>
               </a:xfrm>
               <a:prstGeom prst="rect">
@@ -21321,7 +21307,7 @@
             </p:nvSpPr>
             <p:spPr bwMode="auto">
               <a:xfrm>
-                <a:off x="1739901" y="4462464"/>
+                <a:off x="1739901" y="4462468"/>
                 <a:ext cx="133350" cy="296863"/>
               </a:xfrm>
               <a:prstGeom prst="rect">
@@ -21515,7 +21501,7 @@
             </p:nvSpPr>
             <p:spPr bwMode="auto">
               <a:xfrm>
-                <a:off x="1739901" y="4795839"/>
+                <a:off x="1739901" y="4795843"/>
                 <a:ext cx="133350" cy="296863"/>
               </a:xfrm>
               <a:prstGeom prst="rect">
@@ -21709,7 +21695,7 @@
             </p:nvSpPr>
             <p:spPr bwMode="auto">
               <a:xfrm>
-                <a:off x="1349376" y="2027239"/>
+                <a:off x="1349376" y="2027241"/>
                 <a:ext cx="7938" cy="7938"/>
               </a:xfrm>
               <a:prstGeom prst="rect">
@@ -21762,7 +21748,7 @@
             </p:nvSpPr>
             <p:spPr bwMode="auto">
               <a:xfrm>
-                <a:off x="1349376" y="2027239"/>
+                <a:off x="1349376" y="2027241"/>
                 <a:ext cx="7938" cy="7938"/>
               </a:xfrm>
               <a:prstGeom prst="rect">
@@ -21815,7 +21801,7 @@
             </p:nvSpPr>
             <p:spPr bwMode="auto">
               <a:xfrm>
-                <a:off x="7046913" y="2027239"/>
+                <a:off x="7046913" y="2027241"/>
                 <a:ext cx="7938" cy="7938"/>
               </a:xfrm>
               <a:prstGeom prst="rect">
@@ -21868,7 +21854,7 @@
             </p:nvSpPr>
             <p:spPr bwMode="auto">
               <a:xfrm>
-                <a:off x="7046913" y="2027239"/>
+                <a:off x="7046913" y="2027242"/>
                 <a:ext cx="7938" cy="7938"/>
               </a:xfrm>
               <a:prstGeom prst="rect">
@@ -21921,8 +21907,8 @@
             </p:nvSpPr>
             <p:spPr bwMode="auto">
               <a:xfrm>
-                <a:off x="2020888" y="2325689"/>
-                <a:ext cx="4100513" cy="2471738"/>
+                <a:off x="2020888" y="2325692"/>
+                <a:ext cx="4100513" cy="2471740"/>
               </a:xfrm>
               <a:prstGeom prst="rect">
                 <a:avLst/>
@@ -21974,8 +21960,8 @@
             </p:nvSpPr>
             <p:spPr bwMode="auto">
               <a:xfrm>
-                <a:off x="2020888" y="2325689"/>
-                <a:ext cx="4100513" cy="2471738"/>
+                <a:off x="2020888" y="2325691"/>
+                <a:ext cx="4100513" cy="2471740"/>
               </a:xfrm>
               <a:prstGeom prst="rect">
                 <a:avLst/>
@@ -22027,7 +22013,7 @@
               <p:nvPr/>
             </p:nvPicPr>
             <p:blipFill>
-              <a:blip r:embed="rId3">
+              <a:blip r:embed="rId4">
                 <a:extLst>
                   <a:ext uri="{28A0092B-C50C-407E-A947-70E740481C1C}">
                     <a14:useLocalDpi xmlns:a14="http://schemas.microsoft.com/office/drawing/2010/main" val="0"/>
@@ -22041,8 +22027,8 @@
             </p:blipFill>
             <p:spPr bwMode="auto">
               <a:xfrm>
-                <a:off x="2024063" y="2349501"/>
-                <a:ext cx="4129088" cy="2614613"/>
+                <a:off x="2024063" y="2349503"/>
+                <a:ext cx="4129088" cy="2614615"/>
               </a:xfrm>
               <a:prstGeom prst="rect">
                 <a:avLst/>
@@ -22087,7 +22073,7 @@
               <p:nvPr/>
             </p:nvPicPr>
             <p:blipFill>
-              <a:blip r:embed="rId4">
+              <a:blip r:embed="rId5">
                 <a:extLst>
                   <a:ext uri="{28A0092B-C50C-407E-A947-70E740481C1C}">
                     <a14:useLocalDpi xmlns:a14="http://schemas.microsoft.com/office/drawing/2010/main" val="0"/>
@@ -22101,8 +22087,8 @@
             </p:blipFill>
             <p:spPr bwMode="auto">
               <a:xfrm>
-                <a:off x="2024063" y="2349501"/>
-                <a:ext cx="4129088" cy="2614613"/>
+                <a:off x="2024063" y="2349503"/>
+                <a:ext cx="4129088" cy="2614615"/>
               </a:xfrm>
               <a:prstGeom prst="rect">
                 <a:avLst/>
@@ -22148,8 +22134,8 @@
             </p:nvSpPr>
             <p:spPr bwMode="auto">
               <a:xfrm>
-                <a:off x="2033588" y="2341564"/>
-                <a:ext cx="4076700" cy="2557463"/>
+                <a:off x="2033588" y="2341566"/>
+                <a:ext cx="4076700" cy="2557465"/>
               </a:xfrm>
               <a:prstGeom prst="rect">
                 <a:avLst/>
@@ -22201,8 +22187,8 @@
             </p:nvSpPr>
             <p:spPr bwMode="auto">
               <a:xfrm>
-                <a:off x="2033588" y="2341564"/>
-                <a:ext cx="4076700" cy="2557463"/>
+                <a:off x="2033588" y="2341566"/>
+                <a:ext cx="4076700" cy="2557465"/>
               </a:xfrm>
               <a:prstGeom prst="rect">
                 <a:avLst/>
@@ -22254,7 +22240,7 @@
               <p:nvPr/>
             </p:nvPicPr>
             <p:blipFill>
-              <a:blip r:embed="rId5">
+              <a:blip r:embed="rId6">
                 <a:extLst>
                   <a:ext uri="{28A0092B-C50C-407E-A947-70E740481C1C}">
                     <a14:useLocalDpi xmlns:a14="http://schemas.microsoft.com/office/drawing/2010/main" val="0"/>
@@ -22268,8 +22254,8 @@
             </p:blipFill>
             <p:spPr bwMode="auto">
               <a:xfrm>
-                <a:off x="2124076" y="2900364"/>
-                <a:ext cx="411163" cy="1435100"/>
+                <a:off x="2124076" y="2900367"/>
+                <a:ext cx="411163" cy="1435101"/>
               </a:xfrm>
               <a:prstGeom prst="rect">
                 <a:avLst/>
@@ -22314,7 +22300,7 @@
               <p:nvPr/>
             </p:nvPicPr>
             <p:blipFill>
-              <a:blip r:embed="rId6">
+              <a:blip r:embed="rId7">
                 <a:extLst>
                   <a:ext uri="{28A0092B-C50C-407E-A947-70E740481C1C}">
                     <a14:useLocalDpi xmlns:a14="http://schemas.microsoft.com/office/drawing/2010/main" val="0"/>
@@ -22328,8 +22314,8 @@
             </p:blipFill>
             <p:spPr bwMode="auto">
               <a:xfrm>
-                <a:off x="2124076" y="2900364"/>
-                <a:ext cx="411163" cy="1435100"/>
+                <a:off x="2124076" y="2900367"/>
+                <a:ext cx="411163" cy="1435101"/>
               </a:xfrm>
               <a:prstGeom prst="rect">
                 <a:avLst/>
@@ -22374,7 +22360,7 @@
               <p:nvPr/>
             </p:nvPicPr>
             <p:blipFill>
-              <a:blip r:embed="rId7">
+              <a:blip r:embed="rId8">
                 <a:extLst>
                   <a:ext uri="{28A0092B-C50C-407E-A947-70E740481C1C}">
                     <a14:useLocalDpi xmlns:a14="http://schemas.microsoft.com/office/drawing/2010/main" val="0"/>
@@ -22388,8 +22374,8 @@
             </p:blipFill>
             <p:spPr bwMode="auto">
               <a:xfrm>
-                <a:off x="2555876" y="2622551"/>
-                <a:ext cx="3438525" cy="2265363"/>
+                <a:off x="2555876" y="2622553"/>
+                <a:ext cx="3438525" cy="2265364"/>
               </a:xfrm>
               <a:prstGeom prst="rect">
                 <a:avLst/>
@@ -22434,7 +22420,7 @@
               <p:nvPr/>
             </p:nvPicPr>
             <p:blipFill>
-              <a:blip r:embed="rId8">
+              <a:blip r:embed="rId9">
                 <a:extLst>
                   <a:ext uri="{28A0092B-C50C-407E-A947-70E740481C1C}">
                     <a14:useLocalDpi xmlns:a14="http://schemas.microsoft.com/office/drawing/2010/main" val="0"/>
@@ -22448,8 +22434,8 @@
             </p:blipFill>
             <p:spPr bwMode="auto">
               <a:xfrm>
-                <a:off x="2555876" y="2622551"/>
-                <a:ext cx="3438525" cy="2265363"/>
+                <a:off x="2555876" y="2622553"/>
+                <a:ext cx="3438525" cy="2265364"/>
               </a:xfrm>
               <a:prstGeom prst="rect">
                 <a:avLst/>
@@ -22495,8 +22481,8 @@
             </p:nvSpPr>
             <p:spPr bwMode="auto">
               <a:xfrm>
-                <a:off x="2566988" y="2613026"/>
-                <a:ext cx="3384550" cy="2209800"/>
+                <a:off x="2566988" y="2613028"/>
+                <a:ext cx="3384550" cy="2209801"/>
               </a:xfrm>
               <a:prstGeom prst="rect">
                 <a:avLst/>
@@ -22548,8 +22534,8 @@
             </p:nvSpPr>
             <p:spPr bwMode="auto">
               <a:xfrm>
-                <a:off x="2566988" y="2613026"/>
-                <a:ext cx="3384550" cy="2209800"/>
+                <a:off x="2566988" y="2613028"/>
+                <a:ext cx="3384550" cy="2209801"/>
               </a:xfrm>
               <a:prstGeom prst="rect">
                 <a:avLst/>
@@ -22601,7 +22587,7 @@
               <p:nvPr/>
             </p:nvPicPr>
             <p:blipFill>
-              <a:blip r:embed="rId9">
+              <a:blip r:embed="rId10">
                 <a:extLst>
                   <a:ext uri="{28A0092B-C50C-407E-A947-70E740481C1C}">
                     <a14:useLocalDpi xmlns:a14="http://schemas.microsoft.com/office/drawing/2010/main" val="0"/>
@@ -22615,8 +22601,8 @@
             </p:blipFill>
             <p:spPr bwMode="auto">
               <a:xfrm>
-                <a:off x="2657476" y="3251201"/>
-                <a:ext cx="411163" cy="933450"/>
+                <a:off x="2657476" y="3251204"/>
+                <a:ext cx="411163" cy="933451"/>
               </a:xfrm>
               <a:prstGeom prst="rect">
                 <a:avLst/>
@@ -22661,7 +22647,7 @@
               <p:nvPr/>
             </p:nvPicPr>
             <p:blipFill>
-              <a:blip r:embed="rId10">
+              <a:blip r:embed="rId11">
                 <a:extLst>
                   <a:ext uri="{28A0092B-C50C-407E-A947-70E740481C1C}">
                     <a14:useLocalDpi xmlns:a14="http://schemas.microsoft.com/office/drawing/2010/main" val="0"/>
@@ -22675,8 +22661,8 @@
             </p:blipFill>
             <p:spPr bwMode="auto">
               <a:xfrm>
-                <a:off x="2657476" y="3251201"/>
-                <a:ext cx="411163" cy="933450"/>
+                <a:off x="2657476" y="3251204"/>
+                <a:ext cx="411163" cy="933451"/>
               </a:xfrm>
               <a:prstGeom prst="rect">
                 <a:avLst/>
@@ -22721,7 +22707,7 @@
               <p:nvPr/>
             </p:nvPicPr>
             <p:blipFill>
-              <a:blip r:embed="rId11">
+              <a:blip r:embed="rId12">
                 <a:extLst>
                   <a:ext uri="{28A0092B-C50C-407E-A947-70E740481C1C}">
                     <a14:useLocalDpi xmlns:a14="http://schemas.microsoft.com/office/drawing/2010/main" val="0"/>
@@ -22735,8 +22721,8 @@
             </p:blipFill>
             <p:spPr bwMode="auto">
               <a:xfrm>
-                <a:off x="3092451" y="2774951"/>
-                <a:ext cx="2741613" cy="1947863"/>
+                <a:off x="3092451" y="2774953"/>
+                <a:ext cx="2741613" cy="1947864"/>
               </a:xfrm>
               <a:prstGeom prst="rect">
                 <a:avLst/>
@@ -22781,7 +22767,7 @@
               <p:nvPr/>
             </p:nvPicPr>
             <p:blipFill>
-              <a:blip r:embed="rId12">
+              <a:blip r:embed="rId13">
                 <a:extLst>
                   <a:ext uri="{28A0092B-C50C-407E-A947-70E740481C1C}">
                     <a14:useLocalDpi xmlns:a14="http://schemas.microsoft.com/office/drawing/2010/main" val="0"/>
@@ -22795,7 +22781,7 @@
             </p:blipFill>
             <p:spPr bwMode="auto">
               <a:xfrm>
-                <a:off x="3092451" y="2774951"/>
+                <a:off x="3092451" y="2774952"/>
                 <a:ext cx="2741613" cy="1947863"/>
               </a:xfrm>
               <a:prstGeom prst="rect">
@@ -22842,7 +22828,7 @@
             </p:nvSpPr>
             <p:spPr bwMode="auto">
               <a:xfrm>
-                <a:off x="3101976" y="2767014"/>
+                <a:off x="3101976" y="2767016"/>
                 <a:ext cx="2687638" cy="1889125"/>
               </a:xfrm>
               <a:prstGeom prst="rect">
@@ -22895,7 +22881,7 @@
             </p:nvSpPr>
             <p:spPr bwMode="auto">
               <a:xfrm>
-                <a:off x="3101976" y="2767014"/>
+                <a:off x="3101976" y="2767016"/>
                 <a:ext cx="2687638" cy="1889125"/>
               </a:xfrm>
               <a:prstGeom prst="rect">
@@ -22948,7 +22934,7 @@
               <p:nvPr/>
             </p:nvPicPr>
             <p:blipFill>
-              <a:blip r:embed="rId13">
+              <a:blip r:embed="rId14">
                 <a:extLst>
                   <a:ext uri="{28A0092B-C50C-407E-A947-70E740481C1C}">
                     <a14:useLocalDpi xmlns:a14="http://schemas.microsoft.com/office/drawing/2010/main" val="0"/>
@@ -22962,7 +22948,7 @@
             </p:blipFill>
             <p:spPr bwMode="auto">
               <a:xfrm>
-                <a:off x="3192463" y="3762376"/>
+                <a:off x="3192463" y="3762378"/>
                 <a:ext cx="411163" cy="403225"/>
               </a:xfrm>
               <a:prstGeom prst="rect">
@@ -23008,7 +22994,7 @@
               <p:nvPr/>
             </p:nvPicPr>
             <p:blipFill>
-              <a:blip r:embed="rId14">
+              <a:blip r:embed="rId15">
                 <a:extLst>
                   <a:ext uri="{28A0092B-C50C-407E-A947-70E740481C1C}">
                     <a14:useLocalDpi xmlns:a14="http://schemas.microsoft.com/office/drawing/2010/main" val="0"/>
@@ -23022,7 +23008,7 @@
             </p:blipFill>
             <p:spPr bwMode="auto">
               <a:xfrm>
-                <a:off x="3192463" y="3762376"/>
+                <a:off x="3192463" y="3762378"/>
                 <a:ext cx="411163" cy="403225"/>
               </a:xfrm>
               <a:prstGeom prst="rect">
@@ -23068,7 +23054,7 @@
               <p:nvPr/>
             </p:nvPicPr>
             <p:blipFill>
-              <a:blip r:embed="rId15">
+              <a:blip r:embed="rId16">
                 <a:extLst>
                   <a:ext uri="{28A0092B-C50C-407E-A947-70E740481C1C}">
                     <a14:useLocalDpi xmlns:a14="http://schemas.microsoft.com/office/drawing/2010/main" val="0"/>
@@ -23082,8 +23068,8 @@
             </p:blipFill>
             <p:spPr bwMode="auto">
               <a:xfrm>
-                <a:off x="3192463" y="3619501"/>
-                <a:ext cx="411163" cy="393700"/>
+                <a:off x="3192463" y="3619503"/>
+                <a:ext cx="411163" cy="393701"/>
               </a:xfrm>
               <a:prstGeom prst="rect">
                 <a:avLst/>
@@ -23128,7 +23114,7 @@
               <p:nvPr/>
             </p:nvPicPr>
             <p:blipFill>
-              <a:blip r:embed="rId16">
+              <a:blip r:embed="rId17">
                 <a:extLst>
                   <a:ext uri="{28A0092B-C50C-407E-A947-70E740481C1C}">
                     <a14:useLocalDpi xmlns:a14="http://schemas.microsoft.com/office/drawing/2010/main" val="0"/>
@@ -23142,8 +23128,8 @@
             </p:blipFill>
             <p:spPr bwMode="auto">
               <a:xfrm>
-                <a:off x="3192463" y="3619501"/>
-                <a:ext cx="411163" cy="393700"/>
+                <a:off x="3192463" y="3619503"/>
+                <a:ext cx="411163" cy="393701"/>
               </a:xfrm>
               <a:prstGeom prst="rect">
                 <a:avLst/>
@@ -23188,7 +23174,7 @@
               <p:nvPr/>
             </p:nvPicPr>
             <p:blipFill>
-              <a:blip r:embed="rId17">
+              <a:blip r:embed="rId18">
                 <a:extLst>
                   <a:ext uri="{28A0092B-C50C-407E-A947-70E740481C1C}">
                     <a14:useLocalDpi xmlns:a14="http://schemas.microsoft.com/office/drawing/2010/main" val="0"/>
@@ -23202,7 +23188,7 @@
             </p:blipFill>
             <p:spPr bwMode="auto">
               <a:xfrm>
-                <a:off x="3192463" y="3549651"/>
+                <a:off x="3192463" y="3549653"/>
                 <a:ext cx="411163" cy="320675"/>
               </a:xfrm>
               <a:prstGeom prst="rect">
@@ -23248,7 +23234,7 @@
               <p:nvPr/>
             </p:nvPicPr>
             <p:blipFill>
-              <a:blip r:embed="rId18">
+              <a:blip r:embed="rId19">
                 <a:extLst>
                   <a:ext uri="{28A0092B-C50C-407E-A947-70E740481C1C}">
                     <a14:useLocalDpi xmlns:a14="http://schemas.microsoft.com/office/drawing/2010/main" val="0"/>
@@ -23262,7 +23248,7 @@
             </p:blipFill>
             <p:spPr bwMode="auto">
               <a:xfrm>
-                <a:off x="3192463" y="3549651"/>
+                <a:off x="3192463" y="3549653"/>
                 <a:ext cx="411163" cy="320675"/>
               </a:xfrm>
               <a:prstGeom prst="rect">
@@ -23308,7 +23294,7 @@
               <p:nvPr/>
             </p:nvPicPr>
             <p:blipFill>
-              <a:blip r:embed="rId19">
+              <a:blip r:embed="rId20">
                 <a:extLst>
                   <a:ext uri="{28A0092B-C50C-407E-A947-70E740481C1C}">
                     <a14:useLocalDpi xmlns:a14="http://schemas.microsoft.com/office/drawing/2010/main" val="0"/>
@@ -23322,7 +23308,7 @@
             </p:blipFill>
             <p:spPr bwMode="auto">
               <a:xfrm>
-                <a:off x="3192463" y="3254376"/>
+                <a:off x="3192463" y="3254378"/>
                 <a:ext cx="411163" cy="546100"/>
               </a:xfrm>
               <a:prstGeom prst="rect">
@@ -23368,7 +23354,7 @@
               <p:nvPr/>
             </p:nvPicPr>
             <p:blipFill>
-              <a:blip r:embed="rId20">
+              <a:blip r:embed="rId21">
                 <a:extLst>
                   <a:ext uri="{28A0092B-C50C-407E-A947-70E740481C1C}">
                     <a14:useLocalDpi xmlns:a14="http://schemas.microsoft.com/office/drawing/2010/main" val="0"/>
@@ -23382,7 +23368,7 @@
             </p:blipFill>
             <p:spPr bwMode="auto">
               <a:xfrm>
-                <a:off x="3192463" y="3254376"/>
+                <a:off x="3192463" y="3254378"/>
                 <a:ext cx="411163" cy="546100"/>
               </a:xfrm>
               <a:prstGeom prst="rect">
@@ -23429,8 +23415,8 @@
             </p:nvSpPr>
             <p:spPr bwMode="auto">
               <a:xfrm>
-                <a:off x="3562351" y="3098801"/>
-                <a:ext cx="457200" cy="1227138"/>
+                <a:off x="3562351" y="3098803"/>
+                <a:ext cx="457200" cy="1227139"/>
               </a:xfrm>
               <a:prstGeom prst="rect">
                 <a:avLst/>
@@ -23482,8 +23468,8 @@
             </p:nvSpPr>
             <p:spPr bwMode="auto">
               <a:xfrm>
-                <a:off x="3562351" y="3098801"/>
-                <a:ext cx="457200" cy="1227138"/>
+                <a:off x="3562351" y="3098803"/>
+                <a:ext cx="457200" cy="1227139"/>
               </a:xfrm>
               <a:prstGeom prst="rect">
                 <a:avLst/>
@@ -23536,7 +23522,7 @@
             </p:nvSpPr>
             <p:spPr bwMode="auto">
               <a:xfrm>
-                <a:off x="3895726" y="3176589"/>
+                <a:off x="3895726" y="3176591"/>
                 <a:ext cx="133350" cy="296863"/>
               </a:xfrm>
               <a:prstGeom prst="rect">
@@ -23730,7 +23716,7 @@
             </p:nvSpPr>
             <p:spPr bwMode="auto">
               <a:xfrm>
-                <a:off x="3762376" y="3421064"/>
+                <a:off x="3762376" y="3421066"/>
                 <a:ext cx="215900" cy="296863"/>
               </a:xfrm>
               <a:prstGeom prst="rect">
@@ -23924,7 +23910,7 @@
             </p:nvSpPr>
             <p:spPr bwMode="auto">
               <a:xfrm>
-                <a:off x="3762376" y="3665539"/>
+                <a:off x="3762376" y="3665541"/>
                 <a:ext cx="215900" cy="296863"/>
               </a:xfrm>
               <a:prstGeom prst="rect">
@@ -24118,7 +24104,7 @@
             </p:nvSpPr>
             <p:spPr bwMode="auto">
               <a:xfrm>
-                <a:off x="3895726" y="3665539"/>
+                <a:off x="3895726" y="3665541"/>
                 <a:ext cx="133350" cy="296863"/>
               </a:xfrm>
               <a:prstGeom prst="rect">
@@ -24312,7 +24298,7 @@
             </p:nvSpPr>
             <p:spPr bwMode="auto">
               <a:xfrm>
-                <a:off x="4186238" y="3170239"/>
+                <a:off x="4186238" y="3170240"/>
                 <a:ext cx="525463" cy="366713"/>
               </a:xfrm>
               <a:prstGeom prst="rect">
@@ -24365,7 +24351,7 @@
             </p:nvSpPr>
             <p:spPr bwMode="auto">
               <a:xfrm>
-                <a:off x="4186238" y="3170239"/>
+                <a:off x="4186238" y="3170240"/>
                 <a:ext cx="525463" cy="366713"/>
               </a:xfrm>
               <a:prstGeom prst="rect">
@@ -24419,7 +24405,7 @@
             </p:nvSpPr>
             <p:spPr bwMode="auto">
               <a:xfrm>
-                <a:off x="4311651" y="3249614"/>
+                <a:off x="4311651" y="3249616"/>
                 <a:ext cx="215900" cy="296863"/>
               </a:xfrm>
               <a:prstGeom prst="rect">
@@ -24613,7 +24599,7 @@
             </p:nvSpPr>
             <p:spPr bwMode="auto">
               <a:xfrm>
-                <a:off x="4445001" y="3249614"/>
+                <a:off x="4445001" y="3249616"/>
                 <a:ext cx="195263" cy="296863"/>
               </a:xfrm>
               <a:prstGeom prst="rect">
@@ -24807,7 +24793,7 @@
             </p:nvSpPr>
             <p:spPr bwMode="auto">
               <a:xfrm>
-                <a:off x="4311651" y="3494089"/>
+                <a:off x="4311651" y="3494091"/>
                 <a:ext cx="65" cy="276999"/>
               </a:xfrm>
               <a:prstGeom prst="rect">
@@ -24988,7 +24974,7 @@
             </p:nvSpPr>
             <p:spPr bwMode="auto">
               <a:xfrm>
-                <a:off x="4421188" y="3494089"/>
+                <a:off x="4421188" y="3494091"/>
                 <a:ext cx="65" cy="276999"/>
               </a:xfrm>
               <a:prstGeom prst="rect">
@@ -25169,7 +25155,7 @@
             </p:nvSpPr>
             <p:spPr bwMode="auto">
               <a:xfrm>
-                <a:off x="4532313" y="3494089"/>
+                <a:off x="4532313" y="3494091"/>
                 <a:ext cx="133350" cy="296863"/>
               </a:xfrm>
               <a:prstGeom prst="rect">
@@ -25363,7 +25349,7 @@
             </p:nvSpPr>
             <p:spPr bwMode="auto">
               <a:xfrm>
-                <a:off x="4200526" y="3956051"/>
+                <a:off x="4200526" y="3956053"/>
                 <a:ext cx="554038" cy="369888"/>
               </a:xfrm>
               <a:prstGeom prst="rect">
@@ -25416,7 +25402,7 @@
             </p:nvSpPr>
             <p:spPr bwMode="auto">
               <a:xfrm>
-                <a:off x="4200526" y="3956051"/>
+                <a:off x="4200526" y="3956053"/>
                 <a:ext cx="554038" cy="369888"/>
               </a:xfrm>
               <a:prstGeom prst="rect">
@@ -25470,7 +25456,7 @@
             </p:nvSpPr>
             <p:spPr bwMode="auto">
               <a:xfrm>
-                <a:off x="4325938" y="4035426"/>
+                <a:off x="4325938" y="4035428"/>
                 <a:ext cx="215900" cy="296863"/>
               </a:xfrm>
               <a:prstGeom prst="rect">
@@ -25664,7 +25650,7 @@
             </p:nvSpPr>
             <p:spPr bwMode="auto">
               <a:xfrm>
-                <a:off x="4459288" y="4035426"/>
+                <a:off x="4459288" y="4035428"/>
                 <a:ext cx="195263" cy="296863"/>
               </a:xfrm>
               <a:prstGeom prst="rect">
@@ -25858,7 +25844,7 @@
             </p:nvSpPr>
             <p:spPr bwMode="auto">
               <a:xfrm>
-                <a:off x="4325938" y="4279901"/>
+                <a:off x="4325938" y="4279902"/>
                 <a:ext cx="65" cy="276999"/>
               </a:xfrm>
               <a:prstGeom prst="rect">
@@ -26040,7 +26026,7 @@
             <p:spPr bwMode="auto">
               <a:xfrm>
                 <a:off x="4437063" y="4279901"/>
-                <a:ext cx="133350" cy="296863"/>
+                <a:ext cx="133350" cy="296862"/>
               </a:xfrm>
               <a:prstGeom prst="rect">
                 <a:avLst/>
@@ -26285,7 +26271,7 @@
             </p:nvSpPr>
             <p:spPr bwMode="auto">
               <a:xfrm>
-                <a:off x="4013201" y="4160839"/>
+                <a:off x="4013201" y="4160840"/>
                 <a:ext cx="192088" cy="6350"/>
               </a:xfrm>
               <a:prstGeom prst="line">
@@ -26530,8 +26516,8 @@
             </p:nvSpPr>
             <p:spPr bwMode="auto">
               <a:xfrm>
-                <a:off x="5083176" y="3495676"/>
-                <a:ext cx="133350" cy="296863"/>
+                <a:off x="5083176" y="3495677"/>
+                <a:ext cx="133350" cy="296862"/>
               </a:xfrm>
               <a:prstGeom prst="rect">
                 <a:avLst/>
@@ -26724,8 +26710,8 @@
             </p:nvSpPr>
             <p:spPr bwMode="auto">
               <a:xfrm>
-                <a:off x="4979988" y="3251201"/>
-                <a:ext cx="339725" cy="296863"/>
+                <a:off x="4979988" y="3251202"/>
+                <a:ext cx="339725" cy="296862"/>
               </a:xfrm>
               <a:prstGeom prst="rect">
                 <a:avLst/>
@@ -26918,8 +26904,8 @@
             </p:nvSpPr>
             <p:spPr bwMode="auto">
               <a:xfrm>
-                <a:off x="5233988" y="3251201"/>
-                <a:ext cx="133350" cy="296863"/>
+                <a:off x="5233988" y="3251202"/>
+                <a:ext cx="133350" cy="296862"/>
               </a:xfrm>
               <a:prstGeom prst="rect">
                 <a:avLst/>
@@ -27305,8 +27291,8 @@
             </p:nvSpPr>
             <p:spPr bwMode="auto">
               <a:xfrm>
-                <a:off x="5013326" y="4029076"/>
-                <a:ext cx="195263" cy="296863"/>
+                <a:off x="5013326" y="4029077"/>
+                <a:ext cx="195263" cy="296862"/>
               </a:xfrm>
               <a:prstGeom prst="rect">
                 <a:avLst/>
@@ -27499,8 +27485,8 @@
             </p:nvSpPr>
             <p:spPr bwMode="auto">
               <a:xfrm>
-                <a:off x="5124451" y="4029076"/>
-                <a:ext cx="228600" cy="296863"/>
+                <a:off x="5124451" y="4029077"/>
+                <a:ext cx="228600" cy="296862"/>
               </a:xfrm>
               <a:prstGeom prst="rect">
                 <a:avLst/>
@@ -27693,7 +27679,7 @@
             </p:nvSpPr>
             <p:spPr bwMode="auto">
               <a:xfrm>
-                <a:off x="5013326" y="4273551"/>
+                <a:off x="5013326" y="4273552"/>
                 <a:ext cx="65" cy="276999"/>
               </a:xfrm>
               <a:prstGeom prst="rect">
@@ -27874,7 +27860,7 @@
             </p:nvSpPr>
             <p:spPr bwMode="auto">
               <a:xfrm>
-                <a:off x="5156201" y="4273551"/>
+                <a:off x="5156201" y="4273552"/>
                 <a:ext cx="133350" cy="296863"/>
               </a:xfrm>
               <a:prstGeom prst="rect">
@@ -28068,7 +28054,7 @@
             </p:nvSpPr>
             <p:spPr bwMode="auto">
               <a:xfrm>
-                <a:off x="4630738" y="3376614"/>
+                <a:off x="4630738" y="3376615"/>
                 <a:ext cx="276225" cy="0"/>
               </a:xfrm>
               <a:prstGeom prst="line">
@@ -28120,7 +28106,7 @@
             </p:nvSpPr>
             <p:spPr bwMode="auto">
               <a:xfrm>
-                <a:off x="4659313" y="4144964"/>
+                <a:off x="4659313" y="4144965"/>
                 <a:ext cx="287338" cy="0"/>
               </a:xfrm>
               <a:prstGeom prst="line">
@@ -28172,7 +28158,7 @@
             </p:nvSpPr>
             <p:spPr bwMode="auto">
               <a:xfrm flipV="1">
-                <a:off x="5370513" y="3338514"/>
+                <a:off x="5370513" y="3338515"/>
                 <a:ext cx="1112838" cy="23813"/>
               </a:xfrm>
               <a:prstGeom prst="line">
@@ -28224,7 +28210,7 @@
             </p:nvSpPr>
             <p:spPr bwMode="auto">
               <a:xfrm>
-                <a:off x="5426076" y="4138614"/>
+                <a:off x="5426076" y="4138615"/>
                 <a:ext cx="1112838" cy="7938"/>
               </a:xfrm>
               <a:prstGeom prst="line">
@@ -28328,7 +28314,7 @@
             </p:nvSpPr>
             <p:spPr bwMode="auto">
               <a:xfrm flipH="1">
-                <a:off x="6488113" y="3098801"/>
+                <a:off x="6488113" y="3098802"/>
                 <a:ext cx="106363" cy="455613"/>
               </a:xfrm>
               <a:prstGeom prst="line">
@@ -28432,7 +28418,7 @@
             </p:nvSpPr>
             <p:spPr bwMode="auto">
               <a:xfrm flipH="1">
-                <a:off x="6537326" y="3954464"/>
+                <a:off x="6537326" y="3954465"/>
                 <a:ext cx="107950" cy="455613"/>
               </a:xfrm>
               <a:prstGeom prst="line">
@@ -28484,7 +28470,7 @@
             </p:nvSpPr>
             <p:spPr bwMode="auto">
               <a:xfrm flipV="1">
-                <a:off x="6537326" y="3324226"/>
+                <a:off x="6537326" y="3324227"/>
                 <a:ext cx="427038" cy="14288"/>
               </a:xfrm>
               <a:prstGeom prst="line">
@@ -28536,7 +28522,7 @@
             </p:nvSpPr>
             <p:spPr bwMode="auto">
               <a:xfrm flipV="1">
-                <a:off x="6607176" y="4137026"/>
+                <a:off x="6607176" y="4137027"/>
                 <a:ext cx="427038" cy="15875"/>
               </a:xfrm>
               <a:prstGeom prst="line">
@@ -28588,7 +28574,7 @@
             </p:nvSpPr>
             <p:spPr bwMode="auto">
               <a:xfrm flipV="1">
-                <a:off x="6964363" y="3067051"/>
+                <a:off x="6964363" y="3067052"/>
                 <a:ext cx="0" cy="234950"/>
               </a:xfrm>
               <a:prstGeom prst="line">
@@ -29078,7 +29064,7 @@
             </p:nvSpPr>
             <p:spPr bwMode="auto">
               <a:xfrm>
-                <a:off x="6284913" y="3657601"/>
+                <a:off x="6284913" y="3657600"/>
                 <a:ext cx="584200" cy="296863"/>
               </a:xfrm>
               <a:prstGeom prst="rect">
@@ -29272,7 +29258,7 @@
             </p:nvSpPr>
             <p:spPr bwMode="auto">
               <a:xfrm>
-                <a:off x="6781801" y="3657601"/>
+                <a:off x="6781801" y="3657602"/>
                 <a:ext cx="133350" cy="296863"/>
               </a:xfrm>
               <a:prstGeom prst="rect">
@@ -29660,7 +29646,7 @@
             </p:nvSpPr>
             <p:spPr bwMode="auto">
               <a:xfrm>
-                <a:off x="7394576" y="3186114"/>
+                <a:off x="7394576" y="3186115"/>
                 <a:ext cx="250825" cy="206375"/>
               </a:xfrm>
               <a:prstGeom prst="rect">
@@ -29854,7 +29840,7 @@
             </p:nvSpPr>
             <p:spPr bwMode="auto">
               <a:xfrm>
-                <a:off x="7570788" y="3186114"/>
+                <a:off x="7570788" y="3186115"/>
                 <a:ext cx="93663" cy="207963"/>
               </a:xfrm>
               <a:prstGeom prst="rect">
@@ -30048,7 +30034,7 @@
             </p:nvSpPr>
             <p:spPr bwMode="auto">
               <a:xfrm>
-                <a:off x="1524001" y="2946401"/>
+                <a:off x="1524001" y="2946400"/>
                 <a:ext cx="279400" cy="390525"/>
               </a:xfrm>
               <a:prstGeom prst="rect">
@@ -30242,7 +30228,7 @@
             </p:nvSpPr>
             <p:spPr bwMode="auto">
               <a:xfrm>
-                <a:off x="1684338" y="3086101"/>
+                <a:off x="1684338" y="3086100"/>
                 <a:ext cx="179388" cy="206375"/>
               </a:xfrm>
               <a:prstGeom prst="rect">
@@ -30436,7 +30422,7 @@
             </p:nvSpPr>
             <p:spPr bwMode="auto">
               <a:xfrm>
-                <a:off x="1795463" y="3086101"/>
+                <a:off x="1795463" y="3086100"/>
                 <a:ext cx="93663" cy="207963"/>
               </a:xfrm>
               <a:prstGeom prst="rect">
@@ -30630,7 +30616,7 @@
             </p:nvSpPr>
             <p:spPr bwMode="auto">
               <a:xfrm>
-                <a:off x="1400176" y="3490914"/>
+                <a:off x="1400176" y="3490913"/>
                 <a:ext cx="525463" cy="307975"/>
               </a:xfrm>
               <a:custGeom>
@@ -32613,9 +32599,9 @@
         <p:grpSpPr>
           <a:xfrm>
             <a:off x="362222" y="3687219"/>
-            <a:ext cx="5576048" cy="2823028"/>
-            <a:chOff x="1217745" y="2982977"/>
-            <a:chExt cx="10204239" cy="3579205"/>
+            <a:ext cx="5576048" cy="2823032"/>
+            <a:chOff x="1217744" y="2982970"/>
+            <a:chExt cx="10204218" cy="3579202"/>
           </a:xfrm>
         </p:grpSpPr>
         <p:cxnSp>
@@ -32632,8 +32618,8 @@
           </p:nvCxnSpPr>
           <p:spPr>
             <a:xfrm flipV="1">
-              <a:off x="3700443" y="2982977"/>
-              <a:ext cx="0" cy="3082016"/>
+              <a:off x="3700437" y="2982970"/>
+              <a:ext cx="0" cy="3082009"/>
             </a:xfrm>
             <a:prstGeom prst="straightConnector1">
               <a:avLst/>
@@ -32663,8 +32649,8 @@
           </p:nvCxnSpPr>
           <p:spPr>
             <a:xfrm flipV="1">
-              <a:off x="3712241" y="6046083"/>
-              <a:ext cx="5688434" cy="3"/>
+              <a:off x="3712235" y="6046069"/>
+              <a:ext cx="5688422" cy="3"/>
             </a:xfrm>
             <a:prstGeom prst="straightConnector1">
               <a:avLst/>
@@ -32694,8 +32680,8 @@
           </p:nvCxnSpPr>
           <p:spPr>
             <a:xfrm>
-              <a:off x="8589163" y="3441586"/>
-              <a:ext cx="0" cy="1579125"/>
+              <a:off x="8589147" y="3441578"/>
+              <a:ext cx="0" cy="1579121"/>
             </a:xfrm>
             <a:prstGeom prst="straightConnector1">
               <a:avLst/>
@@ -32729,8 +32715,8 @@
           </p:nvCxnSpPr>
           <p:spPr>
             <a:xfrm>
-              <a:off x="8587223" y="5099016"/>
-              <a:ext cx="0" cy="947064"/>
+              <a:off x="8587207" y="5099004"/>
+              <a:ext cx="0" cy="947062"/>
             </a:xfrm>
             <a:prstGeom prst="straightConnector1">
               <a:avLst/>
@@ -32764,8 +32750,8 @@
           </p:nvSpPr>
           <p:spPr>
             <a:xfrm>
-              <a:off x="8561698" y="5426461"/>
-              <a:ext cx="2860286" cy="623428"/>
+              <a:off x="8561682" y="5426448"/>
+              <a:ext cx="2860280" cy="623427"/>
             </a:xfrm>
             <a:prstGeom prst="rect">
               <a:avLst/>
@@ -32794,8 +32780,8 @@
             </a:p>
           </p:txBody>
         </p:sp>
-        <mc:AlternateContent xmlns:mc="http://schemas.openxmlformats.org/markup-compatibility/2006" xmlns:a14="http://schemas.microsoft.com/office/drawing/2010/main">
-          <mc:Choice Requires="a14">
+        <mc:AlternateContent xmlns:mc="http://schemas.openxmlformats.org/markup-compatibility/2006">
+          <mc:Choice xmlns:a14="http://schemas.microsoft.com/office/drawing/2010/main" Requires="a14">
             <p:sp>
               <p:nvSpPr>
                 <p:cNvPr id="48" name="TextBox 47">
@@ -32810,8 +32796,8 @@
               </p:nvSpPr>
               <p:spPr>
                 <a:xfrm>
-                  <a:off x="1217745" y="3026144"/>
-                  <a:ext cx="2626676" cy="1228153"/>
+                  <a:off x="1217744" y="3026137"/>
+                  <a:ext cx="2626671" cy="1228150"/>
                 </a:xfrm>
                 <a:prstGeom prst="rect">
                   <a:avLst/>
@@ -32857,7 +32843,7 @@
               </p:txBody>
             </p:sp>
           </mc:Choice>
-          <mc:Fallback xmlns="">
+          <mc:Fallback>
             <p:sp>
               <p:nvSpPr>
                 <p:cNvPr id="48" name="TextBox 47">
@@ -32874,8 +32860,8 @@
               </p:nvSpPr>
               <p:spPr>
                 <a:xfrm>
-                  <a:off x="1217745" y="3026144"/>
-                  <a:ext cx="2626676" cy="1228153"/>
+                  <a:off x="1217744" y="3026137"/>
+                  <a:ext cx="2626671" cy="1228150"/>
                 </a:xfrm>
                 <a:prstGeom prst="rect">
                   <a:avLst/>
@@ -32916,8 +32902,8 @@
           </p:nvCxnSpPr>
           <p:spPr>
             <a:xfrm>
-              <a:off x="5698641" y="4377235"/>
-              <a:ext cx="917986" cy="0"/>
+              <a:off x="5698631" y="4377225"/>
+              <a:ext cx="917984" cy="0"/>
             </a:xfrm>
             <a:prstGeom prst="line">
               <a:avLst/>
@@ -32946,8 +32932,8 @@
           </p:nvCxnSpPr>
           <p:spPr>
             <a:xfrm flipV="1">
-              <a:off x="6616627" y="4060943"/>
-              <a:ext cx="0" cy="316293"/>
+              <a:off x="6616615" y="4060934"/>
+              <a:ext cx="0" cy="316292"/>
             </a:xfrm>
             <a:prstGeom prst="line">
               <a:avLst/>
@@ -32962,8 +32948,8 @@
             <a:effectLst/>
           </p:spPr>
         </p:cxnSp>
-        <mc:AlternateContent xmlns:mc="http://schemas.openxmlformats.org/markup-compatibility/2006" xmlns:a14="http://schemas.microsoft.com/office/drawing/2010/main">
-          <mc:Choice Requires="a14">
+        <mc:AlternateContent xmlns:mc="http://schemas.openxmlformats.org/markup-compatibility/2006">
+          <mc:Choice xmlns:a14="http://schemas.microsoft.com/office/drawing/2010/main" Requires="a14">
             <p:sp>
               <p:nvSpPr>
                 <p:cNvPr id="51" name="Rectangle 50">
@@ -32978,8 +32964,8 @@
               </p:nvSpPr>
               <p:spPr>
                 <a:xfrm>
-                  <a:off x="6557574" y="4074742"/>
-                  <a:ext cx="590066" cy="531862"/>
+                  <a:off x="6557562" y="4074732"/>
+                  <a:ext cx="590064" cy="531861"/>
                 </a:xfrm>
                 <a:prstGeom prst="rect">
                   <a:avLst/>
@@ -33050,7 +33036,7 @@
               </p:txBody>
             </p:sp>
           </mc:Choice>
-          <mc:Fallback xmlns="">
+          <mc:Fallback>
             <p:sp>
               <p:nvSpPr>
                 <p:cNvPr id="51" name="Rectangle 50">
@@ -33067,8 +33053,8 @@
               </p:nvSpPr>
               <p:spPr>
                 <a:xfrm>
-                  <a:off x="6557574" y="4074742"/>
-                  <a:ext cx="590066" cy="531862"/>
+                  <a:off x="6557562" y="4074732"/>
+                  <a:ext cx="590064" cy="531861"/>
                 </a:xfrm>
                 <a:prstGeom prst="rect">
                   <a:avLst/>
@@ -33095,8 +33081,8 @@
             </p:sp>
           </mc:Fallback>
         </mc:AlternateContent>
-        <mc:AlternateContent xmlns:mc="http://schemas.openxmlformats.org/markup-compatibility/2006" xmlns:a14="http://schemas.microsoft.com/office/drawing/2010/main">
-          <mc:Choice Requires="a14">
+        <mc:AlternateContent xmlns:mc="http://schemas.openxmlformats.org/markup-compatibility/2006">
+          <mc:Choice xmlns:a14="http://schemas.microsoft.com/office/drawing/2010/main" Requires="a14">
             <p:sp>
               <p:nvSpPr>
                 <p:cNvPr id="52" name="Rectangle 51">
@@ -33111,8 +33097,8 @@
               </p:nvSpPr>
               <p:spPr>
                 <a:xfrm>
-                  <a:off x="9226840" y="5991931"/>
-                  <a:ext cx="742766" cy="533897"/>
+                  <a:off x="9226823" y="5991918"/>
+                  <a:ext cx="742764" cy="533896"/>
                 </a:xfrm>
                 <a:prstGeom prst="rect">
                   <a:avLst/>
@@ -33155,7 +33141,7 @@
               </p:txBody>
             </p:sp>
           </mc:Choice>
-          <mc:Fallback xmlns="">
+          <mc:Fallback>
             <p:sp>
               <p:nvSpPr>
                 <p:cNvPr id="52" name="Rectangle 51">
@@ -33172,8 +33158,8 @@
               </p:nvSpPr>
               <p:spPr>
                 <a:xfrm>
-                  <a:off x="9226840" y="5991931"/>
-                  <a:ext cx="742766" cy="533897"/>
+                  <a:off x="9226823" y="5991918"/>
+                  <a:ext cx="742764" cy="533896"/>
                 </a:xfrm>
                 <a:prstGeom prst="rect">
                   <a:avLst/>
@@ -33200,8 +33186,8 @@
             </p:sp>
           </mc:Fallback>
         </mc:AlternateContent>
-        <mc:AlternateContent xmlns:mc="http://schemas.openxmlformats.org/markup-compatibility/2006" xmlns:a14="http://schemas.microsoft.com/office/drawing/2010/main">
-          <mc:Choice Requires="a14">
+        <mc:AlternateContent xmlns:mc="http://schemas.openxmlformats.org/markup-compatibility/2006">
+          <mc:Choice xmlns:a14="http://schemas.microsoft.com/office/drawing/2010/main" Requires="a14">
             <p:sp>
               <p:nvSpPr>
                 <p:cNvPr id="53" name="Rectangle 52">
@@ -33216,8 +33202,8 @@
               </p:nvSpPr>
               <p:spPr>
                 <a:xfrm>
-                  <a:off x="2399567" y="5381190"/>
-                  <a:ext cx="1499262" cy="525325"/>
+                  <a:off x="2399564" y="5381178"/>
+                  <a:ext cx="1499259" cy="525324"/>
                 </a:xfrm>
                 <a:prstGeom prst="rect">
                   <a:avLst/>
@@ -33288,7 +33274,7 @@
               </p:txBody>
             </p:sp>
           </mc:Choice>
-          <mc:Fallback xmlns="">
+          <mc:Fallback>
             <p:sp>
               <p:nvSpPr>
                 <p:cNvPr id="53" name="Rectangle 52">
@@ -33305,8 +33291,8 @@
               </p:nvSpPr>
               <p:spPr>
                 <a:xfrm>
-                  <a:off x="2399567" y="5381190"/>
-                  <a:ext cx="1499262" cy="525325"/>
+                  <a:off x="2399564" y="5381178"/>
+                  <a:ext cx="1499259" cy="525324"/>
                 </a:xfrm>
                 <a:prstGeom prst="rect">
                   <a:avLst/>
@@ -33347,8 +33333,8 @@
           </p:nvCxnSpPr>
           <p:spPr>
             <a:xfrm flipV="1">
-              <a:off x="3559197" y="5560861"/>
-              <a:ext cx="140494" cy="3"/>
+              <a:off x="3559191" y="5560849"/>
+              <a:ext cx="140493" cy="3"/>
             </a:xfrm>
             <a:prstGeom prst="straightConnector1">
               <a:avLst/>
@@ -33382,8 +33368,8 @@
           </p:nvSpPr>
           <p:spPr>
             <a:xfrm>
-              <a:off x="4704520" y="6069240"/>
-              <a:ext cx="2812501" cy="462815"/>
+              <a:off x="4704512" y="6069227"/>
+              <a:ext cx="2812496" cy="462814"/>
             </a:xfrm>
             <a:prstGeom prst="rect">
               <a:avLst/>
@@ -33422,8 +33408,8 @@
           </p:nvCxnSpPr>
           <p:spPr bwMode="auto">
             <a:xfrm>
-              <a:off x="3700443" y="5099016"/>
-              <a:ext cx="4656246" cy="0"/>
+              <a:off x="3700437" y="5099004"/>
+              <a:ext cx="4656237" cy="0"/>
             </a:xfrm>
             <a:prstGeom prst="line">
               <a:avLst/>
@@ -33457,8 +33443,8 @@
           </p:nvCxnSpPr>
           <p:spPr bwMode="auto">
             <a:xfrm flipV="1">
-              <a:off x="3700443" y="3425542"/>
-              <a:ext cx="4646659" cy="1657431"/>
+              <a:off x="3700437" y="3425535"/>
+              <a:ext cx="4646650" cy="1657427"/>
             </a:xfrm>
             <a:prstGeom prst="line">
               <a:avLst/>
@@ -33478,8 +33464,8 @@
             <a:effectLst/>
           </p:spPr>
         </p:cxnSp>
-        <mc:AlternateContent xmlns:mc="http://schemas.openxmlformats.org/markup-compatibility/2006" xmlns:a14="http://schemas.microsoft.com/office/drawing/2010/main">
-          <mc:Choice Requires="a14">
+        <mc:AlternateContent xmlns:mc="http://schemas.openxmlformats.org/markup-compatibility/2006">
+          <mc:Choice xmlns:a14="http://schemas.microsoft.com/office/drawing/2010/main" Requires="a14">
             <p:sp>
               <p:nvSpPr>
                 <p:cNvPr id="59" name="Rectangle 58">
@@ -33494,8 +33480,8 @@
               </p:nvSpPr>
               <p:spPr>
                 <a:xfrm>
-                  <a:off x="2649717" y="4852547"/>
-                  <a:ext cx="859167" cy="492942"/>
+                  <a:off x="2649713" y="4852536"/>
+                  <a:ext cx="859166" cy="492940"/>
                 </a:xfrm>
                 <a:prstGeom prst="rect">
                   <a:avLst/>
@@ -33563,7 +33549,7 @@
               </p:txBody>
             </p:sp>
           </mc:Choice>
-          <mc:Fallback xmlns="">
+          <mc:Fallback>
             <p:sp>
               <p:nvSpPr>
                 <p:cNvPr id="59" name="Rectangle 58">
@@ -33580,8 +33566,8 @@
               </p:nvSpPr>
               <p:spPr>
                 <a:xfrm>
-                  <a:off x="2649717" y="4852547"/>
-                  <a:ext cx="859167" cy="492942"/>
+                  <a:off x="2649713" y="4852536"/>
+                  <a:ext cx="859166" cy="492940"/>
                 </a:xfrm>
                 <a:prstGeom prst="rect">
                   <a:avLst/>
@@ -33622,8 +33608,8 @@
           </p:nvCxnSpPr>
           <p:spPr>
             <a:xfrm flipV="1">
-              <a:off x="3567220" y="5103659"/>
-              <a:ext cx="140494" cy="1"/>
+              <a:off x="3567214" y="5103648"/>
+              <a:ext cx="140493" cy="1"/>
             </a:xfrm>
             <a:prstGeom prst="straightConnector1">
               <a:avLst/>
@@ -33657,8 +33643,8 @@
           </p:nvSpPr>
           <p:spPr>
             <a:xfrm>
-              <a:off x="3567218" y="6067450"/>
-              <a:ext cx="569690" cy="492942"/>
+              <a:off x="3567212" y="6067437"/>
+              <a:ext cx="569689" cy="492940"/>
             </a:xfrm>
             <a:prstGeom prst="rect">
               <a:avLst/>
@@ -33697,8 +33683,8 @@
           </p:nvSpPr>
           <p:spPr>
             <a:xfrm>
-              <a:off x="7844840" y="6069240"/>
-              <a:ext cx="1033185" cy="492942"/>
+              <a:off x="7844826" y="6069231"/>
+              <a:ext cx="1033183" cy="492941"/>
             </a:xfrm>
             <a:prstGeom prst="rect">
               <a:avLst/>

--- a/PresentationKoustubh_version1.pptx
+++ b/PresentationKoustubh_version1.pptx
@@ -5,16 +5,16 @@
     <p:sldMasterId id="2147483648" r:id="rId1"/>
   </p:sldMasterIdLst>
   <p:notesMasterIdLst>
-    <p:notesMasterId r:id="rId39"/>
+    <p:notesMasterId r:id="rId40"/>
   </p:notesMasterIdLst>
   <p:handoutMasterIdLst>
-    <p:handoutMasterId r:id="rId40"/>
+    <p:handoutMasterId r:id="rId41"/>
   </p:handoutMasterIdLst>
   <p:sldIdLst>
     <p:sldId id="430" r:id="rId2"/>
     <p:sldId id="337" r:id="rId3"/>
-    <p:sldId id="380" r:id="rId4"/>
-    <p:sldId id="519" r:id="rId5"/>
+    <p:sldId id="521" r:id="rId4"/>
+    <p:sldId id="380" r:id="rId5"/>
     <p:sldId id="394" r:id="rId6"/>
     <p:sldId id="381" r:id="rId7"/>
     <p:sldId id="448" r:id="rId8"/>
@@ -34,20 +34,21 @@
     <p:sldId id="426" r:id="rId22"/>
     <p:sldId id="427" r:id="rId23"/>
     <p:sldId id="431" r:id="rId24"/>
-    <p:sldId id="432" r:id="rId25"/>
-    <p:sldId id="433" r:id="rId26"/>
-    <p:sldId id="434" r:id="rId27"/>
-    <p:sldId id="435" r:id="rId28"/>
-    <p:sldId id="436" r:id="rId29"/>
-    <p:sldId id="437" r:id="rId30"/>
-    <p:sldId id="438" r:id="rId31"/>
-    <p:sldId id="439" r:id="rId32"/>
-    <p:sldId id="441" r:id="rId33"/>
-    <p:sldId id="471" r:id="rId34"/>
-    <p:sldId id="442" r:id="rId35"/>
-    <p:sldId id="518" r:id="rId36"/>
-    <p:sldId id="405" r:id="rId37"/>
-    <p:sldId id="362" r:id="rId38"/>
+    <p:sldId id="434" r:id="rId25"/>
+    <p:sldId id="437" r:id="rId26"/>
+    <p:sldId id="441" r:id="rId27"/>
+    <p:sldId id="471" r:id="rId28"/>
+    <p:sldId id="442" r:id="rId29"/>
+    <p:sldId id="518" r:id="rId30"/>
+    <p:sldId id="405" r:id="rId31"/>
+    <p:sldId id="362" r:id="rId32"/>
+    <p:sldId id="522" r:id="rId33"/>
+    <p:sldId id="523" r:id="rId34"/>
+    <p:sldId id="524" r:id="rId35"/>
+    <p:sldId id="525" r:id="rId36"/>
+    <p:sldId id="526" r:id="rId37"/>
+    <p:sldId id="527" r:id="rId38"/>
+    <p:sldId id="528" r:id="rId39"/>
   </p:sldIdLst>
   <p:sldSz cx="9001125" cy="6840538"/>
   <p:notesSz cx="6794500" cy="9931400"/>
@@ -2893,7 +2894,7 @@
     </p:spTree>
     <p:extLst>
       <p:ext uri="{BB962C8B-B14F-4D97-AF65-F5344CB8AC3E}">
-        <p14:creationId xmlns:p14="http://schemas.microsoft.com/office/powerpoint/2010/main" val="433694649"/>
+        <p14:creationId xmlns:p14="http://schemas.microsoft.com/office/powerpoint/2010/main" val="148587594"/>
       </p:ext>
     </p:extLst>
   </p:cSld>
@@ -3046,7 +3047,7 @@
     </p:spTree>
     <p:extLst>
       <p:ext uri="{BB962C8B-B14F-4D97-AF65-F5344CB8AC3E}">
-        <p14:creationId xmlns:p14="http://schemas.microsoft.com/office/powerpoint/2010/main" val="1935395447"/>
+        <p14:creationId xmlns:p14="http://schemas.microsoft.com/office/powerpoint/2010/main" val="377718352"/>
       </p:ext>
     </p:extLst>
   </p:cSld>
@@ -3199,7 +3200,7 @@
     </p:spTree>
     <p:extLst>
       <p:ext uri="{BB962C8B-B14F-4D97-AF65-F5344CB8AC3E}">
-        <p14:creationId xmlns:p14="http://schemas.microsoft.com/office/powerpoint/2010/main" val="148587594"/>
+        <p14:creationId xmlns:p14="http://schemas.microsoft.com/office/powerpoint/2010/main" val="2170403061"/>
       </p:ext>
     </p:extLst>
   </p:cSld>
@@ -3300,7 +3301,7 @@
             <a:fld id="{CC13FD4B-1391-7946-A8ED-18550D8B130B}" type="slidenum">
               <a:rPr lang="sv-SE" smtClean="0"/>
               <a:pPr/>
-              <a:t>3</a:t>
+              <a:t>4</a:t>
             </a:fld>
             <a:endParaRPr lang="sv-SE" dirty="0"/>
           </a:p>
@@ -3363,35 +3364,18 @@
           <a:bodyPr/>
           <a:lstStyle/>
           <a:p>
-            <a:pPr marL="0" marR="0" lvl="0" indent="0" algn="l" defTabSz="457200" rtl="0" eaLnBrk="1" fontAlgn="auto" latinLnBrk="0" hangingPunct="1">
-              <a:lnSpc>
-                <a:spcPct val="100000"/>
-              </a:lnSpc>
-              <a:spcBef>
-                <a:spcPts val="0"/>
-              </a:spcBef>
-              <a:spcAft>
-                <a:spcPts val="0"/>
-              </a:spcAft>
-              <a:buClrTx/>
-              <a:buSzTx/>
-              <a:buFontTx/>
-              <a:buNone/>
-              <a:tabLst/>
-              <a:defRPr/>
-            </a:pPr>
             <a:endParaRPr lang="en-US" dirty="0"/>
           </a:p>
         </p:txBody>
       </p:sp>
       <p:sp>
         <p:nvSpPr>
-          <p:cNvPr id="4" name="Date Placeholder 3"/>
+          <p:cNvPr id="4" name="Slide Number Placeholder 3"/>
           <p:cNvSpPr>
             <a:spLocks noGrp="1"/>
           </p:cNvSpPr>
           <p:nvPr>
-            <p:ph type="dt" idx="10"/>
+            <p:ph type="sldNum" sz="quarter" idx="10"/>
           </p:nvPr>
         </p:nvSpPr>
         <p:spPr/>
@@ -3399,87 +3383,19 @@
           <a:bodyPr/>
           <a:lstStyle/>
           <a:p>
-            <a:r>
-              <a:rPr lang="en-US"/>
-              <a:t>2015-12-14 </a:t>
-            </a:r>
-            <a:endParaRPr lang="en-US" dirty="0"/>
-          </a:p>
-        </p:txBody>
-      </p:sp>
-      <p:sp>
-        <p:nvSpPr>
-          <p:cNvPr id="5" name="Slide Number Placeholder 4"/>
-          <p:cNvSpPr>
-            <a:spLocks noGrp="1"/>
-          </p:cNvSpPr>
-          <p:nvPr>
-            <p:ph type="sldNum" sz="quarter" idx="11"/>
-          </p:nvPr>
-        </p:nvSpPr>
-        <p:spPr/>
-        <p:txBody>
-          <a:bodyPr/>
-          <a:lstStyle/>
-          <a:p>
-            <a:fld id="{D407C779-71CB-46C6-A5E7-00E2B059A908}" type="slidenum">
-              <a:rPr lang="en-US" smtClean="0"/>
+            <a:fld id="{CC13FD4B-1391-7946-A8ED-18550D8B130B}" type="slidenum">
+              <a:rPr lang="sv-SE" smtClean="0"/>
+              <a:pPr/>
               <a:t>27</a:t>
             </a:fld>
-            <a:endParaRPr lang="en-US" dirty="0"/>
-          </a:p>
-        </p:txBody>
-      </p:sp>
-      <p:sp>
-        <p:nvSpPr>
-          <p:cNvPr id="6" name="Header Placeholder 5"/>
-          <p:cNvSpPr>
-            <a:spLocks noGrp="1"/>
-          </p:cNvSpPr>
-          <p:nvPr>
-            <p:ph type="hdr" sz="quarter" idx="12"/>
-          </p:nvPr>
-        </p:nvSpPr>
-        <p:spPr/>
-        <p:txBody>
-          <a:bodyPr/>
-          <a:lstStyle/>
-          <a:p>
-            <a:r>
-              <a:rPr lang="en-US"/>
-              <a:t>Energy Efficiency of Heterogeneous LTE Networks </a:t>
-            </a:r>
-            <a:endParaRPr lang="en-US" dirty="0"/>
-          </a:p>
-        </p:txBody>
-      </p:sp>
-      <p:sp>
-        <p:nvSpPr>
-          <p:cNvPr id="7" name="Footer Placeholder 6"/>
-          <p:cNvSpPr>
-            <a:spLocks noGrp="1"/>
-          </p:cNvSpPr>
-          <p:nvPr>
-            <p:ph type="ftr" sz="quarter" idx="13"/>
-          </p:nvPr>
-        </p:nvSpPr>
-        <p:spPr/>
-        <p:txBody>
-          <a:bodyPr/>
-          <a:lstStyle/>
-          <a:p>
-            <a:r>
-              <a:rPr lang="en-US"/>
-              <a:t>BURA-15:014752 Uen, Rev A </a:t>
-            </a:r>
-            <a:endParaRPr lang="en-US" dirty="0"/>
+            <a:endParaRPr lang="sv-SE" dirty="0"/>
           </a:p>
         </p:txBody>
       </p:sp>
     </p:spTree>
     <p:extLst>
       <p:ext uri="{BB962C8B-B14F-4D97-AF65-F5344CB8AC3E}">
-        <p14:creationId xmlns:p14="http://schemas.microsoft.com/office/powerpoint/2010/main" val="2604162805"/>
+        <p14:creationId xmlns:p14="http://schemas.microsoft.com/office/powerpoint/2010/main" val="1330494733"/>
       </p:ext>
     </p:extLst>
   </p:cSld>
@@ -3533,35 +3449,18 @@
           <a:bodyPr/>
           <a:lstStyle/>
           <a:p>
-            <a:pPr marL="0" marR="0" lvl="0" indent="0" algn="l" defTabSz="457200" rtl="0" eaLnBrk="1" fontAlgn="auto" latinLnBrk="0" hangingPunct="1">
-              <a:lnSpc>
-                <a:spcPct val="100000"/>
-              </a:lnSpc>
-              <a:spcBef>
-                <a:spcPts val="0"/>
-              </a:spcBef>
-              <a:spcAft>
-                <a:spcPts val="0"/>
-              </a:spcAft>
-              <a:buClrTx/>
-              <a:buSzTx/>
-              <a:buFontTx/>
-              <a:buNone/>
-              <a:tabLst/>
-              <a:defRPr/>
-            </a:pPr>
             <a:endParaRPr lang="en-US" dirty="0"/>
           </a:p>
         </p:txBody>
       </p:sp>
       <p:sp>
         <p:nvSpPr>
-          <p:cNvPr id="4" name="Date Placeholder 3"/>
+          <p:cNvPr id="4" name="Slide Number Placeholder 3"/>
           <p:cNvSpPr>
             <a:spLocks noGrp="1"/>
           </p:cNvSpPr>
           <p:nvPr>
-            <p:ph type="dt" idx="10"/>
+            <p:ph type="sldNum" sz="quarter" idx="10"/>
           </p:nvPr>
         </p:nvSpPr>
         <p:spPr/>
@@ -3569,87 +3468,19 @@
           <a:bodyPr/>
           <a:lstStyle/>
           <a:p>
-            <a:r>
-              <a:rPr lang="en-US"/>
-              <a:t>2015-12-14 </a:t>
-            </a:r>
-            <a:endParaRPr lang="en-US" dirty="0"/>
-          </a:p>
-        </p:txBody>
-      </p:sp>
-      <p:sp>
-        <p:nvSpPr>
-          <p:cNvPr id="5" name="Slide Number Placeholder 4"/>
-          <p:cNvSpPr>
-            <a:spLocks noGrp="1"/>
-          </p:cNvSpPr>
-          <p:nvPr>
-            <p:ph type="sldNum" sz="quarter" idx="11"/>
-          </p:nvPr>
-        </p:nvSpPr>
-        <p:spPr/>
-        <p:txBody>
-          <a:bodyPr/>
-          <a:lstStyle/>
-          <a:p>
-            <a:fld id="{D407C779-71CB-46C6-A5E7-00E2B059A908}" type="slidenum">
-              <a:rPr lang="en-US" smtClean="0"/>
+            <a:fld id="{CC13FD4B-1391-7946-A8ED-18550D8B130B}" type="slidenum">
+              <a:rPr lang="sv-SE" smtClean="0"/>
+              <a:pPr/>
               <a:t>28</a:t>
             </a:fld>
-            <a:endParaRPr lang="en-US" dirty="0"/>
-          </a:p>
-        </p:txBody>
-      </p:sp>
-      <p:sp>
-        <p:nvSpPr>
-          <p:cNvPr id="6" name="Header Placeholder 5"/>
-          <p:cNvSpPr>
-            <a:spLocks noGrp="1"/>
-          </p:cNvSpPr>
-          <p:nvPr>
-            <p:ph type="hdr" sz="quarter" idx="12"/>
-          </p:nvPr>
-        </p:nvSpPr>
-        <p:spPr/>
-        <p:txBody>
-          <a:bodyPr/>
-          <a:lstStyle/>
-          <a:p>
-            <a:r>
-              <a:rPr lang="en-US"/>
-              <a:t>Energy Efficiency of Heterogeneous LTE Networks </a:t>
-            </a:r>
-            <a:endParaRPr lang="en-US" dirty="0"/>
-          </a:p>
-        </p:txBody>
-      </p:sp>
-      <p:sp>
-        <p:nvSpPr>
-          <p:cNvPr id="7" name="Footer Placeholder 6"/>
-          <p:cNvSpPr>
-            <a:spLocks noGrp="1"/>
-          </p:cNvSpPr>
-          <p:nvPr>
-            <p:ph type="ftr" sz="quarter" idx="13"/>
-          </p:nvPr>
-        </p:nvSpPr>
-        <p:spPr/>
-        <p:txBody>
-          <a:bodyPr/>
-          <a:lstStyle/>
-          <a:p>
-            <a:r>
-              <a:rPr lang="en-US"/>
-              <a:t>BURA-15:014752 Uen, Rev A </a:t>
-            </a:r>
-            <a:endParaRPr lang="en-US" dirty="0"/>
+            <a:endParaRPr lang="sv-SE" dirty="0"/>
           </a:p>
         </p:txBody>
       </p:sp>
     </p:spTree>
     <p:extLst>
       <p:ext uri="{BB962C8B-B14F-4D97-AF65-F5344CB8AC3E}">
-        <p14:creationId xmlns:p14="http://schemas.microsoft.com/office/powerpoint/2010/main" val="3533798690"/>
+        <p14:creationId xmlns:p14="http://schemas.microsoft.com/office/powerpoint/2010/main" val="1112513013"/>
       </p:ext>
     </p:extLst>
   </p:cSld>
@@ -3709,12 +3540,12 @@
       </p:sp>
       <p:sp>
         <p:nvSpPr>
-          <p:cNvPr id="4" name="Date Placeholder 3"/>
+          <p:cNvPr id="4" name="Slide Number Placeholder 3"/>
           <p:cNvSpPr>
             <a:spLocks noGrp="1"/>
           </p:cNvSpPr>
           <p:nvPr>
-            <p:ph type="dt" idx="10"/>
+            <p:ph type="sldNum" sz="quarter" idx="10"/>
           </p:nvPr>
         </p:nvSpPr>
         <p:spPr/>
@@ -3722,87 +3553,19 @@
           <a:bodyPr/>
           <a:lstStyle/>
           <a:p>
-            <a:r>
-              <a:rPr lang="en-US"/>
-              <a:t>2015-12-14 </a:t>
-            </a:r>
-            <a:endParaRPr lang="en-US" dirty="0"/>
-          </a:p>
-        </p:txBody>
-      </p:sp>
-      <p:sp>
-        <p:nvSpPr>
-          <p:cNvPr id="5" name="Slide Number Placeholder 4"/>
-          <p:cNvSpPr>
-            <a:spLocks noGrp="1"/>
-          </p:cNvSpPr>
-          <p:nvPr>
-            <p:ph type="sldNum" sz="quarter" idx="11"/>
-          </p:nvPr>
-        </p:nvSpPr>
-        <p:spPr/>
-        <p:txBody>
-          <a:bodyPr/>
-          <a:lstStyle/>
-          <a:p>
-            <a:fld id="{D407C779-71CB-46C6-A5E7-00E2B059A908}" type="slidenum">
-              <a:rPr lang="en-US" smtClean="0"/>
-              <a:t>29</a:t>
+            <a:fld id="{CC13FD4B-1391-7946-A8ED-18550D8B130B}" type="slidenum">
+              <a:rPr lang="sv-SE" smtClean="0"/>
+              <a:pPr/>
+              <a:t>30</a:t>
             </a:fld>
-            <a:endParaRPr lang="en-US" dirty="0"/>
-          </a:p>
-        </p:txBody>
-      </p:sp>
-      <p:sp>
-        <p:nvSpPr>
-          <p:cNvPr id="6" name="Header Placeholder 5"/>
-          <p:cNvSpPr>
-            <a:spLocks noGrp="1"/>
-          </p:cNvSpPr>
-          <p:nvPr>
-            <p:ph type="hdr" sz="quarter" idx="12"/>
-          </p:nvPr>
-        </p:nvSpPr>
-        <p:spPr/>
-        <p:txBody>
-          <a:bodyPr/>
-          <a:lstStyle/>
-          <a:p>
-            <a:r>
-              <a:rPr lang="en-US"/>
-              <a:t>Energy Efficiency of Heterogeneous LTE Networks </a:t>
-            </a:r>
-            <a:endParaRPr lang="en-US" dirty="0"/>
-          </a:p>
-        </p:txBody>
-      </p:sp>
-      <p:sp>
-        <p:nvSpPr>
-          <p:cNvPr id="7" name="Footer Placeholder 6"/>
-          <p:cNvSpPr>
-            <a:spLocks noGrp="1"/>
-          </p:cNvSpPr>
-          <p:nvPr>
-            <p:ph type="ftr" sz="quarter" idx="13"/>
-          </p:nvPr>
-        </p:nvSpPr>
-        <p:spPr/>
-        <p:txBody>
-          <a:bodyPr/>
-          <a:lstStyle/>
-          <a:p>
-            <a:r>
-              <a:rPr lang="en-US"/>
-              <a:t>BURA-15:014752 Uen, Rev A </a:t>
-            </a:r>
-            <a:endParaRPr lang="en-US" dirty="0"/>
+            <a:endParaRPr lang="sv-SE" dirty="0"/>
           </a:p>
         </p:txBody>
       </p:sp>
     </p:spTree>
     <p:extLst>
       <p:ext uri="{BB962C8B-B14F-4D97-AF65-F5344CB8AC3E}">
-        <p14:creationId xmlns:p14="http://schemas.microsoft.com/office/powerpoint/2010/main" val="377718352"/>
+        <p14:creationId xmlns:p14="http://schemas.microsoft.com/office/powerpoint/2010/main" val="3331756394"/>
       </p:ext>
     </p:extLst>
   </p:cSld>
@@ -3831,7 +3594,7 @@
       </p:grpSpPr>
       <p:sp>
         <p:nvSpPr>
-          <p:cNvPr id="2" name="Slide Image Placeholder 1"/>
+          <p:cNvPr id="2" name="Platshållare för bildobjekt 1"/>
           <p:cNvSpPr>
             <a:spLocks noGrp="1" noRot="1" noChangeAspect="1"/>
           </p:cNvSpPr>
@@ -3843,7 +3606,7 @@
       </p:sp>
       <p:sp>
         <p:nvSpPr>
-          <p:cNvPr id="3" name="Notes Placeholder 2"/>
+          <p:cNvPr id="3" name="Platshållare för anteckningar 2"/>
           <p:cNvSpPr>
             <a:spLocks noGrp="1"/>
           </p:cNvSpPr>
@@ -3856,18 +3619,18 @@
           <a:bodyPr/>
           <a:lstStyle/>
           <a:p>
-            <a:endParaRPr lang="en-US" dirty="0"/>
+            <a:endParaRPr lang="sv-SE" dirty="0"/>
           </a:p>
         </p:txBody>
       </p:sp>
       <p:sp>
         <p:nvSpPr>
-          <p:cNvPr id="4" name="Date Placeholder 3"/>
+          <p:cNvPr id="4" name="Platshållare för bildnummer 3"/>
           <p:cNvSpPr>
             <a:spLocks noGrp="1"/>
           </p:cNvSpPr>
           <p:nvPr>
-            <p:ph type="dt" idx="10"/>
+            <p:ph type="sldNum" sz="quarter" idx="10"/>
           </p:nvPr>
         </p:nvSpPr>
         <p:spPr/>
@@ -3875,87 +3638,19 @@
           <a:bodyPr/>
           <a:lstStyle/>
           <a:p>
-            <a:r>
-              <a:rPr lang="en-US"/>
-              <a:t>2015-12-14 </a:t>
-            </a:r>
-            <a:endParaRPr lang="en-US" dirty="0"/>
-          </a:p>
-        </p:txBody>
-      </p:sp>
-      <p:sp>
-        <p:nvSpPr>
-          <p:cNvPr id="5" name="Slide Number Placeholder 4"/>
-          <p:cNvSpPr>
-            <a:spLocks noGrp="1"/>
-          </p:cNvSpPr>
-          <p:nvPr>
-            <p:ph type="sldNum" sz="quarter" idx="11"/>
-          </p:nvPr>
-        </p:nvSpPr>
-        <p:spPr/>
-        <p:txBody>
-          <a:bodyPr/>
-          <a:lstStyle/>
-          <a:p>
-            <a:fld id="{D407C779-71CB-46C6-A5E7-00E2B059A908}" type="slidenum">
-              <a:rPr lang="en-US" smtClean="0"/>
-              <a:t>30</a:t>
+            <a:fld id="{CC13FD4B-1391-7946-A8ED-18550D8B130B}" type="slidenum">
+              <a:rPr lang="sv-SE" smtClean="0"/>
+              <a:pPr/>
+              <a:t>31</a:t>
             </a:fld>
-            <a:endParaRPr lang="en-US" dirty="0"/>
-          </a:p>
-        </p:txBody>
-      </p:sp>
-      <p:sp>
-        <p:nvSpPr>
-          <p:cNvPr id="6" name="Header Placeholder 5"/>
-          <p:cNvSpPr>
-            <a:spLocks noGrp="1"/>
-          </p:cNvSpPr>
-          <p:nvPr>
-            <p:ph type="hdr" sz="quarter" idx="12"/>
-          </p:nvPr>
-        </p:nvSpPr>
-        <p:spPr/>
-        <p:txBody>
-          <a:bodyPr/>
-          <a:lstStyle/>
-          <a:p>
-            <a:r>
-              <a:rPr lang="en-US"/>
-              <a:t>Energy Efficiency of Heterogeneous LTE Networks </a:t>
-            </a:r>
-            <a:endParaRPr lang="en-US" dirty="0"/>
-          </a:p>
-        </p:txBody>
-      </p:sp>
-      <p:sp>
-        <p:nvSpPr>
-          <p:cNvPr id="7" name="Footer Placeholder 6"/>
-          <p:cNvSpPr>
-            <a:spLocks noGrp="1"/>
-          </p:cNvSpPr>
-          <p:nvPr>
-            <p:ph type="ftr" sz="quarter" idx="13"/>
-          </p:nvPr>
-        </p:nvSpPr>
-        <p:spPr/>
-        <p:txBody>
-          <a:bodyPr/>
-          <a:lstStyle/>
-          <a:p>
-            <a:r>
-              <a:rPr lang="en-US"/>
-              <a:t>BURA-15:014752 Uen, Rev A </a:t>
-            </a:r>
-            <a:endParaRPr lang="en-US" dirty="0"/>
+            <a:endParaRPr lang="sv-SE" dirty="0"/>
           </a:p>
         </p:txBody>
       </p:sp>
     </p:spTree>
     <p:extLst>
       <p:ext uri="{BB962C8B-B14F-4D97-AF65-F5344CB8AC3E}">
-        <p14:creationId xmlns:p14="http://schemas.microsoft.com/office/powerpoint/2010/main" val="540882091"/>
+        <p14:creationId xmlns:p14="http://schemas.microsoft.com/office/powerpoint/2010/main" val="2401943581"/>
       </p:ext>
     </p:extLst>
   </p:cSld>
@@ -3966,159 +3661,6 @@
 </file>
 
 <file path=ppt/notesSlides/notesSlide24.xml><?xml version="1.0" encoding="utf-8"?>
-<p:notes xmlns:a="http://schemas.openxmlformats.org/drawingml/2006/main" xmlns:r="http://schemas.openxmlformats.org/officeDocument/2006/relationships" xmlns:p="http://schemas.openxmlformats.org/presentationml/2006/main">
-  <p:cSld>
-    <p:spTree>
-      <p:nvGrpSpPr>
-        <p:cNvPr id="1" name=""/>
-        <p:cNvGrpSpPr/>
-        <p:nvPr/>
-      </p:nvGrpSpPr>
-      <p:grpSpPr>
-        <a:xfrm>
-          <a:off x="0" y="0"/>
-          <a:ext cx="0" cy="0"/>
-          <a:chOff x="0" y="0"/>
-          <a:chExt cx="0" cy="0"/>
-        </a:xfrm>
-      </p:grpSpPr>
-      <p:sp>
-        <p:nvSpPr>
-          <p:cNvPr id="2" name="Slide Image Placeholder 1"/>
-          <p:cNvSpPr>
-            <a:spLocks noGrp="1" noRot="1" noChangeAspect="1"/>
-          </p:cNvSpPr>
-          <p:nvPr>
-            <p:ph type="sldImg"/>
-          </p:nvPr>
-        </p:nvSpPr>
-        <p:spPr/>
-      </p:sp>
-      <p:sp>
-        <p:nvSpPr>
-          <p:cNvPr id="3" name="Notes Placeholder 2"/>
-          <p:cNvSpPr>
-            <a:spLocks noGrp="1"/>
-          </p:cNvSpPr>
-          <p:nvPr>
-            <p:ph type="body" idx="1"/>
-          </p:nvPr>
-        </p:nvSpPr>
-        <p:spPr/>
-        <p:txBody>
-          <a:bodyPr/>
-          <a:lstStyle/>
-          <a:p>
-            <a:endParaRPr lang="en-US" dirty="0"/>
-          </a:p>
-        </p:txBody>
-      </p:sp>
-      <p:sp>
-        <p:nvSpPr>
-          <p:cNvPr id="4" name="Date Placeholder 3"/>
-          <p:cNvSpPr>
-            <a:spLocks noGrp="1"/>
-          </p:cNvSpPr>
-          <p:nvPr>
-            <p:ph type="dt" idx="10"/>
-          </p:nvPr>
-        </p:nvSpPr>
-        <p:spPr/>
-        <p:txBody>
-          <a:bodyPr/>
-          <a:lstStyle/>
-          <a:p>
-            <a:r>
-              <a:rPr lang="en-US"/>
-              <a:t>2015-12-14 </a:t>
-            </a:r>
-            <a:endParaRPr lang="en-US" dirty="0"/>
-          </a:p>
-        </p:txBody>
-      </p:sp>
-      <p:sp>
-        <p:nvSpPr>
-          <p:cNvPr id="5" name="Slide Number Placeholder 4"/>
-          <p:cNvSpPr>
-            <a:spLocks noGrp="1"/>
-          </p:cNvSpPr>
-          <p:nvPr>
-            <p:ph type="sldNum" sz="quarter" idx="11"/>
-          </p:nvPr>
-        </p:nvSpPr>
-        <p:spPr/>
-        <p:txBody>
-          <a:bodyPr/>
-          <a:lstStyle/>
-          <a:p>
-            <a:fld id="{D407C779-71CB-46C6-A5E7-00E2B059A908}" type="slidenum">
-              <a:rPr lang="en-US" smtClean="0"/>
-              <a:t>31</a:t>
-            </a:fld>
-            <a:endParaRPr lang="en-US" dirty="0"/>
-          </a:p>
-        </p:txBody>
-      </p:sp>
-      <p:sp>
-        <p:nvSpPr>
-          <p:cNvPr id="6" name="Header Placeholder 5"/>
-          <p:cNvSpPr>
-            <a:spLocks noGrp="1"/>
-          </p:cNvSpPr>
-          <p:nvPr>
-            <p:ph type="hdr" sz="quarter" idx="12"/>
-          </p:nvPr>
-        </p:nvSpPr>
-        <p:spPr/>
-        <p:txBody>
-          <a:bodyPr/>
-          <a:lstStyle/>
-          <a:p>
-            <a:r>
-              <a:rPr lang="en-US"/>
-              <a:t>Energy Efficiency of Heterogeneous LTE Networks </a:t>
-            </a:r>
-            <a:endParaRPr lang="en-US" dirty="0"/>
-          </a:p>
-        </p:txBody>
-      </p:sp>
-      <p:sp>
-        <p:nvSpPr>
-          <p:cNvPr id="7" name="Footer Placeholder 6"/>
-          <p:cNvSpPr>
-            <a:spLocks noGrp="1"/>
-          </p:cNvSpPr>
-          <p:nvPr>
-            <p:ph type="ftr" sz="quarter" idx="13"/>
-          </p:nvPr>
-        </p:nvSpPr>
-        <p:spPr/>
-        <p:txBody>
-          <a:bodyPr/>
-          <a:lstStyle/>
-          <a:p>
-            <a:r>
-              <a:rPr lang="en-US"/>
-              <a:t>BURA-15:014752 Uen, Rev A </a:t>
-            </a:r>
-            <a:endParaRPr lang="en-US" dirty="0"/>
-          </a:p>
-        </p:txBody>
-      </p:sp>
-    </p:spTree>
-    <p:extLst>
-      <p:ext uri="{BB962C8B-B14F-4D97-AF65-F5344CB8AC3E}">
-        <p14:creationId xmlns:p14="http://schemas.microsoft.com/office/powerpoint/2010/main" val="2584033757"/>
-      </p:ext>
-    </p:extLst>
-  </p:cSld>
-  <p:clrMapOvr>
-    <a:masterClrMapping/>
-  </p:clrMapOvr>
-</p:notes>
-</file>
-
-<file path=ppt/notesSlides/notesSlide25.xml><?xml version="1.0" encoding="utf-8"?>
 <p:notes xmlns:a="http://schemas.openxmlformats.org/drawingml/2006/main" xmlns:r="http://schemas.openxmlformats.org/officeDocument/2006/relationships" xmlns:p="http://schemas.openxmlformats.org/presentationml/2006/main">
   <p:cSld>
     <p:spTree>
@@ -4261,7 +3803,160 @@
     </p:spTree>
     <p:extLst>
       <p:ext uri="{BB962C8B-B14F-4D97-AF65-F5344CB8AC3E}">
-        <p14:creationId xmlns:p14="http://schemas.microsoft.com/office/powerpoint/2010/main" val="2170403061"/>
+        <p14:creationId xmlns:p14="http://schemas.microsoft.com/office/powerpoint/2010/main" val="2485236003"/>
+      </p:ext>
+    </p:extLst>
+  </p:cSld>
+  <p:clrMapOvr>
+    <a:masterClrMapping/>
+  </p:clrMapOvr>
+</p:notes>
+</file>
+
+<file path=ppt/notesSlides/notesSlide25.xml><?xml version="1.0" encoding="utf-8"?>
+<p:notes xmlns:a="http://schemas.openxmlformats.org/drawingml/2006/main" xmlns:r="http://schemas.openxmlformats.org/officeDocument/2006/relationships" xmlns:p="http://schemas.openxmlformats.org/presentationml/2006/main">
+  <p:cSld>
+    <p:spTree>
+      <p:nvGrpSpPr>
+        <p:cNvPr id="1" name=""/>
+        <p:cNvGrpSpPr/>
+        <p:nvPr/>
+      </p:nvGrpSpPr>
+      <p:grpSpPr>
+        <a:xfrm>
+          <a:off x="0" y="0"/>
+          <a:ext cx="0" cy="0"/>
+          <a:chOff x="0" y="0"/>
+          <a:chExt cx="0" cy="0"/>
+        </a:xfrm>
+      </p:grpSpPr>
+      <p:sp>
+        <p:nvSpPr>
+          <p:cNvPr id="2" name="Slide Image Placeholder 1"/>
+          <p:cNvSpPr>
+            <a:spLocks noGrp="1" noRot="1" noChangeAspect="1"/>
+          </p:cNvSpPr>
+          <p:nvPr>
+            <p:ph type="sldImg"/>
+          </p:nvPr>
+        </p:nvSpPr>
+        <p:spPr/>
+      </p:sp>
+      <p:sp>
+        <p:nvSpPr>
+          <p:cNvPr id="3" name="Notes Placeholder 2"/>
+          <p:cNvSpPr>
+            <a:spLocks noGrp="1"/>
+          </p:cNvSpPr>
+          <p:nvPr>
+            <p:ph type="body" idx="1"/>
+          </p:nvPr>
+        </p:nvSpPr>
+        <p:spPr/>
+        <p:txBody>
+          <a:bodyPr/>
+          <a:lstStyle/>
+          <a:p>
+            <a:endParaRPr lang="en-US" dirty="0"/>
+          </a:p>
+        </p:txBody>
+      </p:sp>
+      <p:sp>
+        <p:nvSpPr>
+          <p:cNvPr id="4" name="Date Placeholder 3"/>
+          <p:cNvSpPr>
+            <a:spLocks noGrp="1"/>
+          </p:cNvSpPr>
+          <p:nvPr>
+            <p:ph type="dt" idx="10"/>
+          </p:nvPr>
+        </p:nvSpPr>
+        <p:spPr/>
+        <p:txBody>
+          <a:bodyPr/>
+          <a:lstStyle/>
+          <a:p>
+            <a:r>
+              <a:rPr lang="en-US"/>
+              <a:t>2015-12-14 </a:t>
+            </a:r>
+            <a:endParaRPr lang="en-US" dirty="0"/>
+          </a:p>
+        </p:txBody>
+      </p:sp>
+      <p:sp>
+        <p:nvSpPr>
+          <p:cNvPr id="5" name="Slide Number Placeholder 4"/>
+          <p:cNvSpPr>
+            <a:spLocks noGrp="1"/>
+          </p:cNvSpPr>
+          <p:nvPr>
+            <p:ph type="sldNum" sz="quarter" idx="11"/>
+          </p:nvPr>
+        </p:nvSpPr>
+        <p:spPr/>
+        <p:txBody>
+          <a:bodyPr/>
+          <a:lstStyle/>
+          <a:p>
+            <a:fld id="{D407C779-71CB-46C6-A5E7-00E2B059A908}" type="slidenum">
+              <a:rPr lang="en-US" smtClean="0"/>
+              <a:t>33</a:t>
+            </a:fld>
+            <a:endParaRPr lang="en-US" dirty="0"/>
+          </a:p>
+        </p:txBody>
+      </p:sp>
+      <p:sp>
+        <p:nvSpPr>
+          <p:cNvPr id="6" name="Header Placeholder 5"/>
+          <p:cNvSpPr>
+            <a:spLocks noGrp="1"/>
+          </p:cNvSpPr>
+          <p:nvPr>
+            <p:ph type="hdr" sz="quarter" idx="12"/>
+          </p:nvPr>
+        </p:nvSpPr>
+        <p:spPr/>
+        <p:txBody>
+          <a:bodyPr/>
+          <a:lstStyle/>
+          <a:p>
+            <a:r>
+              <a:rPr lang="en-US"/>
+              <a:t>Energy Efficiency of Heterogeneous LTE Networks </a:t>
+            </a:r>
+            <a:endParaRPr lang="en-US" dirty="0"/>
+          </a:p>
+        </p:txBody>
+      </p:sp>
+      <p:sp>
+        <p:nvSpPr>
+          <p:cNvPr id="7" name="Footer Placeholder 6"/>
+          <p:cNvSpPr>
+            <a:spLocks noGrp="1"/>
+          </p:cNvSpPr>
+          <p:nvPr>
+            <p:ph type="ftr" sz="quarter" idx="13"/>
+          </p:nvPr>
+        </p:nvSpPr>
+        <p:spPr/>
+        <p:txBody>
+          <a:bodyPr/>
+          <a:lstStyle/>
+          <a:p>
+            <a:r>
+              <a:rPr lang="en-US"/>
+              <a:t>BURA-15:014752 Uen, Rev A </a:t>
+            </a:r>
+            <a:endParaRPr lang="en-US" dirty="0"/>
+          </a:p>
+        </p:txBody>
+      </p:sp>
+    </p:spTree>
+    <p:extLst>
+      <p:ext uri="{BB962C8B-B14F-4D97-AF65-F5344CB8AC3E}">
+        <p14:creationId xmlns:p14="http://schemas.microsoft.com/office/powerpoint/2010/main" val="3540399422"/>
       </p:ext>
     </p:extLst>
   </p:cSld>
@@ -4315,18 +4010,35 @@
           <a:bodyPr/>
           <a:lstStyle/>
           <a:p>
+            <a:pPr marL="0" marR="0" lvl="0" indent="0" algn="l" defTabSz="457200" rtl="0" eaLnBrk="1" fontAlgn="auto" latinLnBrk="0" hangingPunct="1">
+              <a:lnSpc>
+                <a:spcPct val="100000"/>
+              </a:lnSpc>
+              <a:spcBef>
+                <a:spcPts val="0"/>
+              </a:spcBef>
+              <a:spcAft>
+                <a:spcPts val="0"/>
+              </a:spcAft>
+              <a:buClrTx/>
+              <a:buSzTx/>
+              <a:buFontTx/>
+              <a:buNone/>
+              <a:tabLst/>
+              <a:defRPr/>
+            </a:pPr>
             <a:endParaRPr lang="en-US" dirty="0"/>
           </a:p>
         </p:txBody>
       </p:sp>
       <p:sp>
         <p:nvSpPr>
-          <p:cNvPr id="4" name="Slide Number Placeholder 3"/>
+          <p:cNvPr id="4" name="Date Placeholder 3"/>
           <p:cNvSpPr>
             <a:spLocks noGrp="1"/>
           </p:cNvSpPr>
           <p:nvPr>
-            <p:ph type="sldNum" sz="quarter" idx="10"/>
+            <p:ph type="dt" idx="10"/>
           </p:nvPr>
         </p:nvSpPr>
         <p:spPr/>
@@ -4334,19 +4046,87 @@
           <a:bodyPr/>
           <a:lstStyle/>
           <a:p>
-            <a:fld id="{CC13FD4B-1391-7946-A8ED-18550D8B130B}" type="slidenum">
-              <a:rPr lang="sv-SE" smtClean="0"/>
-              <a:pPr/>
-              <a:t>33</a:t>
+            <a:r>
+              <a:rPr lang="en-US"/>
+              <a:t>2015-12-14 </a:t>
+            </a:r>
+            <a:endParaRPr lang="en-US" dirty="0"/>
+          </a:p>
+        </p:txBody>
+      </p:sp>
+      <p:sp>
+        <p:nvSpPr>
+          <p:cNvPr id="5" name="Slide Number Placeholder 4"/>
+          <p:cNvSpPr>
+            <a:spLocks noGrp="1"/>
+          </p:cNvSpPr>
+          <p:nvPr>
+            <p:ph type="sldNum" sz="quarter" idx="11"/>
+          </p:nvPr>
+        </p:nvSpPr>
+        <p:spPr/>
+        <p:txBody>
+          <a:bodyPr/>
+          <a:lstStyle/>
+          <a:p>
+            <a:fld id="{D407C779-71CB-46C6-A5E7-00E2B059A908}" type="slidenum">
+              <a:rPr lang="en-US" smtClean="0"/>
+              <a:t>34</a:t>
             </a:fld>
-            <a:endParaRPr lang="sv-SE" dirty="0"/>
+            <a:endParaRPr lang="en-US" dirty="0"/>
+          </a:p>
+        </p:txBody>
+      </p:sp>
+      <p:sp>
+        <p:nvSpPr>
+          <p:cNvPr id="6" name="Header Placeholder 5"/>
+          <p:cNvSpPr>
+            <a:spLocks noGrp="1"/>
+          </p:cNvSpPr>
+          <p:nvPr>
+            <p:ph type="hdr" sz="quarter" idx="12"/>
+          </p:nvPr>
+        </p:nvSpPr>
+        <p:spPr/>
+        <p:txBody>
+          <a:bodyPr/>
+          <a:lstStyle/>
+          <a:p>
+            <a:r>
+              <a:rPr lang="en-US"/>
+              <a:t>Energy Efficiency of Heterogeneous LTE Networks </a:t>
+            </a:r>
+            <a:endParaRPr lang="en-US" dirty="0"/>
+          </a:p>
+        </p:txBody>
+      </p:sp>
+      <p:sp>
+        <p:nvSpPr>
+          <p:cNvPr id="7" name="Footer Placeholder 6"/>
+          <p:cNvSpPr>
+            <a:spLocks noGrp="1"/>
+          </p:cNvSpPr>
+          <p:nvPr>
+            <p:ph type="ftr" sz="quarter" idx="13"/>
+          </p:nvPr>
+        </p:nvSpPr>
+        <p:spPr/>
+        <p:txBody>
+          <a:bodyPr/>
+          <a:lstStyle/>
+          <a:p>
+            <a:r>
+              <a:rPr lang="en-US"/>
+              <a:t>BURA-15:014752 Uen, Rev A </a:t>
+            </a:r>
+            <a:endParaRPr lang="en-US" dirty="0"/>
           </a:p>
         </p:txBody>
       </p:sp>
     </p:spTree>
     <p:extLst>
       <p:ext uri="{BB962C8B-B14F-4D97-AF65-F5344CB8AC3E}">
-        <p14:creationId xmlns:p14="http://schemas.microsoft.com/office/powerpoint/2010/main" val="1330494733"/>
+        <p14:creationId xmlns:p14="http://schemas.microsoft.com/office/powerpoint/2010/main" val="146630787"/>
       </p:ext>
     </p:extLst>
   </p:cSld>
@@ -4400,18 +4180,35 @@
           <a:bodyPr/>
           <a:lstStyle/>
           <a:p>
+            <a:pPr marL="0" marR="0" lvl="0" indent="0" algn="l" defTabSz="457200" rtl="0" eaLnBrk="1" fontAlgn="auto" latinLnBrk="0" hangingPunct="1">
+              <a:lnSpc>
+                <a:spcPct val="100000"/>
+              </a:lnSpc>
+              <a:spcBef>
+                <a:spcPts val="0"/>
+              </a:spcBef>
+              <a:spcAft>
+                <a:spcPts val="0"/>
+              </a:spcAft>
+              <a:buClrTx/>
+              <a:buSzTx/>
+              <a:buFontTx/>
+              <a:buNone/>
+              <a:tabLst/>
+              <a:defRPr/>
+            </a:pPr>
             <a:endParaRPr lang="en-US" dirty="0"/>
           </a:p>
         </p:txBody>
       </p:sp>
       <p:sp>
         <p:nvSpPr>
-          <p:cNvPr id="4" name="Slide Number Placeholder 3"/>
+          <p:cNvPr id="4" name="Date Placeholder 3"/>
           <p:cNvSpPr>
             <a:spLocks noGrp="1"/>
           </p:cNvSpPr>
           <p:nvPr>
-            <p:ph type="sldNum" sz="quarter" idx="10"/>
+            <p:ph type="dt" idx="10"/>
           </p:nvPr>
         </p:nvSpPr>
         <p:spPr/>
@@ -4419,19 +4216,87 @@
           <a:bodyPr/>
           <a:lstStyle/>
           <a:p>
-            <a:fld id="{CC13FD4B-1391-7946-A8ED-18550D8B130B}" type="slidenum">
-              <a:rPr lang="sv-SE" smtClean="0"/>
-              <a:pPr/>
-              <a:t>34</a:t>
+            <a:r>
+              <a:rPr lang="en-US"/>
+              <a:t>2015-12-14 </a:t>
+            </a:r>
+            <a:endParaRPr lang="en-US" dirty="0"/>
+          </a:p>
+        </p:txBody>
+      </p:sp>
+      <p:sp>
+        <p:nvSpPr>
+          <p:cNvPr id="5" name="Slide Number Placeholder 4"/>
+          <p:cNvSpPr>
+            <a:spLocks noGrp="1"/>
+          </p:cNvSpPr>
+          <p:nvPr>
+            <p:ph type="sldNum" sz="quarter" idx="11"/>
+          </p:nvPr>
+        </p:nvSpPr>
+        <p:spPr/>
+        <p:txBody>
+          <a:bodyPr/>
+          <a:lstStyle/>
+          <a:p>
+            <a:fld id="{D407C779-71CB-46C6-A5E7-00E2B059A908}" type="slidenum">
+              <a:rPr lang="en-US" smtClean="0"/>
+              <a:t>35</a:t>
             </a:fld>
-            <a:endParaRPr lang="sv-SE" dirty="0"/>
+            <a:endParaRPr lang="en-US" dirty="0"/>
+          </a:p>
+        </p:txBody>
+      </p:sp>
+      <p:sp>
+        <p:nvSpPr>
+          <p:cNvPr id="6" name="Header Placeholder 5"/>
+          <p:cNvSpPr>
+            <a:spLocks noGrp="1"/>
+          </p:cNvSpPr>
+          <p:nvPr>
+            <p:ph type="hdr" sz="quarter" idx="12"/>
+          </p:nvPr>
+        </p:nvSpPr>
+        <p:spPr/>
+        <p:txBody>
+          <a:bodyPr/>
+          <a:lstStyle/>
+          <a:p>
+            <a:r>
+              <a:rPr lang="en-US"/>
+              <a:t>Energy Efficiency of Heterogeneous LTE Networks </a:t>
+            </a:r>
+            <a:endParaRPr lang="en-US" dirty="0"/>
+          </a:p>
+        </p:txBody>
+      </p:sp>
+      <p:sp>
+        <p:nvSpPr>
+          <p:cNvPr id="7" name="Footer Placeholder 6"/>
+          <p:cNvSpPr>
+            <a:spLocks noGrp="1"/>
+          </p:cNvSpPr>
+          <p:nvPr>
+            <p:ph type="ftr" sz="quarter" idx="13"/>
+          </p:nvPr>
+        </p:nvSpPr>
+        <p:spPr/>
+        <p:txBody>
+          <a:bodyPr/>
+          <a:lstStyle/>
+          <a:p>
+            <a:r>
+              <a:rPr lang="en-US"/>
+              <a:t>BURA-15:014752 Uen, Rev A </a:t>
+            </a:r>
+            <a:endParaRPr lang="en-US" dirty="0"/>
           </a:p>
         </p:txBody>
       </p:sp>
     </p:spTree>
     <p:extLst>
       <p:ext uri="{BB962C8B-B14F-4D97-AF65-F5344CB8AC3E}">
-        <p14:creationId xmlns:p14="http://schemas.microsoft.com/office/powerpoint/2010/main" val="1112513013"/>
+        <p14:creationId xmlns:p14="http://schemas.microsoft.com/office/powerpoint/2010/main" val="3884551324"/>
       </p:ext>
     </p:extLst>
   </p:cSld>
@@ -4491,12 +4356,12 @@
       </p:sp>
       <p:sp>
         <p:nvSpPr>
-          <p:cNvPr id="4" name="Slide Number Placeholder 3"/>
+          <p:cNvPr id="4" name="Date Placeholder 3"/>
           <p:cNvSpPr>
             <a:spLocks noGrp="1"/>
           </p:cNvSpPr>
           <p:nvPr>
-            <p:ph type="sldNum" sz="quarter" idx="10"/>
+            <p:ph type="dt" idx="10"/>
           </p:nvPr>
         </p:nvSpPr>
         <p:spPr/>
@@ -4504,19 +4369,87 @@
           <a:bodyPr/>
           <a:lstStyle/>
           <a:p>
-            <a:fld id="{CC13FD4B-1391-7946-A8ED-18550D8B130B}" type="slidenum">
-              <a:rPr lang="sv-SE" smtClean="0"/>
-              <a:pPr/>
+            <a:r>
+              <a:rPr lang="en-US"/>
+              <a:t>2015-12-14 </a:t>
+            </a:r>
+            <a:endParaRPr lang="en-US" dirty="0"/>
+          </a:p>
+        </p:txBody>
+      </p:sp>
+      <p:sp>
+        <p:nvSpPr>
+          <p:cNvPr id="5" name="Slide Number Placeholder 4"/>
+          <p:cNvSpPr>
+            <a:spLocks noGrp="1"/>
+          </p:cNvSpPr>
+          <p:nvPr>
+            <p:ph type="sldNum" sz="quarter" idx="11"/>
+          </p:nvPr>
+        </p:nvSpPr>
+        <p:spPr/>
+        <p:txBody>
+          <a:bodyPr/>
+          <a:lstStyle/>
+          <a:p>
+            <a:fld id="{D407C779-71CB-46C6-A5E7-00E2B059A908}" type="slidenum">
+              <a:rPr lang="en-US" smtClean="0"/>
               <a:t>36</a:t>
             </a:fld>
-            <a:endParaRPr lang="sv-SE" dirty="0"/>
+            <a:endParaRPr lang="en-US" dirty="0"/>
+          </a:p>
+        </p:txBody>
+      </p:sp>
+      <p:sp>
+        <p:nvSpPr>
+          <p:cNvPr id="6" name="Header Placeholder 5"/>
+          <p:cNvSpPr>
+            <a:spLocks noGrp="1"/>
+          </p:cNvSpPr>
+          <p:nvPr>
+            <p:ph type="hdr" sz="quarter" idx="12"/>
+          </p:nvPr>
+        </p:nvSpPr>
+        <p:spPr/>
+        <p:txBody>
+          <a:bodyPr/>
+          <a:lstStyle/>
+          <a:p>
+            <a:r>
+              <a:rPr lang="en-US"/>
+              <a:t>Energy Efficiency of Heterogeneous LTE Networks </a:t>
+            </a:r>
+            <a:endParaRPr lang="en-US" dirty="0"/>
+          </a:p>
+        </p:txBody>
+      </p:sp>
+      <p:sp>
+        <p:nvSpPr>
+          <p:cNvPr id="7" name="Footer Placeholder 6"/>
+          <p:cNvSpPr>
+            <a:spLocks noGrp="1"/>
+          </p:cNvSpPr>
+          <p:nvPr>
+            <p:ph type="ftr" sz="quarter" idx="13"/>
+          </p:nvPr>
+        </p:nvSpPr>
+        <p:spPr/>
+        <p:txBody>
+          <a:bodyPr/>
+          <a:lstStyle/>
+          <a:p>
+            <a:r>
+              <a:rPr lang="en-US"/>
+              <a:t>BURA-15:014752 Uen, Rev A </a:t>
+            </a:r>
+            <a:endParaRPr lang="en-US" dirty="0"/>
           </a:p>
         </p:txBody>
       </p:sp>
     </p:spTree>
     <p:extLst>
       <p:ext uri="{BB962C8B-B14F-4D97-AF65-F5344CB8AC3E}">
-        <p14:creationId xmlns:p14="http://schemas.microsoft.com/office/powerpoint/2010/main" val="3331756394"/>
+        <p14:creationId xmlns:p14="http://schemas.microsoft.com/office/powerpoint/2010/main" val="1970918654"/>
       </p:ext>
     </p:extLst>
   </p:cSld>
@@ -4545,7 +4478,7 @@
       </p:grpSpPr>
       <p:sp>
         <p:nvSpPr>
-          <p:cNvPr id="2" name="Platshållare för bildobjekt 1"/>
+          <p:cNvPr id="2" name="Slide Image Placeholder 1"/>
           <p:cNvSpPr>
             <a:spLocks noGrp="1" noRot="1" noChangeAspect="1"/>
           </p:cNvSpPr>
@@ -4557,7 +4490,7 @@
       </p:sp>
       <p:sp>
         <p:nvSpPr>
-          <p:cNvPr id="3" name="Platshållare för anteckningar 2"/>
+          <p:cNvPr id="3" name="Notes Placeholder 2"/>
           <p:cNvSpPr>
             <a:spLocks noGrp="1"/>
           </p:cNvSpPr>
@@ -4570,18 +4503,18 @@
           <a:bodyPr/>
           <a:lstStyle/>
           <a:p>
-            <a:endParaRPr lang="sv-SE" dirty="0"/>
+            <a:endParaRPr lang="en-US" dirty="0"/>
           </a:p>
         </p:txBody>
       </p:sp>
       <p:sp>
         <p:nvSpPr>
-          <p:cNvPr id="4" name="Platshållare för bildnummer 3"/>
+          <p:cNvPr id="4" name="Date Placeholder 3"/>
           <p:cNvSpPr>
             <a:spLocks noGrp="1"/>
           </p:cNvSpPr>
           <p:nvPr>
-            <p:ph type="sldNum" sz="quarter" idx="10"/>
+            <p:ph type="dt" idx="10"/>
           </p:nvPr>
         </p:nvSpPr>
         <p:spPr/>
@@ -4589,19 +4522,87 @@
           <a:bodyPr/>
           <a:lstStyle/>
           <a:p>
-            <a:fld id="{CC13FD4B-1391-7946-A8ED-18550D8B130B}" type="slidenum">
-              <a:rPr lang="sv-SE" smtClean="0"/>
-              <a:pPr/>
+            <a:r>
+              <a:rPr lang="en-US"/>
+              <a:t>2015-12-14 </a:t>
+            </a:r>
+            <a:endParaRPr lang="en-US" dirty="0"/>
+          </a:p>
+        </p:txBody>
+      </p:sp>
+      <p:sp>
+        <p:nvSpPr>
+          <p:cNvPr id="5" name="Slide Number Placeholder 4"/>
+          <p:cNvSpPr>
+            <a:spLocks noGrp="1"/>
+          </p:cNvSpPr>
+          <p:nvPr>
+            <p:ph type="sldNum" sz="quarter" idx="11"/>
+          </p:nvPr>
+        </p:nvSpPr>
+        <p:spPr/>
+        <p:txBody>
+          <a:bodyPr/>
+          <a:lstStyle/>
+          <a:p>
+            <a:fld id="{D407C779-71CB-46C6-A5E7-00E2B059A908}" type="slidenum">
+              <a:rPr lang="en-US" smtClean="0"/>
               <a:t>37</a:t>
             </a:fld>
-            <a:endParaRPr lang="sv-SE" dirty="0"/>
+            <a:endParaRPr lang="en-US" dirty="0"/>
+          </a:p>
+        </p:txBody>
+      </p:sp>
+      <p:sp>
+        <p:nvSpPr>
+          <p:cNvPr id="6" name="Header Placeholder 5"/>
+          <p:cNvSpPr>
+            <a:spLocks noGrp="1"/>
+          </p:cNvSpPr>
+          <p:nvPr>
+            <p:ph type="hdr" sz="quarter" idx="12"/>
+          </p:nvPr>
+        </p:nvSpPr>
+        <p:spPr/>
+        <p:txBody>
+          <a:bodyPr/>
+          <a:lstStyle/>
+          <a:p>
+            <a:r>
+              <a:rPr lang="en-US"/>
+              <a:t>Energy Efficiency of Heterogeneous LTE Networks </a:t>
+            </a:r>
+            <a:endParaRPr lang="en-US" dirty="0"/>
+          </a:p>
+        </p:txBody>
+      </p:sp>
+      <p:sp>
+        <p:nvSpPr>
+          <p:cNvPr id="7" name="Footer Placeholder 6"/>
+          <p:cNvSpPr>
+            <a:spLocks noGrp="1"/>
+          </p:cNvSpPr>
+          <p:nvPr>
+            <p:ph type="ftr" sz="quarter" idx="13"/>
+          </p:nvPr>
+        </p:nvSpPr>
+        <p:spPr/>
+        <p:txBody>
+          <a:bodyPr/>
+          <a:lstStyle/>
+          <a:p>
+            <a:r>
+              <a:rPr lang="en-US"/>
+              <a:t>BURA-15:014752 Uen, Rev A </a:t>
+            </a:r>
+            <a:endParaRPr lang="en-US" dirty="0"/>
           </a:p>
         </p:txBody>
       </p:sp>
     </p:spTree>
     <p:extLst>
       <p:ext uri="{BB962C8B-B14F-4D97-AF65-F5344CB8AC3E}">
-        <p14:creationId xmlns:p14="http://schemas.microsoft.com/office/powerpoint/2010/main" val="2401943581"/>
+        <p14:creationId xmlns:p14="http://schemas.microsoft.com/office/powerpoint/2010/main" val="3613575512"/>
       </p:ext>
     </p:extLst>
   </p:cSld>
@@ -14840,46 +14841,41 @@
           <a:p>
             <a:pPr algn="just"/>
             <a:r>
-              <a:rPr lang="en-US" sz="2400" kern="1200" dirty="0">
-                <a:solidFill>
-                  <a:srgbClr val="9C6114"/>
-                </a:solidFill>
-              </a:rPr>
+              <a:rPr lang="en-US" sz="2400" kern="1200" dirty="0"/>
               <a:t>Macro versus micro without energy saving schemes.</a:t>
             </a:r>
           </a:p>
           <a:p>
             <a:pPr algn="just"/>
             <a:r>
-              <a:rPr lang="en-US" sz="2400" dirty="0">
-                <a:solidFill>
-                  <a:schemeClr val="tx1"/>
-                </a:solidFill>
-              </a:rPr>
+              <a:rPr lang="en-US" sz="2400" dirty="0"/>
               <a:t>Macro with and without energy saving schemes.</a:t>
             </a:r>
           </a:p>
           <a:p>
             <a:pPr algn="just"/>
             <a:r>
-              <a:rPr lang="en-US" sz="2400" dirty="0">
-                <a:solidFill>
-                  <a:schemeClr val="tx1"/>
-                </a:solidFill>
-              </a:rPr>
+              <a:rPr lang="en-US" sz="2400" dirty="0"/>
               <a:t>Micro with and without energy saving schemes.</a:t>
             </a:r>
           </a:p>
           <a:p>
             <a:pPr algn="just"/>
             <a:r>
-              <a:rPr lang="en-US" sz="2400" dirty="0">
-                <a:solidFill>
-                  <a:schemeClr val="tx1"/>
-                </a:solidFill>
-              </a:rPr>
-              <a:t>Macro versus micro with energy saving schemes</a:t>
+              <a:rPr lang="en-US" sz="2400" dirty="0"/>
+              <a:t>Macro versus micro with energy saving schemes.</a:t>
             </a:r>
+          </a:p>
+          <a:p>
+            <a:pPr algn="just"/>
+            <a:r>
+              <a:rPr lang="en-US" sz="2400" dirty="0"/>
+              <a:t>Daily power consumption.</a:t>
+            </a:r>
+          </a:p>
+          <a:p>
+            <a:pPr algn="just"/>
+            <a:endParaRPr lang="en-US" sz="2400" dirty="0"/>
           </a:p>
           <a:p>
             <a:pPr algn="just"/>
@@ -16269,7 +16265,7 @@
           <p:nvPr>
             <p:extLst>
               <p:ext uri="{D42A27DB-BD31-4B8C-83A1-F6EECF244321}">
-                <p14:modId xmlns:p14="http://schemas.microsoft.com/office/powerpoint/2010/main" val="3855475255"/>
+                <p14:modId xmlns:p14="http://schemas.microsoft.com/office/powerpoint/2010/main" val="3850292794"/>
               </p:ext>
             </p:extLst>
           </p:nvPr>
@@ -16389,7 +16385,7 @@
                       <a:pPr algn="ctr"/>
                       <a:r>
                         <a:rPr lang="sv-SE" sz="2000" dirty="0"/>
-                        <a:t>6.89%</a:t>
+                        <a:t>7%</a:t>
                       </a:r>
                       <a:endParaRPr lang="en-US" sz="2000" dirty="0"/>
                     </a:p>
@@ -16426,7 +16422,7 @@
                       <a:pPr algn="ctr"/>
                       <a:r>
                         <a:rPr lang="sv-SE" sz="2000" dirty="0"/>
-                        <a:t>9.92%</a:t>
+                        <a:t>10%</a:t>
                       </a:r>
                       <a:endParaRPr lang="en-US" sz="2000" dirty="0"/>
                     </a:p>
@@ -16463,7 +16459,7 @@
                       <a:pPr algn="ctr"/>
                       <a:r>
                         <a:rPr lang="sv-SE" sz="2000" dirty="0"/>
-                        <a:t>16.89%</a:t>
+                        <a:t>17%</a:t>
                       </a:r>
                       <a:endParaRPr lang="en-US" sz="2000" dirty="0"/>
                     </a:p>
@@ -16494,280 +16490,6 @@
 </file>
 
 <file path=ppt/slides/slide24.xml><?xml version="1.0" encoding="utf-8"?>
-<p:sld xmlns:a="http://schemas.openxmlformats.org/drawingml/2006/main" xmlns:r="http://schemas.openxmlformats.org/officeDocument/2006/relationships" xmlns:p="http://schemas.openxmlformats.org/presentationml/2006/main">
-  <p:cSld>
-    <p:spTree>
-      <p:nvGrpSpPr>
-        <p:cNvPr id="1" name=""/>
-        <p:cNvGrpSpPr/>
-        <p:nvPr/>
-      </p:nvGrpSpPr>
-      <p:grpSpPr>
-        <a:xfrm>
-          <a:off x="0" y="0"/>
-          <a:ext cx="0" cy="0"/>
-          <a:chOff x="0" y="0"/>
-          <a:chExt cx="0" cy="0"/>
-        </a:xfrm>
-      </p:grpSpPr>
-      <p:sp>
-        <p:nvSpPr>
-          <p:cNvPr id="3" name="Title 2"/>
-          <p:cNvSpPr>
-            <a:spLocks noGrp="1"/>
-          </p:cNvSpPr>
-          <p:nvPr>
-            <p:ph type="title"/>
-          </p:nvPr>
-        </p:nvSpPr>
-        <p:spPr/>
-        <p:txBody>
-          <a:bodyPr/>
-          <a:lstStyle/>
-          <a:p>
-            <a:r>
-              <a:rPr lang="en-US" dirty="0">
-                <a:latin typeface="+mn-lt"/>
-                <a:ea typeface="Verdana" panose="020B0604030504040204" pitchFamily="34" charset="0"/>
-                <a:cs typeface="Verdana" panose="020B0604030504040204" pitchFamily="34" charset="0"/>
-              </a:rPr>
-              <a:t>Results</a:t>
-            </a:r>
-          </a:p>
-        </p:txBody>
-      </p:sp>
-      <p:sp>
-        <p:nvSpPr>
-          <p:cNvPr id="4" name="TextBox 3">
-            <a:extLst>
-              <a:ext uri="{FF2B5EF4-FFF2-40B4-BE49-F238E27FC236}">
-                <a16:creationId xmlns:a16="http://schemas.microsoft.com/office/drawing/2014/main" id="{850EE29C-6D76-4BC4-9B3B-8928672CA8C2}"/>
-              </a:ext>
-            </a:extLst>
-          </p:cNvPr>
-          <p:cNvSpPr txBox="1"/>
-          <p:nvPr/>
-        </p:nvSpPr>
-        <p:spPr>
-          <a:xfrm>
-            <a:off x="457951" y="1551191"/>
-            <a:ext cx="8085221" cy="646331"/>
-          </a:xfrm>
-          <a:prstGeom prst="rect">
-            <a:avLst/>
-          </a:prstGeom>
-          <a:noFill/>
-        </p:spPr>
-        <p:txBody>
-          <a:bodyPr wrap="square" rtlCol="0">
-            <a:spAutoFit/>
-          </a:bodyPr>
-          <a:lstStyle/>
-          <a:p>
-            <a:pPr lvl="1"/>
-            <a:r>
-              <a:rPr lang="en-US" i="1" dirty="0"/>
-              <a:t>	</a:t>
-            </a:r>
-            <a:r>
-              <a:rPr lang="en-US" dirty="0"/>
-              <a:t>Comparison of energy per bit unit versus system throughput for central deployment of macro cells.</a:t>
-            </a:r>
-          </a:p>
-        </p:txBody>
-      </p:sp>
-      <p:pic>
-        <p:nvPicPr>
-          <p:cNvPr id="6" name="Picture 5">
-            <a:extLst>
-              <a:ext uri="{FF2B5EF4-FFF2-40B4-BE49-F238E27FC236}">
-                <a16:creationId xmlns:a16="http://schemas.microsoft.com/office/drawing/2014/main" id="{2CBB849C-F9C0-4784-8295-074030B33262}"/>
-              </a:ext>
-            </a:extLst>
-          </p:cNvPr>
-          <p:cNvPicPr/>
-          <p:nvPr/>
-        </p:nvPicPr>
-        <p:blipFill>
-          <a:blip r:embed="rId3">
-            <a:extLst>
-              <a:ext uri="{28A0092B-C50C-407E-A947-70E740481C1C}">
-                <a14:useLocalDpi xmlns:a14="http://schemas.microsoft.com/office/drawing/2010/main" val="0"/>
-              </a:ext>
-            </a:extLst>
-          </a:blip>
-          <a:srcRect/>
-          <a:stretch>
-            <a:fillRect/>
-          </a:stretch>
-        </p:blipFill>
-        <p:spPr bwMode="auto">
-          <a:xfrm>
-            <a:off x="1167063" y="2427003"/>
-            <a:ext cx="6424863" cy="3781292"/>
-          </a:xfrm>
-          <a:prstGeom prst="rect">
-            <a:avLst/>
-          </a:prstGeom>
-          <a:noFill/>
-          <a:ln>
-            <a:solidFill>
-              <a:schemeClr val="accent1"/>
-            </a:solidFill>
-          </a:ln>
-        </p:spPr>
-      </p:pic>
-    </p:spTree>
-    <p:extLst>
-      <p:ext uri="{BB962C8B-B14F-4D97-AF65-F5344CB8AC3E}">
-        <p14:creationId xmlns:p14="http://schemas.microsoft.com/office/powerpoint/2010/main" val="2035966187"/>
-      </p:ext>
-    </p:extLst>
-  </p:cSld>
-  <p:clrMapOvr>
-    <a:masterClrMapping/>
-  </p:clrMapOvr>
-</p:sld>
-</file>
-
-<file path=ppt/slides/slide25.xml><?xml version="1.0" encoding="utf-8"?>
-<p:sld xmlns:a="http://schemas.openxmlformats.org/drawingml/2006/main" xmlns:r="http://schemas.openxmlformats.org/officeDocument/2006/relationships" xmlns:p="http://schemas.openxmlformats.org/presentationml/2006/main">
-  <p:cSld>
-    <p:spTree>
-      <p:nvGrpSpPr>
-        <p:cNvPr id="1" name=""/>
-        <p:cNvGrpSpPr/>
-        <p:nvPr/>
-      </p:nvGrpSpPr>
-      <p:grpSpPr>
-        <a:xfrm>
-          <a:off x="0" y="0"/>
-          <a:ext cx="0" cy="0"/>
-          <a:chOff x="0" y="0"/>
-          <a:chExt cx="0" cy="0"/>
-        </a:xfrm>
-      </p:grpSpPr>
-      <p:sp>
-        <p:nvSpPr>
-          <p:cNvPr id="3" name="Title 2"/>
-          <p:cNvSpPr>
-            <a:spLocks noGrp="1"/>
-          </p:cNvSpPr>
-          <p:nvPr>
-            <p:ph type="title"/>
-          </p:nvPr>
-        </p:nvSpPr>
-        <p:spPr/>
-        <p:txBody>
-          <a:bodyPr/>
-          <a:lstStyle/>
-          <a:p>
-            <a:r>
-              <a:rPr lang="en-US" dirty="0">
-                <a:latin typeface="+mn-lt"/>
-                <a:ea typeface="Verdana" panose="020B0604030504040204" pitchFamily="34" charset="0"/>
-                <a:cs typeface="Verdana" panose="020B0604030504040204" pitchFamily="34" charset="0"/>
-              </a:rPr>
-              <a:t>Results</a:t>
-            </a:r>
-          </a:p>
-        </p:txBody>
-      </p:sp>
-      <p:sp>
-        <p:nvSpPr>
-          <p:cNvPr id="4" name="TextBox 3">
-            <a:extLst>
-              <a:ext uri="{FF2B5EF4-FFF2-40B4-BE49-F238E27FC236}">
-                <a16:creationId xmlns:a16="http://schemas.microsoft.com/office/drawing/2014/main" id="{850EE29C-6D76-4BC4-9B3B-8928672CA8C2}"/>
-              </a:ext>
-            </a:extLst>
-          </p:cNvPr>
-          <p:cNvSpPr txBox="1"/>
-          <p:nvPr/>
-        </p:nvSpPr>
-        <p:spPr>
-          <a:xfrm>
-            <a:off x="457951" y="1551191"/>
-            <a:ext cx="8085221" cy="646331"/>
-          </a:xfrm>
-          <a:prstGeom prst="rect">
-            <a:avLst/>
-          </a:prstGeom>
-          <a:noFill/>
-        </p:spPr>
-        <p:txBody>
-          <a:bodyPr wrap="square" rtlCol="0">
-            <a:spAutoFit/>
-          </a:bodyPr>
-          <a:lstStyle/>
-          <a:p>
-            <a:pPr lvl="1"/>
-            <a:r>
-              <a:rPr lang="en-US" i="1" dirty="0"/>
-              <a:t>	</a:t>
-            </a:r>
-            <a:r>
-              <a:rPr lang="en-US" dirty="0"/>
-              <a:t>Comparison of bits per unit energy versus system throughput for central deployment of macro cells.</a:t>
-            </a:r>
-          </a:p>
-        </p:txBody>
-      </p:sp>
-      <p:pic>
-        <p:nvPicPr>
-          <p:cNvPr id="5" name="Picture 4">
-            <a:extLst>
-              <a:ext uri="{FF2B5EF4-FFF2-40B4-BE49-F238E27FC236}">
-                <a16:creationId xmlns:a16="http://schemas.microsoft.com/office/drawing/2014/main" id="{6EA2F635-6948-428A-A04D-646A6A3C800B}"/>
-              </a:ext>
-            </a:extLst>
-          </p:cNvPr>
-          <p:cNvPicPr/>
-          <p:nvPr/>
-        </p:nvPicPr>
-        <p:blipFill>
-          <a:blip r:embed="rId3">
-            <a:extLst>
-              <a:ext uri="{28A0092B-C50C-407E-A947-70E740481C1C}">
-                <a14:useLocalDpi xmlns:a14="http://schemas.microsoft.com/office/drawing/2010/main" val="0"/>
-              </a:ext>
-            </a:extLst>
-          </a:blip>
-          <a:srcRect/>
-          <a:stretch>
-            <a:fillRect/>
-          </a:stretch>
-        </p:blipFill>
-        <p:spPr bwMode="auto">
-          <a:xfrm>
-            <a:off x="1852863" y="2551989"/>
-            <a:ext cx="5462337" cy="3848811"/>
-          </a:xfrm>
-          <a:prstGeom prst="rect">
-            <a:avLst/>
-          </a:prstGeom>
-          <a:noFill/>
-          <a:ln>
-            <a:solidFill>
-              <a:schemeClr val="accent1"/>
-            </a:solidFill>
-          </a:ln>
-        </p:spPr>
-      </p:pic>
-    </p:spTree>
-    <p:extLst>
-      <p:ext uri="{BB962C8B-B14F-4D97-AF65-F5344CB8AC3E}">
-        <p14:creationId xmlns:p14="http://schemas.microsoft.com/office/powerpoint/2010/main" val="2889577183"/>
-      </p:ext>
-    </p:extLst>
-  </p:cSld>
-  <p:clrMapOvr>
-    <a:masterClrMapping/>
-  </p:clrMapOvr>
-</p:sld>
-</file>
-
-<file path=ppt/slides/slide26.xml><?xml version="1.0" encoding="utf-8"?>
 <p:sld xmlns:a="http://schemas.openxmlformats.org/drawingml/2006/main" xmlns:r="http://schemas.openxmlformats.org/officeDocument/2006/relationships" xmlns:p="http://schemas.openxmlformats.org/presentationml/2006/main">
   <p:cSld>
     <p:spTree>
@@ -16913,7 +16635,7 @@
           <p:nvPr>
             <p:extLst>
               <p:ext uri="{D42A27DB-BD31-4B8C-83A1-F6EECF244321}">
-                <p14:modId xmlns:p14="http://schemas.microsoft.com/office/powerpoint/2010/main" val="3435654028"/>
+                <p14:modId xmlns:p14="http://schemas.microsoft.com/office/powerpoint/2010/main" val="2891613813"/>
               </p:ext>
             </p:extLst>
           </p:nvPr>
@@ -17033,7 +16755,7 @@
                       <a:pPr algn="ctr"/>
                       <a:r>
                         <a:rPr lang="sv-SE" dirty="0"/>
-                        <a:t>9.75%</a:t>
+                        <a:t>10%</a:t>
                       </a:r>
                       <a:endParaRPr lang="en-US" dirty="0"/>
                     </a:p>
@@ -17070,7 +16792,7 @@
                       <a:pPr algn="ctr"/>
                       <a:r>
                         <a:rPr lang="sv-SE" dirty="0"/>
-                        <a:t>15.85%</a:t>
+                        <a:t>16%</a:t>
                       </a:r>
                       <a:endParaRPr lang="en-US" dirty="0"/>
                     </a:p>
@@ -17107,7 +16829,7 @@
                       <a:pPr algn="ctr"/>
                       <a:r>
                         <a:rPr lang="sv-SE" dirty="0"/>
-                        <a:t>26.82%</a:t>
+                        <a:t>27%</a:t>
                       </a:r>
                       <a:endParaRPr lang="en-US" dirty="0"/>
                     </a:p>
@@ -17137,285 +16859,7 @@
 </p:sld>
 </file>
 
-<file path=ppt/slides/slide27.xml><?xml version="1.0" encoding="utf-8"?>
-<p:sld xmlns:a="http://schemas.openxmlformats.org/drawingml/2006/main" xmlns:r="http://schemas.openxmlformats.org/officeDocument/2006/relationships" xmlns:p="http://schemas.openxmlformats.org/presentationml/2006/main">
-  <p:cSld>
-    <p:spTree>
-      <p:nvGrpSpPr>
-        <p:cNvPr id="1" name=""/>
-        <p:cNvGrpSpPr/>
-        <p:nvPr/>
-      </p:nvGrpSpPr>
-      <p:grpSpPr>
-        <a:xfrm>
-          <a:off x="0" y="0"/>
-          <a:ext cx="0" cy="0"/>
-          <a:chOff x="0" y="0"/>
-          <a:chExt cx="0" cy="0"/>
-        </a:xfrm>
-      </p:grpSpPr>
-      <p:sp>
-        <p:nvSpPr>
-          <p:cNvPr id="3" name="Title 2"/>
-          <p:cNvSpPr>
-            <a:spLocks noGrp="1"/>
-          </p:cNvSpPr>
-          <p:nvPr>
-            <p:ph type="title"/>
-          </p:nvPr>
-        </p:nvSpPr>
-        <p:spPr/>
-        <p:txBody>
-          <a:bodyPr/>
-          <a:lstStyle/>
-          <a:p>
-            <a:r>
-              <a:rPr lang="en-US" dirty="0">
-                <a:latin typeface="+mn-lt"/>
-                <a:ea typeface="Verdana" panose="020B0604030504040204" pitchFamily="34" charset="0"/>
-                <a:cs typeface="Verdana" panose="020B0604030504040204" pitchFamily="34" charset="0"/>
-              </a:rPr>
-              <a:t>Results</a:t>
-            </a:r>
-          </a:p>
-        </p:txBody>
-      </p:sp>
-      <p:sp>
-        <p:nvSpPr>
-          <p:cNvPr id="4" name="TextBox 3">
-            <a:extLst>
-              <a:ext uri="{FF2B5EF4-FFF2-40B4-BE49-F238E27FC236}">
-                <a16:creationId xmlns:a16="http://schemas.microsoft.com/office/drawing/2014/main" id="{850EE29C-6D76-4BC4-9B3B-8928672CA8C2}"/>
-              </a:ext>
-            </a:extLst>
-          </p:cNvPr>
-          <p:cNvSpPr txBox="1"/>
-          <p:nvPr/>
-        </p:nvSpPr>
-        <p:spPr>
-          <a:xfrm>
-            <a:off x="457951" y="1551191"/>
-            <a:ext cx="8085221" cy="646331"/>
-          </a:xfrm>
-          <a:prstGeom prst="rect">
-            <a:avLst/>
-          </a:prstGeom>
-          <a:noFill/>
-        </p:spPr>
-        <p:txBody>
-          <a:bodyPr wrap="square" rtlCol="0">
-            <a:spAutoFit/>
-          </a:bodyPr>
-          <a:lstStyle/>
-          <a:p>
-            <a:pPr lvl="1"/>
-            <a:r>
-              <a:rPr lang="en-US" i="1" dirty="0"/>
-              <a:t>	</a:t>
-            </a:r>
-            <a:r>
-              <a:rPr lang="en-US" dirty="0"/>
-              <a:t>Comparison of energy per bit unit versus system throughput for central deployment of micro cells.</a:t>
-            </a:r>
-          </a:p>
-        </p:txBody>
-      </p:sp>
-      <p:pic>
-        <p:nvPicPr>
-          <p:cNvPr id="6" name="Picture 5">
-            <a:extLst>
-              <a:ext uri="{FF2B5EF4-FFF2-40B4-BE49-F238E27FC236}">
-                <a16:creationId xmlns:a16="http://schemas.microsoft.com/office/drawing/2014/main" id="{5CDA64F0-0814-4CDC-99F5-AB5FD0DF8584}"/>
-              </a:ext>
-            </a:extLst>
-          </p:cNvPr>
-          <p:cNvPicPr/>
-          <p:nvPr/>
-        </p:nvPicPr>
-        <p:blipFill>
-          <a:blip r:embed="rId3">
-            <a:extLst>
-              <a:ext uri="{28A0092B-C50C-407E-A947-70E740481C1C}">
-                <a14:useLocalDpi xmlns:a14="http://schemas.microsoft.com/office/drawing/2010/main" val="0"/>
-              </a:ext>
-            </a:extLst>
-          </a:blip>
-          <a:srcRect/>
-          <a:stretch>
-            <a:fillRect/>
-          </a:stretch>
-        </p:blipFill>
-        <p:spPr bwMode="auto">
-          <a:xfrm>
-            <a:off x="1324224" y="2532805"/>
-            <a:ext cx="6352674" cy="3437983"/>
-          </a:xfrm>
-          <a:prstGeom prst="rect">
-            <a:avLst/>
-          </a:prstGeom>
-          <a:noFill/>
-          <a:ln>
-            <a:solidFill>
-              <a:schemeClr val="accent1"/>
-            </a:solidFill>
-          </a:ln>
-        </p:spPr>
-      </p:pic>
-    </p:spTree>
-    <p:extLst>
-      <p:ext uri="{BB962C8B-B14F-4D97-AF65-F5344CB8AC3E}">
-        <p14:creationId xmlns:p14="http://schemas.microsoft.com/office/powerpoint/2010/main" val="2192113908"/>
-      </p:ext>
-    </p:extLst>
-  </p:cSld>
-  <p:clrMapOvr>
-    <a:masterClrMapping/>
-  </p:clrMapOvr>
-</p:sld>
-</file>
-
-<file path=ppt/slides/slide28.xml><?xml version="1.0" encoding="utf-8"?>
-<p:sld xmlns:a="http://schemas.openxmlformats.org/drawingml/2006/main" xmlns:r="http://schemas.openxmlformats.org/officeDocument/2006/relationships" xmlns:p="http://schemas.openxmlformats.org/presentationml/2006/main">
-  <p:cSld>
-    <p:spTree>
-      <p:nvGrpSpPr>
-        <p:cNvPr id="1" name=""/>
-        <p:cNvGrpSpPr/>
-        <p:nvPr/>
-      </p:nvGrpSpPr>
-      <p:grpSpPr>
-        <a:xfrm>
-          <a:off x="0" y="0"/>
-          <a:ext cx="0" cy="0"/>
-          <a:chOff x="0" y="0"/>
-          <a:chExt cx="0" cy="0"/>
-        </a:xfrm>
-      </p:grpSpPr>
-      <p:sp>
-        <p:nvSpPr>
-          <p:cNvPr id="3" name="Title 2"/>
-          <p:cNvSpPr>
-            <a:spLocks noGrp="1"/>
-          </p:cNvSpPr>
-          <p:nvPr>
-            <p:ph type="title"/>
-          </p:nvPr>
-        </p:nvSpPr>
-        <p:spPr/>
-        <p:txBody>
-          <a:bodyPr/>
-          <a:lstStyle/>
-          <a:p>
-            <a:r>
-              <a:rPr lang="en-US" dirty="0">
-                <a:latin typeface="+mn-lt"/>
-                <a:ea typeface="Verdana" panose="020B0604030504040204" pitchFamily="34" charset="0"/>
-                <a:cs typeface="Verdana" panose="020B0604030504040204" pitchFamily="34" charset="0"/>
-              </a:rPr>
-              <a:t>Results</a:t>
-            </a:r>
-          </a:p>
-        </p:txBody>
-      </p:sp>
-      <p:sp>
-        <p:nvSpPr>
-          <p:cNvPr id="4" name="TextBox 3">
-            <a:extLst>
-              <a:ext uri="{FF2B5EF4-FFF2-40B4-BE49-F238E27FC236}">
-                <a16:creationId xmlns:a16="http://schemas.microsoft.com/office/drawing/2014/main" id="{850EE29C-6D76-4BC4-9B3B-8928672CA8C2}"/>
-              </a:ext>
-            </a:extLst>
-          </p:cNvPr>
-          <p:cNvSpPr txBox="1"/>
-          <p:nvPr/>
-        </p:nvSpPr>
-        <p:spPr>
-          <a:xfrm>
-            <a:off x="457951" y="1551191"/>
-            <a:ext cx="8085221" cy="923330"/>
-          </a:xfrm>
-          <a:prstGeom prst="rect">
-            <a:avLst/>
-          </a:prstGeom>
-          <a:noFill/>
-        </p:spPr>
-        <p:txBody>
-          <a:bodyPr wrap="square" rtlCol="0">
-            <a:spAutoFit/>
-          </a:bodyPr>
-          <a:lstStyle/>
-          <a:p>
-            <a:pPr lvl="1"/>
-            <a:r>
-              <a:rPr lang="en-US" i="1" dirty="0"/>
-              <a:t>	</a:t>
-            </a:r>
-            <a:r>
-              <a:rPr lang="en-US" dirty="0"/>
-              <a:t>Comparison of bits per unit energy versus system throughput for central deployment of micro cells.</a:t>
-            </a:r>
-          </a:p>
-          <a:p>
-            <a:pPr lvl="1"/>
-            <a:endParaRPr lang="en-US" dirty="0"/>
-          </a:p>
-        </p:txBody>
-      </p:sp>
-      <p:pic>
-        <p:nvPicPr>
-          <p:cNvPr id="5" name="Picture 4">
-            <a:extLst>
-              <a:ext uri="{FF2B5EF4-FFF2-40B4-BE49-F238E27FC236}">
-                <a16:creationId xmlns:a16="http://schemas.microsoft.com/office/drawing/2014/main" id="{264B36C2-B951-4A1F-A44E-B74746228F8F}"/>
-              </a:ext>
-            </a:extLst>
-          </p:cNvPr>
-          <p:cNvPicPr/>
-          <p:nvPr/>
-        </p:nvPicPr>
-        <p:blipFill>
-          <a:blip r:embed="rId3">
-            <a:extLst>
-              <a:ext uri="{28A0092B-C50C-407E-A947-70E740481C1C}">
-                <a14:useLocalDpi xmlns:a14="http://schemas.microsoft.com/office/drawing/2010/main" val="0"/>
-              </a:ext>
-            </a:extLst>
-          </a:blip>
-          <a:srcRect/>
-          <a:stretch>
-            <a:fillRect/>
-          </a:stretch>
-        </p:blipFill>
-        <p:spPr bwMode="auto">
-          <a:xfrm>
-            <a:off x="1588481" y="2474521"/>
-            <a:ext cx="5654842" cy="3711701"/>
-          </a:xfrm>
-          <a:prstGeom prst="rect">
-            <a:avLst/>
-          </a:prstGeom>
-          <a:noFill/>
-          <a:ln>
-            <a:solidFill>
-              <a:schemeClr val="accent1"/>
-            </a:solidFill>
-          </a:ln>
-        </p:spPr>
-      </p:pic>
-    </p:spTree>
-    <p:extLst>
-      <p:ext uri="{BB962C8B-B14F-4D97-AF65-F5344CB8AC3E}">
-        <p14:creationId xmlns:p14="http://schemas.microsoft.com/office/powerpoint/2010/main" val="1961921732"/>
-      </p:ext>
-    </p:extLst>
-  </p:cSld>
-  <p:clrMapOvr>
-    <a:masterClrMapping/>
-  </p:clrMapOvr>
-</p:sld>
-</file>
-
-<file path=ppt/slides/slide29.xml><?xml version="1.0" encoding="utf-8"?>
+<file path=ppt/slides/slide25.xml><?xml version="1.0" encoding="utf-8"?>
 <p:sld xmlns:a="http://schemas.openxmlformats.org/drawingml/2006/main" xmlns:r="http://schemas.openxmlformats.org/officeDocument/2006/relationships" xmlns:p="http://schemas.openxmlformats.org/presentationml/2006/main">
   <p:cSld>
     <p:spTree>
@@ -17674,386 +17118,7 @@
 </p:sld>
 </file>
 
-<file path=ppt/slides/slide3.xml><?xml version="1.0" encoding="utf-8"?>
-<p:sld xmlns:a="http://schemas.openxmlformats.org/drawingml/2006/main" xmlns:r="http://schemas.openxmlformats.org/officeDocument/2006/relationships" xmlns:p="http://schemas.openxmlformats.org/presentationml/2006/main">
-  <p:cSld>
-    <p:spTree>
-      <p:nvGrpSpPr>
-        <p:cNvPr id="1" name=""/>
-        <p:cNvGrpSpPr/>
-        <p:nvPr/>
-      </p:nvGrpSpPr>
-      <p:grpSpPr>
-        <a:xfrm>
-          <a:off x="0" y="0"/>
-          <a:ext cx="0" cy="0"/>
-          <a:chOff x="0" y="0"/>
-          <a:chExt cx="0" cy="0"/>
-        </a:xfrm>
-      </p:grpSpPr>
-      <p:sp>
-        <p:nvSpPr>
-          <p:cNvPr id="2" name="Rubrik 1"/>
-          <p:cNvSpPr>
-            <a:spLocks noGrp="1"/>
-          </p:cNvSpPr>
-          <p:nvPr>
-            <p:ph type="title"/>
-          </p:nvPr>
-        </p:nvSpPr>
-        <p:spPr/>
-        <p:txBody>
-          <a:bodyPr/>
-          <a:lstStyle/>
-          <a:p>
-            <a:r>
-              <a:rPr lang="en-GB" dirty="0">
-                <a:latin typeface="+mn-lt"/>
-              </a:rPr>
-              <a:t>Introduction</a:t>
-            </a:r>
-          </a:p>
-        </p:txBody>
-      </p:sp>
-      <p:sp>
-        <p:nvSpPr>
-          <p:cNvPr id="3" name="Platshållare för innehåll 2"/>
-          <p:cNvSpPr>
-            <a:spLocks noGrp="1"/>
-          </p:cNvSpPr>
-          <p:nvPr>
-            <p:ph sz="half" idx="1"/>
-          </p:nvPr>
-        </p:nvSpPr>
-        <p:spPr>
-          <a:xfrm>
-            <a:off x="643263" y="1540578"/>
-            <a:ext cx="8069649" cy="4517322"/>
-          </a:xfrm>
-        </p:spPr>
-        <p:txBody>
-          <a:bodyPr/>
-          <a:lstStyle/>
-          <a:p>
-            <a:pPr marL="342900" indent="-342900" algn="just">
-              <a:buFont typeface="Arial" panose="020B0604020202020204" pitchFamily="34" charset="0"/>
-              <a:buChar char="•"/>
-            </a:pPr>
-            <a:r>
-              <a:rPr lang="en-US" sz="2400" dirty="0"/>
-              <a:t>ICT industry is responsible for 10% of world’s total energy consumption and is doubling in every 10 years. Cellular networks are among the main energy consumers in the ICT industry. </a:t>
-            </a:r>
-          </a:p>
-          <a:p>
-            <a:pPr marL="342900" indent="-342900" algn="just">
-              <a:buFont typeface="Arial" panose="020B0604020202020204" pitchFamily="34" charset="0"/>
-              <a:buChar char="•"/>
-            </a:pPr>
-            <a:r>
-              <a:rPr lang="en-US" sz="2400" dirty="0"/>
-              <a:t>In Germany, last year mobile network operators spent more than 200 million Euros on electricity bills.</a:t>
-            </a:r>
-          </a:p>
-          <a:p>
-            <a:pPr marL="342900" indent="-342900" algn="just">
-              <a:buFont typeface="Arial" panose="020B0604020202020204" pitchFamily="34" charset="0"/>
-              <a:buChar char="•"/>
-            </a:pPr>
-            <a:r>
-              <a:rPr lang="en-US" sz="2400" dirty="0"/>
-              <a:t>With IoT and connected cars, cellular networks are likely to densify furthermore.</a:t>
-            </a:r>
-          </a:p>
-        </p:txBody>
-      </p:sp>
-    </p:spTree>
-    <p:extLst>
-      <p:ext uri="{BB962C8B-B14F-4D97-AF65-F5344CB8AC3E}">
-        <p14:creationId xmlns:p14="http://schemas.microsoft.com/office/powerpoint/2010/main" val="3435044415"/>
-      </p:ext>
-    </p:extLst>
-  </p:cSld>
-  <p:clrMapOvr>
-    <a:masterClrMapping/>
-  </p:clrMapOvr>
-</p:sld>
-</file>
-
-<file path=ppt/slides/slide30.xml><?xml version="1.0" encoding="utf-8"?>
-<p:sld xmlns:a="http://schemas.openxmlformats.org/drawingml/2006/main" xmlns:r="http://schemas.openxmlformats.org/officeDocument/2006/relationships" xmlns:p="http://schemas.openxmlformats.org/presentationml/2006/main">
-  <p:cSld>
-    <p:spTree>
-      <p:nvGrpSpPr>
-        <p:cNvPr id="1" name=""/>
-        <p:cNvGrpSpPr/>
-        <p:nvPr/>
-      </p:nvGrpSpPr>
-      <p:grpSpPr>
-        <a:xfrm>
-          <a:off x="0" y="0"/>
-          <a:ext cx="0" cy="0"/>
-          <a:chOff x="0" y="0"/>
-          <a:chExt cx="0" cy="0"/>
-        </a:xfrm>
-      </p:grpSpPr>
-      <p:sp>
-        <p:nvSpPr>
-          <p:cNvPr id="3" name="Title 2"/>
-          <p:cNvSpPr>
-            <a:spLocks noGrp="1"/>
-          </p:cNvSpPr>
-          <p:nvPr>
-            <p:ph type="title"/>
-          </p:nvPr>
-        </p:nvSpPr>
-        <p:spPr/>
-        <p:txBody>
-          <a:bodyPr/>
-          <a:lstStyle/>
-          <a:p>
-            <a:r>
-              <a:rPr lang="en-US" dirty="0">
-                <a:latin typeface="+mn-lt"/>
-                <a:ea typeface="Verdana" panose="020B0604030504040204" pitchFamily="34" charset="0"/>
-                <a:cs typeface="Verdana" panose="020B0604030504040204" pitchFamily="34" charset="0"/>
-              </a:rPr>
-              <a:t>Results</a:t>
-            </a:r>
-          </a:p>
-        </p:txBody>
-      </p:sp>
-      <p:sp>
-        <p:nvSpPr>
-          <p:cNvPr id="4" name="TextBox 3">
-            <a:extLst>
-              <a:ext uri="{FF2B5EF4-FFF2-40B4-BE49-F238E27FC236}">
-                <a16:creationId xmlns:a16="http://schemas.microsoft.com/office/drawing/2014/main" id="{850EE29C-6D76-4BC4-9B3B-8928672CA8C2}"/>
-              </a:ext>
-            </a:extLst>
-          </p:cNvPr>
-          <p:cNvSpPr txBox="1"/>
-          <p:nvPr/>
-        </p:nvSpPr>
-        <p:spPr>
-          <a:xfrm>
-            <a:off x="457951" y="1551191"/>
-            <a:ext cx="8085221" cy="646331"/>
-          </a:xfrm>
-          <a:prstGeom prst="rect">
-            <a:avLst/>
-          </a:prstGeom>
-          <a:noFill/>
-        </p:spPr>
-        <p:txBody>
-          <a:bodyPr wrap="square" rtlCol="0">
-            <a:spAutoFit/>
-          </a:bodyPr>
-          <a:lstStyle/>
-          <a:p>
-            <a:pPr lvl="1"/>
-            <a:r>
-              <a:rPr lang="en-US" i="1" dirty="0"/>
-              <a:t>	</a:t>
-            </a:r>
-            <a:r>
-              <a:rPr lang="en-US" dirty="0"/>
-              <a:t>Comparison of energy per bit unit versus system throughput for central deployment of micro cells versus macro cells.</a:t>
-            </a:r>
-          </a:p>
-        </p:txBody>
-      </p:sp>
-      <p:pic>
-        <p:nvPicPr>
-          <p:cNvPr id="6" name="Picture 5">
-            <a:extLst>
-              <a:ext uri="{FF2B5EF4-FFF2-40B4-BE49-F238E27FC236}">
-                <a16:creationId xmlns:a16="http://schemas.microsoft.com/office/drawing/2014/main" id="{F7DC7828-CDC5-4206-823F-BF5AD9931175}"/>
-              </a:ext>
-            </a:extLst>
-          </p:cNvPr>
-          <p:cNvPicPr/>
-          <p:nvPr/>
-        </p:nvPicPr>
-        <p:blipFill>
-          <a:blip r:embed="rId3">
-            <a:extLst>
-              <a:ext uri="{28A0092B-C50C-407E-A947-70E740481C1C}">
-                <a14:useLocalDpi xmlns:a14="http://schemas.microsoft.com/office/drawing/2010/main" val="0"/>
-              </a:ext>
-            </a:extLst>
-          </a:blip>
-          <a:srcRect/>
-          <a:stretch>
-            <a:fillRect/>
-          </a:stretch>
-        </p:blipFill>
-        <p:spPr bwMode="auto">
-          <a:xfrm>
-            <a:off x="1203158" y="2427003"/>
-            <a:ext cx="6340642" cy="3769260"/>
-          </a:xfrm>
-          <a:prstGeom prst="rect">
-            <a:avLst/>
-          </a:prstGeom>
-          <a:noFill/>
-          <a:ln>
-            <a:solidFill>
-              <a:schemeClr val="accent1"/>
-            </a:solidFill>
-          </a:ln>
-        </p:spPr>
-      </p:pic>
-    </p:spTree>
-    <p:extLst>
-      <p:ext uri="{BB962C8B-B14F-4D97-AF65-F5344CB8AC3E}">
-        <p14:creationId xmlns:p14="http://schemas.microsoft.com/office/powerpoint/2010/main" val="754156685"/>
-      </p:ext>
-    </p:extLst>
-  </p:cSld>
-  <p:clrMapOvr>
-    <a:masterClrMapping/>
-  </p:clrMapOvr>
-</p:sld>
-</file>
-
-<file path=ppt/slides/slide31.xml><?xml version="1.0" encoding="utf-8"?>
-<p:sld xmlns:a="http://schemas.openxmlformats.org/drawingml/2006/main" xmlns:r="http://schemas.openxmlformats.org/officeDocument/2006/relationships" xmlns:p="http://schemas.openxmlformats.org/presentationml/2006/main">
-  <p:cSld>
-    <p:spTree>
-      <p:nvGrpSpPr>
-        <p:cNvPr id="1" name=""/>
-        <p:cNvGrpSpPr/>
-        <p:nvPr/>
-      </p:nvGrpSpPr>
-      <p:grpSpPr>
-        <a:xfrm>
-          <a:off x="0" y="0"/>
-          <a:ext cx="0" cy="0"/>
-          <a:chOff x="0" y="0"/>
-          <a:chExt cx="0" cy="0"/>
-        </a:xfrm>
-      </p:grpSpPr>
-      <p:sp>
-        <p:nvSpPr>
-          <p:cNvPr id="3" name="Title 2"/>
-          <p:cNvSpPr>
-            <a:spLocks noGrp="1"/>
-          </p:cNvSpPr>
-          <p:nvPr>
-            <p:ph type="title"/>
-          </p:nvPr>
-        </p:nvSpPr>
-        <p:spPr/>
-        <p:txBody>
-          <a:bodyPr/>
-          <a:lstStyle/>
-          <a:p>
-            <a:r>
-              <a:rPr lang="en-US" dirty="0">
-                <a:latin typeface="+mn-lt"/>
-                <a:ea typeface="Verdana" panose="020B0604030504040204" pitchFamily="34" charset="0"/>
-                <a:cs typeface="Verdana" panose="020B0604030504040204" pitchFamily="34" charset="0"/>
-              </a:rPr>
-              <a:t>Results</a:t>
-            </a:r>
-          </a:p>
-        </p:txBody>
-      </p:sp>
-      <p:sp>
-        <p:nvSpPr>
-          <p:cNvPr id="4" name="TextBox 3">
-            <a:extLst>
-              <a:ext uri="{FF2B5EF4-FFF2-40B4-BE49-F238E27FC236}">
-                <a16:creationId xmlns:a16="http://schemas.microsoft.com/office/drawing/2014/main" id="{850EE29C-6D76-4BC4-9B3B-8928672CA8C2}"/>
-              </a:ext>
-            </a:extLst>
-          </p:cNvPr>
-          <p:cNvSpPr txBox="1"/>
-          <p:nvPr/>
-        </p:nvSpPr>
-        <p:spPr>
-          <a:xfrm>
-            <a:off x="457951" y="1551191"/>
-            <a:ext cx="8085221" cy="646331"/>
-          </a:xfrm>
-          <a:prstGeom prst="rect">
-            <a:avLst/>
-          </a:prstGeom>
-          <a:noFill/>
-        </p:spPr>
-        <p:txBody>
-          <a:bodyPr wrap="square" rtlCol="0">
-            <a:spAutoFit/>
-          </a:bodyPr>
-          <a:lstStyle/>
-          <a:p>
-            <a:pPr lvl="1"/>
-            <a:r>
-              <a:rPr lang="en-US" i="1" dirty="0"/>
-              <a:t>	</a:t>
-            </a:r>
-            <a:r>
-              <a:rPr lang="en-US" dirty="0"/>
-              <a:t>Comparison of bits per unit energy versus system throughput for central deployment of micro cells versus macro cells.</a:t>
-            </a:r>
-          </a:p>
-        </p:txBody>
-      </p:sp>
-      <p:pic>
-        <p:nvPicPr>
-          <p:cNvPr id="5" name="Picture 4">
-            <a:extLst>
-              <a:ext uri="{FF2B5EF4-FFF2-40B4-BE49-F238E27FC236}">
-                <a16:creationId xmlns:a16="http://schemas.microsoft.com/office/drawing/2014/main" id="{8E17FDDF-A4BC-41F0-8B11-225F9F675A74}"/>
-              </a:ext>
-            </a:extLst>
-          </p:cNvPr>
-          <p:cNvPicPr/>
-          <p:nvPr/>
-        </p:nvPicPr>
-        <p:blipFill>
-          <a:blip r:embed="rId3">
-            <a:extLst>
-              <a:ext uri="{28A0092B-C50C-407E-A947-70E740481C1C}">
-                <a14:useLocalDpi xmlns:a14="http://schemas.microsoft.com/office/drawing/2010/main" val="0"/>
-              </a:ext>
-            </a:extLst>
-          </a:blip>
-          <a:srcRect/>
-          <a:stretch>
-            <a:fillRect/>
-          </a:stretch>
-        </p:blipFill>
-        <p:spPr bwMode="auto">
-          <a:xfrm>
-            <a:off x="1215189" y="2427003"/>
-            <a:ext cx="6328611" cy="3607929"/>
-          </a:xfrm>
-          <a:prstGeom prst="rect">
-            <a:avLst/>
-          </a:prstGeom>
-          <a:noFill/>
-          <a:ln>
-            <a:solidFill>
-              <a:schemeClr val="accent1"/>
-            </a:solidFill>
-          </a:ln>
-        </p:spPr>
-      </p:pic>
-    </p:spTree>
-    <p:extLst>
-      <p:ext uri="{BB962C8B-B14F-4D97-AF65-F5344CB8AC3E}">
-        <p14:creationId xmlns:p14="http://schemas.microsoft.com/office/powerpoint/2010/main" val="3508401484"/>
-      </p:ext>
-    </p:extLst>
-  </p:cSld>
-  <p:clrMapOvr>
-    <a:masterClrMapping/>
-  </p:clrMapOvr>
-</p:sld>
-</file>
-
-<file path=ppt/slides/slide32.xml><?xml version="1.0" encoding="utf-8"?>
+<file path=ppt/slides/slide26.xml><?xml version="1.0" encoding="utf-8"?>
 <p:sld xmlns:a="http://schemas.openxmlformats.org/drawingml/2006/main" xmlns:r="http://schemas.openxmlformats.org/officeDocument/2006/relationships" xmlns:p="http://schemas.openxmlformats.org/presentationml/2006/main">
   <p:cSld>
     <p:spTree>
@@ -18219,7 +17284,7 @@
 </p:sld>
 </file>
 
-<file path=ppt/slides/slide33.xml><?xml version="1.0" encoding="utf-8"?>
+<file path=ppt/slides/slide27.xml><?xml version="1.0" encoding="utf-8"?>
 <p:sld xmlns:a="http://schemas.openxmlformats.org/drawingml/2006/main" xmlns:r="http://schemas.openxmlformats.org/officeDocument/2006/relationships" xmlns:p="http://schemas.openxmlformats.org/presentationml/2006/main">
   <p:cSld>
     <p:spTree>
@@ -18302,7 +17367,7 @@
           <p:nvPr>
             <p:extLst>
               <p:ext uri="{D42A27DB-BD31-4B8C-83A1-F6EECF244321}">
-                <p14:modId xmlns:p14="http://schemas.microsoft.com/office/powerpoint/2010/main" val="3898284072"/>
+                <p14:modId xmlns:p14="http://schemas.microsoft.com/office/powerpoint/2010/main" val="1892652174"/>
               </p:ext>
             </p:extLst>
           </p:nvPr>
@@ -18682,7 +17747,7 @@
                       <a:pPr algn="ctr"/>
                       <a:r>
                         <a:rPr lang="sv-SE" sz="2000" dirty="0"/>
-                        <a:t>7.02%</a:t>
+                        <a:t>7%</a:t>
                       </a:r>
                       <a:endParaRPr lang="en-US" sz="2000" dirty="0"/>
                     </a:p>
@@ -18756,7 +17821,7 @@
                       <a:pPr algn="ctr"/>
                       <a:r>
                         <a:rPr lang="sv-SE" sz="2000" dirty="0"/>
-                        <a:t>10.16%</a:t>
+                        <a:t>10%</a:t>
                       </a:r>
                       <a:endParaRPr lang="en-US" sz="2000" dirty="0"/>
                     </a:p>
@@ -18830,7 +17895,7 @@
                       <a:pPr algn="ctr"/>
                       <a:r>
                         <a:rPr lang="sv-SE" sz="2000" dirty="0"/>
-                        <a:t>17.22%</a:t>
+                        <a:t>17%</a:t>
                       </a:r>
                       <a:endParaRPr lang="en-US" sz="2000" dirty="0"/>
                     </a:p>
@@ -18986,7 +18051,7 @@
                       <a:pPr algn="ctr"/>
                       <a:r>
                         <a:rPr lang="sv-SE" sz="2000" dirty="0"/>
-                        <a:t>13.22%</a:t>
+                        <a:t>13%</a:t>
                       </a:r>
                       <a:endParaRPr lang="en-US" sz="2000" dirty="0"/>
                     </a:p>
@@ -19060,7 +18125,7 @@
                       <a:pPr algn="ctr"/>
                       <a:r>
                         <a:rPr lang="sv-SE" sz="2000" dirty="0"/>
-                        <a:t>19.13%</a:t>
+                        <a:t>19%</a:t>
                       </a:r>
                       <a:endParaRPr lang="en-US" sz="2000" dirty="0"/>
                     </a:p>
@@ -19134,7 +18199,7 @@
                       <a:pPr algn="ctr"/>
                       <a:r>
                         <a:rPr lang="sv-SE" sz="2000" dirty="0"/>
-                        <a:t>32.26%</a:t>
+                        <a:t>33%</a:t>
                       </a:r>
                       <a:endParaRPr lang="en-US" sz="2000" dirty="0"/>
                     </a:p>
@@ -19164,7 +18229,7 @@
 </p:sld>
 </file>
 
-<file path=ppt/slides/slide34.xml><?xml version="1.0" encoding="utf-8"?>
+<file path=ppt/slides/slide28.xml><?xml version="1.0" encoding="utf-8"?>
 <p:sld xmlns:a="http://schemas.openxmlformats.org/drawingml/2006/main" xmlns:r="http://schemas.openxmlformats.org/officeDocument/2006/relationships" xmlns:p="http://schemas.openxmlformats.org/presentationml/2006/main">
   <p:cSld>
     <p:spTree>
@@ -19321,7 +18386,7 @@
 </p:sld>
 </file>
 
-<file path=ppt/slides/slide35.xml><?xml version="1.0" encoding="utf-8"?>
+<file path=ppt/slides/slide29.xml><?xml version="1.0" encoding="utf-8"?>
 <p:sld xmlns:a="http://schemas.openxmlformats.org/drawingml/2006/main" xmlns:r="http://schemas.openxmlformats.org/officeDocument/2006/relationships" xmlns:p="http://schemas.openxmlformats.org/presentationml/2006/main">
   <p:cSld>
     <p:spTree>
@@ -19400,7 +18465,7 @@
             </a:pPr>
             <a:r>
               <a:rPr lang="en-US" sz="2400" dirty="0"/>
-              <a:t>Quite efficient to substitute macro cells with micro cells with energy saving schemes especially for densified 5G deployments. </a:t>
+              <a:t>Quite efficient to deploy heterogeneous networks with macro cells with micro cells with energy saving schemes; especially for densified 5G deployments. </a:t>
             </a:r>
           </a:p>
           <a:p>
@@ -19431,188 +18496,7 @@
 </p:sld>
 </file>
 
-<file path=ppt/slides/slide36.xml><?xml version="1.0" encoding="utf-8"?>
-<p:sld xmlns:a="http://schemas.openxmlformats.org/drawingml/2006/main" xmlns:r="http://schemas.openxmlformats.org/officeDocument/2006/relationships" xmlns:p="http://schemas.openxmlformats.org/presentationml/2006/main">
-  <p:cSld>
-    <p:spTree>
-      <p:nvGrpSpPr>
-        <p:cNvPr id="1" name=""/>
-        <p:cNvGrpSpPr/>
-        <p:nvPr/>
-      </p:nvGrpSpPr>
-      <p:grpSpPr>
-        <a:xfrm>
-          <a:off x="0" y="0"/>
-          <a:ext cx="0" cy="0"/>
-          <a:chOff x="0" y="0"/>
-          <a:chExt cx="0" cy="0"/>
-        </a:xfrm>
-      </p:grpSpPr>
-      <p:sp>
-        <p:nvSpPr>
-          <p:cNvPr id="2" name="Rubrik 1"/>
-          <p:cNvSpPr>
-            <a:spLocks noGrp="1"/>
-          </p:cNvSpPr>
-          <p:nvPr>
-            <p:ph type="title"/>
-          </p:nvPr>
-        </p:nvSpPr>
-        <p:spPr/>
-        <p:txBody>
-          <a:bodyPr/>
-          <a:lstStyle/>
-          <a:p>
-            <a:r>
-              <a:rPr lang="en-US" dirty="0">
-                <a:latin typeface="+mn-lt"/>
-              </a:rPr>
-              <a:t>Future Work</a:t>
-            </a:r>
-          </a:p>
-        </p:txBody>
-      </p:sp>
-      <p:sp>
-        <p:nvSpPr>
-          <p:cNvPr id="3" name="Platshållare för innehåll 2"/>
-          <p:cNvSpPr>
-            <a:spLocks noGrp="1"/>
-          </p:cNvSpPr>
-          <p:nvPr>
-            <p:ph sz="half" idx="1"/>
-          </p:nvPr>
-        </p:nvSpPr>
-        <p:spPr>
-          <a:xfrm>
-            <a:off x="740243" y="1666308"/>
-            <a:ext cx="7410225" cy="3720107"/>
-          </a:xfrm>
-        </p:spPr>
-        <p:txBody>
-          <a:bodyPr/>
-          <a:lstStyle/>
-          <a:p>
-            <a:pPr marL="342900" indent="-342900" algn="just">
-              <a:buFont typeface="Arial" panose="020B0604020202020204" pitchFamily="34" charset="0"/>
-              <a:buChar char="•"/>
-            </a:pPr>
-            <a:r>
-              <a:rPr lang="en-US" sz="2400" dirty="0"/>
-              <a:t>Energy efficiency could be studied in other scenarios as well such as sub-urban and rural.  </a:t>
-            </a:r>
-          </a:p>
-          <a:p>
-            <a:pPr marL="342900" indent="-342900" algn="just">
-              <a:buFont typeface="Arial" panose="020B0604020202020204" pitchFamily="34" charset="0"/>
-              <a:buChar char="•"/>
-            </a:pPr>
-            <a:r>
-              <a:rPr lang="sv-SE" sz="2400" dirty="0" err="1"/>
-              <a:t>There</a:t>
-            </a:r>
-            <a:r>
-              <a:rPr lang="sv-SE" sz="2400" dirty="0"/>
-              <a:t> </a:t>
-            </a:r>
-            <a:r>
-              <a:rPr lang="sv-SE" sz="2400" dirty="0" err="1"/>
-              <a:t>could</a:t>
-            </a:r>
-            <a:r>
-              <a:rPr lang="sv-SE" sz="2400" dirty="0"/>
-              <a:t> be different sort </a:t>
-            </a:r>
-            <a:r>
-              <a:rPr lang="sv-SE" sz="2400" dirty="0" err="1"/>
-              <a:t>of</a:t>
-            </a:r>
-            <a:r>
-              <a:rPr lang="sv-SE" sz="2400" dirty="0"/>
-              <a:t> </a:t>
-            </a:r>
-            <a:r>
-              <a:rPr lang="en-US" sz="2400" dirty="0"/>
-              <a:t>deployment of the cells to analyze the energy and throughput efficiencies.</a:t>
-            </a:r>
-          </a:p>
-          <a:p>
-            <a:pPr marL="342900" indent="-342900" algn="just">
-              <a:buFont typeface="Arial" panose="020B0604020202020204" pitchFamily="34" charset="0"/>
-              <a:buChar char="•"/>
-            </a:pPr>
-            <a:r>
-              <a:rPr lang="en-US" sz="2400" dirty="0"/>
-              <a:t>One could make use of dynamic simulators to analyze the dynamic traffic.</a:t>
-            </a:r>
-          </a:p>
-          <a:p>
-            <a:pPr marL="342900" indent="-342900">
-              <a:buFont typeface="Arial" panose="020B0604020202020204" pitchFamily="34" charset="0"/>
-              <a:buChar char="•"/>
-            </a:pPr>
-            <a:endParaRPr lang="en-US" dirty="0"/>
-          </a:p>
-          <a:p>
-            <a:r>
-              <a:rPr lang="en-US" dirty="0"/>
-              <a:t> </a:t>
-            </a:r>
-          </a:p>
-          <a:p>
-            <a:pPr marL="342900" indent="-342900">
-              <a:buFont typeface="Arial" panose="020B0604020202020204" pitchFamily="34" charset="0"/>
-              <a:buChar char="•"/>
-            </a:pPr>
-            <a:endParaRPr lang="en-US" dirty="0"/>
-          </a:p>
-          <a:p>
-            <a:pPr marL="342900" indent="-342900">
-              <a:buFont typeface="Arial" panose="020B0604020202020204" pitchFamily="34" charset="0"/>
-              <a:buChar char="•"/>
-            </a:pPr>
-            <a:endParaRPr lang="en-US" dirty="0"/>
-          </a:p>
-        </p:txBody>
-      </p:sp>
-    </p:spTree>
-    <p:extLst>
-      <p:ext uri="{BB962C8B-B14F-4D97-AF65-F5344CB8AC3E}">
-        <p14:creationId xmlns:p14="http://schemas.microsoft.com/office/powerpoint/2010/main" val="215360727"/>
-      </p:ext>
-    </p:extLst>
-  </p:cSld>
-  <p:clrMapOvr>
-    <a:masterClrMapping/>
-  </p:clrMapOvr>
-</p:sld>
-</file>
-
-<file path=ppt/slides/slide37.xml><?xml version="1.0" encoding="utf-8"?>
-<p:sld xmlns:a="http://schemas.openxmlformats.org/drawingml/2006/main" xmlns:r="http://schemas.openxmlformats.org/officeDocument/2006/relationships" xmlns:p="http://schemas.openxmlformats.org/presentationml/2006/main">
-  <p:cSld>
-    <p:spTree>
-      <p:nvGrpSpPr>
-        <p:cNvPr id="1" name=""/>
-        <p:cNvGrpSpPr/>
-        <p:nvPr/>
-      </p:nvGrpSpPr>
-      <p:grpSpPr>
-        <a:xfrm>
-          <a:off x="0" y="0"/>
-          <a:ext cx="0" cy="0"/>
-          <a:chOff x="0" y="0"/>
-          <a:chExt cx="0" cy="0"/>
-        </a:xfrm>
-      </p:grpSpPr>
-    </p:spTree>
-  </p:cSld>
-  <p:clrMapOvr>
-    <a:masterClrMapping/>
-  </p:clrMapOvr>
-</p:sld>
-</file>
-
-<file path=ppt/slides/slide4.xml><?xml version="1.0" encoding="utf-8"?>
+<file path=ppt/slides/slide3.xml><?xml version="1.0" encoding="utf-8"?>
 <p:sld xmlns:a="http://schemas.openxmlformats.org/drawingml/2006/main" xmlns:r="http://schemas.openxmlformats.org/officeDocument/2006/relationships" xmlns:p="http://schemas.openxmlformats.org/presentationml/2006/main">
   <p:cSld>
     <p:spTree>
@@ -19810,7 +18694,1287 @@
     </p:spTree>
     <p:extLst>
       <p:ext uri="{BB962C8B-B14F-4D97-AF65-F5344CB8AC3E}">
-        <p14:creationId xmlns:p14="http://schemas.microsoft.com/office/powerpoint/2010/main" val="2538189083"/>
+        <p14:creationId xmlns:p14="http://schemas.microsoft.com/office/powerpoint/2010/main" val="1778123093"/>
+      </p:ext>
+    </p:extLst>
+  </p:cSld>
+  <p:clrMapOvr>
+    <a:masterClrMapping/>
+  </p:clrMapOvr>
+</p:sld>
+</file>
+
+<file path=ppt/slides/slide30.xml><?xml version="1.0" encoding="utf-8"?>
+<p:sld xmlns:a="http://schemas.openxmlformats.org/drawingml/2006/main" xmlns:r="http://schemas.openxmlformats.org/officeDocument/2006/relationships" xmlns:p="http://schemas.openxmlformats.org/presentationml/2006/main">
+  <p:cSld>
+    <p:spTree>
+      <p:nvGrpSpPr>
+        <p:cNvPr id="1" name=""/>
+        <p:cNvGrpSpPr/>
+        <p:nvPr/>
+      </p:nvGrpSpPr>
+      <p:grpSpPr>
+        <a:xfrm>
+          <a:off x="0" y="0"/>
+          <a:ext cx="0" cy="0"/>
+          <a:chOff x="0" y="0"/>
+          <a:chExt cx="0" cy="0"/>
+        </a:xfrm>
+      </p:grpSpPr>
+      <p:sp>
+        <p:nvSpPr>
+          <p:cNvPr id="2" name="Rubrik 1"/>
+          <p:cNvSpPr>
+            <a:spLocks noGrp="1"/>
+          </p:cNvSpPr>
+          <p:nvPr>
+            <p:ph type="title"/>
+          </p:nvPr>
+        </p:nvSpPr>
+        <p:spPr/>
+        <p:txBody>
+          <a:bodyPr/>
+          <a:lstStyle/>
+          <a:p>
+            <a:r>
+              <a:rPr lang="en-US" dirty="0">
+                <a:latin typeface="+mn-lt"/>
+              </a:rPr>
+              <a:t>Future Work</a:t>
+            </a:r>
+          </a:p>
+        </p:txBody>
+      </p:sp>
+      <p:sp>
+        <p:nvSpPr>
+          <p:cNvPr id="3" name="Platshållare för innehåll 2"/>
+          <p:cNvSpPr>
+            <a:spLocks noGrp="1"/>
+          </p:cNvSpPr>
+          <p:nvPr>
+            <p:ph sz="half" idx="1"/>
+          </p:nvPr>
+        </p:nvSpPr>
+        <p:spPr>
+          <a:xfrm>
+            <a:off x="740243" y="1666308"/>
+            <a:ext cx="7410225" cy="3720107"/>
+          </a:xfrm>
+        </p:spPr>
+        <p:txBody>
+          <a:bodyPr/>
+          <a:lstStyle/>
+          <a:p>
+            <a:pPr marL="342900" indent="-342900" algn="just">
+              <a:buFont typeface="Arial" panose="020B0604020202020204" pitchFamily="34" charset="0"/>
+              <a:buChar char="•"/>
+            </a:pPr>
+            <a:r>
+              <a:rPr lang="en-US" sz="2400" dirty="0"/>
+              <a:t>Energy efficiency could be studied in other scenarios as well such as sub-urban and rural.  </a:t>
+            </a:r>
+          </a:p>
+          <a:p>
+            <a:pPr marL="342900" indent="-342900" algn="just">
+              <a:buFont typeface="Arial" panose="020B0604020202020204" pitchFamily="34" charset="0"/>
+              <a:buChar char="•"/>
+            </a:pPr>
+            <a:r>
+              <a:rPr lang="sv-SE" sz="2400" dirty="0" err="1"/>
+              <a:t>There</a:t>
+            </a:r>
+            <a:r>
+              <a:rPr lang="sv-SE" sz="2400" dirty="0"/>
+              <a:t> </a:t>
+            </a:r>
+            <a:r>
+              <a:rPr lang="sv-SE" sz="2400" dirty="0" err="1"/>
+              <a:t>could</a:t>
+            </a:r>
+            <a:r>
+              <a:rPr lang="sv-SE" sz="2400" dirty="0"/>
+              <a:t> be different sort </a:t>
+            </a:r>
+            <a:r>
+              <a:rPr lang="sv-SE" sz="2400" dirty="0" err="1"/>
+              <a:t>of</a:t>
+            </a:r>
+            <a:r>
+              <a:rPr lang="sv-SE" sz="2400" dirty="0"/>
+              <a:t> </a:t>
+            </a:r>
+            <a:r>
+              <a:rPr lang="en-US" sz="2400" dirty="0"/>
+              <a:t>deployment of the cells to analyze the energy and throughput efficiencies.</a:t>
+            </a:r>
+          </a:p>
+          <a:p>
+            <a:pPr marL="342900" indent="-342900" algn="just">
+              <a:buFont typeface="Arial" panose="020B0604020202020204" pitchFamily="34" charset="0"/>
+              <a:buChar char="•"/>
+            </a:pPr>
+            <a:r>
+              <a:rPr lang="en-US" sz="2400" dirty="0"/>
+              <a:t>One could make use of dynamic simulators to analyze the dynamic traffic.</a:t>
+            </a:r>
+          </a:p>
+          <a:p>
+            <a:pPr marL="342900" indent="-342900">
+              <a:buFont typeface="Arial" panose="020B0604020202020204" pitchFamily="34" charset="0"/>
+              <a:buChar char="•"/>
+            </a:pPr>
+            <a:endParaRPr lang="en-US" dirty="0"/>
+          </a:p>
+          <a:p>
+            <a:r>
+              <a:rPr lang="en-US" dirty="0"/>
+              <a:t> </a:t>
+            </a:r>
+          </a:p>
+          <a:p>
+            <a:pPr marL="342900" indent="-342900">
+              <a:buFont typeface="Arial" panose="020B0604020202020204" pitchFamily="34" charset="0"/>
+              <a:buChar char="•"/>
+            </a:pPr>
+            <a:endParaRPr lang="en-US" dirty="0"/>
+          </a:p>
+          <a:p>
+            <a:pPr marL="342900" indent="-342900">
+              <a:buFont typeface="Arial" panose="020B0604020202020204" pitchFamily="34" charset="0"/>
+              <a:buChar char="•"/>
+            </a:pPr>
+            <a:endParaRPr lang="en-US" dirty="0"/>
+          </a:p>
+        </p:txBody>
+      </p:sp>
+    </p:spTree>
+    <p:extLst>
+      <p:ext uri="{BB962C8B-B14F-4D97-AF65-F5344CB8AC3E}">
+        <p14:creationId xmlns:p14="http://schemas.microsoft.com/office/powerpoint/2010/main" val="215360727"/>
+      </p:ext>
+    </p:extLst>
+  </p:cSld>
+  <p:clrMapOvr>
+    <a:masterClrMapping/>
+  </p:clrMapOvr>
+</p:sld>
+</file>
+
+<file path=ppt/slides/slide31.xml><?xml version="1.0" encoding="utf-8"?>
+<p:sld xmlns:a="http://schemas.openxmlformats.org/drawingml/2006/main" xmlns:r="http://schemas.openxmlformats.org/officeDocument/2006/relationships" xmlns:p="http://schemas.openxmlformats.org/presentationml/2006/main">
+  <p:cSld>
+    <p:spTree>
+      <p:nvGrpSpPr>
+        <p:cNvPr id="1" name=""/>
+        <p:cNvGrpSpPr/>
+        <p:nvPr/>
+      </p:nvGrpSpPr>
+      <p:grpSpPr>
+        <a:xfrm>
+          <a:off x="0" y="0"/>
+          <a:ext cx="0" cy="0"/>
+          <a:chOff x="0" y="0"/>
+          <a:chExt cx="0" cy="0"/>
+        </a:xfrm>
+      </p:grpSpPr>
+    </p:spTree>
+  </p:cSld>
+  <p:clrMapOvr>
+    <a:masterClrMapping/>
+  </p:clrMapOvr>
+</p:sld>
+</file>
+
+<file path=ppt/slides/slide32.xml><?xml version="1.0" encoding="utf-8"?>
+<p:sld xmlns:a="http://schemas.openxmlformats.org/drawingml/2006/main" xmlns:r="http://schemas.openxmlformats.org/officeDocument/2006/relationships" xmlns:p="http://schemas.openxmlformats.org/presentationml/2006/main">
+  <p:cSld>
+    <p:spTree>
+      <p:nvGrpSpPr>
+        <p:cNvPr id="1" name=""/>
+        <p:cNvGrpSpPr/>
+        <p:nvPr/>
+      </p:nvGrpSpPr>
+      <p:grpSpPr>
+        <a:xfrm>
+          <a:off x="0" y="0"/>
+          <a:ext cx="0" cy="0"/>
+          <a:chOff x="0" y="0"/>
+          <a:chExt cx="0" cy="0"/>
+        </a:xfrm>
+      </p:grpSpPr>
+      <p:sp>
+        <p:nvSpPr>
+          <p:cNvPr id="3" name="Title 2"/>
+          <p:cNvSpPr>
+            <a:spLocks noGrp="1"/>
+          </p:cNvSpPr>
+          <p:nvPr>
+            <p:ph type="title"/>
+          </p:nvPr>
+        </p:nvSpPr>
+        <p:spPr/>
+        <p:txBody>
+          <a:bodyPr/>
+          <a:lstStyle/>
+          <a:p>
+            <a:r>
+              <a:rPr lang="en-US" dirty="0">
+                <a:latin typeface="+mn-lt"/>
+                <a:ea typeface="Verdana" panose="020B0604030504040204" pitchFamily="34" charset="0"/>
+                <a:cs typeface="Verdana" panose="020B0604030504040204" pitchFamily="34" charset="0"/>
+              </a:rPr>
+              <a:t>Results</a:t>
+            </a:r>
+          </a:p>
+        </p:txBody>
+      </p:sp>
+      <p:sp>
+        <p:nvSpPr>
+          <p:cNvPr id="4" name="TextBox 3">
+            <a:extLst>
+              <a:ext uri="{FF2B5EF4-FFF2-40B4-BE49-F238E27FC236}">
+                <a16:creationId xmlns:a16="http://schemas.microsoft.com/office/drawing/2014/main" id="{850EE29C-6D76-4BC4-9B3B-8928672CA8C2}"/>
+              </a:ext>
+            </a:extLst>
+          </p:cNvPr>
+          <p:cNvSpPr txBox="1"/>
+          <p:nvPr/>
+        </p:nvSpPr>
+        <p:spPr>
+          <a:xfrm>
+            <a:off x="457951" y="1551191"/>
+            <a:ext cx="8085221" cy="646331"/>
+          </a:xfrm>
+          <a:prstGeom prst="rect">
+            <a:avLst/>
+          </a:prstGeom>
+          <a:noFill/>
+        </p:spPr>
+        <p:txBody>
+          <a:bodyPr wrap="square" rtlCol="0">
+            <a:spAutoFit/>
+          </a:bodyPr>
+          <a:lstStyle/>
+          <a:p>
+            <a:pPr lvl="1"/>
+            <a:r>
+              <a:rPr lang="en-US" i="1" dirty="0"/>
+              <a:t>	</a:t>
+            </a:r>
+            <a:r>
+              <a:rPr lang="en-US" dirty="0"/>
+              <a:t>Comparison of energy per bit unit versus system throughput for central deployment of macro cells.</a:t>
+            </a:r>
+          </a:p>
+        </p:txBody>
+      </p:sp>
+      <p:pic>
+        <p:nvPicPr>
+          <p:cNvPr id="6" name="Picture 5">
+            <a:extLst>
+              <a:ext uri="{FF2B5EF4-FFF2-40B4-BE49-F238E27FC236}">
+                <a16:creationId xmlns:a16="http://schemas.microsoft.com/office/drawing/2014/main" id="{2CBB849C-F9C0-4784-8295-074030B33262}"/>
+              </a:ext>
+            </a:extLst>
+          </p:cNvPr>
+          <p:cNvPicPr/>
+          <p:nvPr/>
+        </p:nvPicPr>
+        <p:blipFill>
+          <a:blip r:embed="rId3">
+            <a:extLst>
+              <a:ext uri="{28A0092B-C50C-407E-A947-70E740481C1C}">
+                <a14:useLocalDpi xmlns:a14="http://schemas.microsoft.com/office/drawing/2010/main" val="0"/>
+              </a:ext>
+            </a:extLst>
+          </a:blip>
+          <a:srcRect/>
+          <a:stretch>
+            <a:fillRect/>
+          </a:stretch>
+        </p:blipFill>
+        <p:spPr bwMode="auto">
+          <a:xfrm>
+            <a:off x="1167063" y="2427003"/>
+            <a:ext cx="6424863" cy="3781292"/>
+          </a:xfrm>
+          <a:prstGeom prst="rect">
+            <a:avLst/>
+          </a:prstGeom>
+          <a:noFill/>
+          <a:ln>
+            <a:solidFill>
+              <a:schemeClr val="accent1"/>
+            </a:solidFill>
+          </a:ln>
+        </p:spPr>
+      </p:pic>
+    </p:spTree>
+    <p:extLst>
+      <p:ext uri="{BB962C8B-B14F-4D97-AF65-F5344CB8AC3E}">
+        <p14:creationId xmlns:p14="http://schemas.microsoft.com/office/powerpoint/2010/main" val="3457072980"/>
+      </p:ext>
+    </p:extLst>
+  </p:cSld>
+  <p:clrMapOvr>
+    <a:masterClrMapping/>
+  </p:clrMapOvr>
+</p:sld>
+</file>
+
+<file path=ppt/slides/slide33.xml><?xml version="1.0" encoding="utf-8"?>
+<p:sld xmlns:a="http://schemas.openxmlformats.org/drawingml/2006/main" xmlns:r="http://schemas.openxmlformats.org/officeDocument/2006/relationships" xmlns:p="http://schemas.openxmlformats.org/presentationml/2006/main">
+  <p:cSld>
+    <p:spTree>
+      <p:nvGrpSpPr>
+        <p:cNvPr id="1" name=""/>
+        <p:cNvGrpSpPr/>
+        <p:nvPr/>
+      </p:nvGrpSpPr>
+      <p:grpSpPr>
+        <a:xfrm>
+          <a:off x="0" y="0"/>
+          <a:ext cx="0" cy="0"/>
+          <a:chOff x="0" y="0"/>
+          <a:chExt cx="0" cy="0"/>
+        </a:xfrm>
+      </p:grpSpPr>
+      <p:sp>
+        <p:nvSpPr>
+          <p:cNvPr id="3" name="Title 2"/>
+          <p:cNvSpPr>
+            <a:spLocks noGrp="1"/>
+          </p:cNvSpPr>
+          <p:nvPr>
+            <p:ph type="title"/>
+          </p:nvPr>
+        </p:nvSpPr>
+        <p:spPr/>
+        <p:txBody>
+          <a:bodyPr/>
+          <a:lstStyle/>
+          <a:p>
+            <a:r>
+              <a:rPr lang="en-US" dirty="0">
+                <a:latin typeface="+mn-lt"/>
+                <a:ea typeface="Verdana" panose="020B0604030504040204" pitchFamily="34" charset="0"/>
+                <a:cs typeface="Verdana" panose="020B0604030504040204" pitchFamily="34" charset="0"/>
+              </a:rPr>
+              <a:t>Results</a:t>
+            </a:r>
+          </a:p>
+        </p:txBody>
+      </p:sp>
+      <p:sp>
+        <p:nvSpPr>
+          <p:cNvPr id="4" name="TextBox 3">
+            <a:extLst>
+              <a:ext uri="{FF2B5EF4-FFF2-40B4-BE49-F238E27FC236}">
+                <a16:creationId xmlns:a16="http://schemas.microsoft.com/office/drawing/2014/main" id="{850EE29C-6D76-4BC4-9B3B-8928672CA8C2}"/>
+              </a:ext>
+            </a:extLst>
+          </p:cNvPr>
+          <p:cNvSpPr txBox="1"/>
+          <p:nvPr/>
+        </p:nvSpPr>
+        <p:spPr>
+          <a:xfrm>
+            <a:off x="457951" y="1551191"/>
+            <a:ext cx="8085221" cy="646331"/>
+          </a:xfrm>
+          <a:prstGeom prst="rect">
+            <a:avLst/>
+          </a:prstGeom>
+          <a:noFill/>
+        </p:spPr>
+        <p:txBody>
+          <a:bodyPr wrap="square" rtlCol="0">
+            <a:spAutoFit/>
+          </a:bodyPr>
+          <a:lstStyle/>
+          <a:p>
+            <a:pPr lvl="1"/>
+            <a:r>
+              <a:rPr lang="en-US" i="1" dirty="0"/>
+              <a:t>	</a:t>
+            </a:r>
+            <a:r>
+              <a:rPr lang="en-US" dirty="0"/>
+              <a:t>Comparison of bits per unit energy versus system throughput for central deployment of macro cells.</a:t>
+            </a:r>
+          </a:p>
+        </p:txBody>
+      </p:sp>
+      <p:pic>
+        <p:nvPicPr>
+          <p:cNvPr id="5" name="Picture 4">
+            <a:extLst>
+              <a:ext uri="{FF2B5EF4-FFF2-40B4-BE49-F238E27FC236}">
+                <a16:creationId xmlns:a16="http://schemas.microsoft.com/office/drawing/2014/main" id="{6EA2F635-6948-428A-A04D-646A6A3C800B}"/>
+              </a:ext>
+            </a:extLst>
+          </p:cNvPr>
+          <p:cNvPicPr/>
+          <p:nvPr/>
+        </p:nvPicPr>
+        <p:blipFill>
+          <a:blip r:embed="rId3">
+            <a:extLst>
+              <a:ext uri="{28A0092B-C50C-407E-A947-70E740481C1C}">
+                <a14:useLocalDpi xmlns:a14="http://schemas.microsoft.com/office/drawing/2010/main" val="0"/>
+              </a:ext>
+            </a:extLst>
+          </a:blip>
+          <a:srcRect/>
+          <a:stretch>
+            <a:fillRect/>
+          </a:stretch>
+        </p:blipFill>
+        <p:spPr bwMode="auto">
+          <a:xfrm>
+            <a:off x="1852863" y="2551989"/>
+            <a:ext cx="5462337" cy="3848811"/>
+          </a:xfrm>
+          <a:prstGeom prst="rect">
+            <a:avLst/>
+          </a:prstGeom>
+          <a:noFill/>
+          <a:ln>
+            <a:solidFill>
+              <a:schemeClr val="accent1"/>
+            </a:solidFill>
+          </a:ln>
+        </p:spPr>
+      </p:pic>
+    </p:spTree>
+    <p:extLst>
+      <p:ext uri="{BB962C8B-B14F-4D97-AF65-F5344CB8AC3E}">
+        <p14:creationId xmlns:p14="http://schemas.microsoft.com/office/powerpoint/2010/main" val="2384072305"/>
+      </p:ext>
+    </p:extLst>
+  </p:cSld>
+  <p:clrMapOvr>
+    <a:masterClrMapping/>
+  </p:clrMapOvr>
+</p:sld>
+</file>
+
+<file path=ppt/slides/slide34.xml><?xml version="1.0" encoding="utf-8"?>
+<p:sld xmlns:a="http://schemas.openxmlformats.org/drawingml/2006/main" xmlns:r="http://schemas.openxmlformats.org/officeDocument/2006/relationships" xmlns:p="http://schemas.openxmlformats.org/presentationml/2006/main">
+  <p:cSld>
+    <p:spTree>
+      <p:nvGrpSpPr>
+        <p:cNvPr id="1" name=""/>
+        <p:cNvGrpSpPr/>
+        <p:nvPr/>
+      </p:nvGrpSpPr>
+      <p:grpSpPr>
+        <a:xfrm>
+          <a:off x="0" y="0"/>
+          <a:ext cx="0" cy="0"/>
+          <a:chOff x="0" y="0"/>
+          <a:chExt cx="0" cy="0"/>
+        </a:xfrm>
+      </p:grpSpPr>
+      <p:sp>
+        <p:nvSpPr>
+          <p:cNvPr id="3" name="Title 2"/>
+          <p:cNvSpPr>
+            <a:spLocks noGrp="1"/>
+          </p:cNvSpPr>
+          <p:nvPr>
+            <p:ph type="title"/>
+          </p:nvPr>
+        </p:nvSpPr>
+        <p:spPr/>
+        <p:txBody>
+          <a:bodyPr/>
+          <a:lstStyle/>
+          <a:p>
+            <a:r>
+              <a:rPr lang="en-US" dirty="0">
+                <a:latin typeface="+mn-lt"/>
+                <a:ea typeface="Verdana" panose="020B0604030504040204" pitchFamily="34" charset="0"/>
+                <a:cs typeface="Verdana" panose="020B0604030504040204" pitchFamily="34" charset="0"/>
+              </a:rPr>
+              <a:t>Results</a:t>
+            </a:r>
+          </a:p>
+        </p:txBody>
+      </p:sp>
+      <p:sp>
+        <p:nvSpPr>
+          <p:cNvPr id="4" name="TextBox 3">
+            <a:extLst>
+              <a:ext uri="{FF2B5EF4-FFF2-40B4-BE49-F238E27FC236}">
+                <a16:creationId xmlns:a16="http://schemas.microsoft.com/office/drawing/2014/main" id="{850EE29C-6D76-4BC4-9B3B-8928672CA8C2}"/>
+              </a:ext>
+            </a:extLst>
+          </p:cNvPr>
+          <p:cNvSpPr txBox="1"/>
+          <p:nvPr/>
+        </p:nvSpPr>
+        <p:spPr>
+          <a:xfrm>
+            <a:off x="457951" y="1551191"/>
+            <a:ext cx="8085221" cy="646331"/>
+          </a:xfrm>
+          <a:prstGeom prst="rect">
+            <a:avLst/>
+          </a:prstGeom>
+          <a:noFill/>
+        </p:spPr>
+        <p:txBody>
+          <a:bodyPr wrap="square" rtlCol="0">
+            <a:spAutoFit/>
+          </a:bodyPr>
+          <a:lstStyle/>
+          <a:p>
+            <a:pPr lvl="1"/>
+            <a:r>
+              <a:rPr lang="en-US" i="1" dirty="0"/>
+              <a:t>	</a:t>
+            </a:r>
+            <a:r>
+              <a:rPr lang="en-US" dirty="0"/>
+              <a:t>Comparison of energy per bit unit versus system throughput for central deployment of micro cells.</a:t>
+            </a:r>
+          </a:p>
+        </p:txBody>
+      </p:sp>
+      <p:pic>
+        <p:nvPicPr>
+          <p:cNvPr id="6" name="Picture 5">
+            <a:extLst>
+              <a:ext uri="{FF2B5EF4-FFF2-40B4-BE49-F238E27FC236}">
+                <a16:creationId xmlns:a16="http://schemas.microsoft.com/office/drawing/2014/main" id="{5CDA64F0-0814-4CDC-99F5-AB5FD0DF8584}"/>
+              </a:ext>
+            </a:extLst>
+          </p:cNvPr>
+          <p:cNvPicPr/>
+          <p:nvPr/>
+        </p:nvPicPr>
+        <p:blipFill>
+          <a:blip r:embed="rId3">
+            <a:extLst>
+              <a:ext uri="{28A0092B-C50C-407E-A947-70E740481C1C}">
+                <a14:useLocalDpi xmlns:a14="http://schemas.microsoft.com/office/drawing/2010/main" val="0"/>
+              </a:ext>
+            </a:extLst>
+          </a:blip>
+          <a:srcRect/>
+          <a:stretch>
+            <a:fillRect/>
+          </a:stretch>
+        </p:blipFill>
+        <p:spPr bwMode="auto">
+          <a:xfrm>
+            <a:off x="1324224" y="2532805"/>
+            <a:ext cx="6352674" cy="3437983"/>
+          </a:xfrm>
+          <a:prstGeom prst="rect">
+            <a:avLst/>
+          </a:prstGeom>
+          <a:noFill/>
+          <a:ln>
+            <a:solidFill>
+              <a:schemeClr val="accent1"/>
+            </a:solidFill>
+          </a:ln>
+        </p:spPr>
+      </p:pic>
+    </p:spTree>
+    <p:extLst>
+      <p:ext uri="{BB962C8B-B14F-4D97-AF65-F5344CB8AC3E}">
+        <p14:creationId xmlns:p14="http://schemas.microsoft.com/office/powerpoint/2010/main" val="1704683848"/>
+      </p:ext>
+    </p:extLst>
+  </p:cSld>
+  <p:clrMapOvr>
+    <a:masterClrMapping/>
+  </p:clrMapOvr>
+</p:sld>
+</file>
+
+<file path=ppt/slides/slide35.xml><?xml version="1.0" encoding="utf-8"?>
+<p:sld xmlns:a="http://schemas.openxmlformats.org/drawingml/2006/main" xmlns:r="http://schemas.openxmlformats.org/officeDocument/2006/relationships" xmlns:p="http://schemas.openxmlformats.org/presentationml/2006/main">
+  <p:cSld>
+    <p:spTree>
+      <p:nvGrpSpPr>
+        <p:cNvPr id="1" name=""/>
+        <p:cNvGrpSpPr/>
+        <p:nvPr/>
+      </p:nvGrpSpPr>
+      <p:grpSpPr>
+        <a:xfrm>
+          <a:off x="0" y="0"/>
+          <a:ext cx="0" cy="0"/>
+          <a:chOff x="0" y="0"/>
+          <a:chExt cx="0" cy="0"/>
+        </a:xfrm>
+      </p:grpSpPr>
+      <p:sp>
+        <p:nvSpPr>
+          <p:cNvPr id="3" name="Title 2"/>
+          <p:cNvSpPr>
+            <a:spLocks noGrp="1"/>
+          </p:cNvSpPr>
+          <p:nvPr>
+            <p:ph type="title"/>
+          </p:nvPr>
+        </p:nvSpPr>
+        <p:spPr/>
+        <p:txBody>
+          <a:bodyPr/>
+          <a:lstStyle/>
+          <a:p>
+            <a:r>
+              <a:rPr lang="en-US" dirty="0">
+                <a:latin typeface="+mn-lt"/>
+                <a:ea typeface="Verdana" panose="020B0604030504040204" pitchFamily="34" charset="0"/>
+                <a:cs typeface="Verdana" panose="020B0604030504040204" pitchFamily="34" charset="0"/>
+              </a:rPr>
+              <a:t>Results</a:t>
+            </a:r>
+          </a:p>
+        </p:txBody>
+      </p:sp>
+      <p:sp>
+        <p:nvSpPr>
+          <p:cNvPr id="4" name="TextBox 3">
+            <a:extLst>
+              <a:ext uri="{FF2B5EF4-FFF2-40B4-BE49-F238E27FC236}">
+                <a16:creationId xmlns:a16="http://schemas.microsoft.com/office/drawing/2014/main" id="{850EE29C-6D76-4BC4-9B3B-8928672CA8C2}"/>
+              </a:ext>
+            </a:extLst>
+          </p:cNvPr>
+          <p:cNvSpPr txBox="1"/>
+          <p:nvPr/>
+        </p:nvSpPr>
+        <p:spPr>
+          <a:xfrm>
+            <a:off x="457951" y="1551191"/>
+            <a:ext cx="8085221" cy="923330"/>
+          </a:xfrm>
+          <a:prstGeom prst="rect">
+            <a:avLst/>
+          </a:prstGeom>
+          <a:noFill/>
+        </p:spPr>
+        <p:txBody>
+          <a:bodyPr wrap="square" rtlCol="0">
+            <a:spAutoFit/>
+          </a:bodyPr>
+          <a:lstStyle/>
+          <a:p>
+            <a:pPr lvl="1"/>
+            <a:r>
+              <a:rPr lang="en-US" i="1" dirty="0"/>
+              <a:t>	</a:t>
+            </a:r>
+            <a:r>
+              <a:rPr lang="en-US" dirty="0"/>
+              <a:t>Comparison of bits per unit energy versus system throughput for central deployment of micro cells.</a:t>
+            </a:r>
+          </a:p>
+          <a:p>
+            <a:pPr lvl="1"/>
+            <a:endParaRPr lang="en-US" dirty="0"/>
+          </a:p>
+        </p:txBody>
+      </p:sp>
+      <p:pic>
+        <p:nvPicPr>
+          <p:cNvPr id="5" name="Picture 4">
+            <a:extLst>
+              <a:ext uri="{FF2B5EF4-FFF2-40B4-BE49-F238E27FC236}">
+                <a16:creationId xmlns:a16="http://schemas.microsoft.com/office/drawing/2014/main" id="{264B36C2-B951-4A1F-A44E-B74746228F8F}"/>
+              </a:ext>
+            </a:extLst>
+          </p:cNvPr>
+          <p:cNvPicPr/>
+          <p:nvPr/>
+        </p:nvPicPr>
+        <p:blipFill>
+          <a:blip r:embed="rId3">
+            <a:extLst>
+              <a:ext uri="{28A0092B-C50C-407E-A947-70E740481C1C}">
+                <a14:useLocalDpi xmlns:a14="http://schemas.microsoft.com/office/drawing/2010/main" val="0"/>
+              </a:ext>
+            </a:extLst>
+          </a:blip>
+          <a:srcRect/>
+          <a:stretch>
+            <a:fillRect/>
+          </a:stretch>
+        </p:blipFill>
+        <p:spPr bwMode="auto">
+          <a:xfrm>
+            <a:off x="1588481" y="2474521"/>
+            <a:ext cx="5654842" cy="3711701"/>
+          </a:xfrm>
+          <a:prstGeom prst="rect">
+            <a:avLst/>
+          </a:prstGeom>
+          <a:noFill/>
+          <a:ln>
+            <a:solidFill>
+              <a:schemeClr val="accent1"/>
+            </a:solidFill>
+          </a:ln>
+        </p:spPr>
+      </p:pic>
+    </p:spTree>
+    <p:extLst>
+      <p:ext uri="{BB962C8B-B14F-4D97-AF65-F5344CB8AC3E}">
+        <p14:creationId xmlns:p14="http://schemas.microsoft.com/office/powerpoint/2010/main" val="958884752"/>
+      </p:ext>
+    </p:extLst>
+  </p:cSld>
+  <p:clrMapOvr>
+    <a:masterClrMapping/>
+  </p:clrMapOvr>
+</p:sld>
+</file>
+
+<file path=ppt/slides/slide36.xml><?xml version="1.0" encoding="utf-8"?>
+<p:sld xmlns:a="http://schemas.openxmlformats.org/drawingml/2006/main" xmlns:r="http://schemas.openxmlformats.org/officeDocument/2006/relationships" xmlns:p="http://schemas.openxmlformats.org/presentationml/2006/main">
+  <p:cSld>
+    <p:spTree>
+      <p:nvGrpSpPr>
+        <p:cNvPr id="1" name=""/>
+        <p:cNvGrpSpPr/>
+        <p:nvPr/>
+      </p:nvGrpSpPr>
+      <p:grpSpPr>
+        <a:xfrm>
+          <a:off x="0" y="0"/>
+          <a:ext cx="0" cy="0"/>
+          <a:chOff x="0" y="0"/>
+          <a:chExt cx="0" cy="0"/>
+        </a:xfrm>
+      </p:grpSpPr>
+      <p:sp>
+        <p:nvSpPr>
+          <p:cNvPr id="3" name="Title 2"/>
+          <p:cNvSpPr>
+            <a:spLocks noGrp="1"/>
+          </p:cNvSpPr>
+          <p:nvPr>
+            <p:ph type="title"/>
+          </p:nvPr>
+        </p:nvSpPr>
+        <p:spPr/>
+        <p:txBody>
+          <a:bodyPr/>
+          <a:lstStyle/>
+          <a:p>
+            <a:r>
+              <a:rPr lang="en-US" dirty="0">
+                <a:latin typeface="+mn-lt"/>
+                <a:ea typeface="Verdana" panose="020B0604030504040204" pitchFamily="34" charset="0"/>
+                <a:cs typeface="Verdana" panose="020B0604030504040204" pitchFamily="34" charset="0"/>
+              </a:rPr>
+              <a:t>Results</a:t>
+            </a:r>
+          </a:p>
+        </p:txBody>
+      </p:sp>
+      <p:sp>
+        <p:nvSpPr>
+          <p:cNvPr id="4" name="TextBox 3">
+            <a:extLst>
+              <a:ext uri="{FF2B5EF4-FFF2-40B4-BE49-F238E27FC236}">
+                <a16:creationId xmlns:a16="http://schemas.microsoft.com/office/drawing/2014/main" id="{850EE29C-6D76-4BC4-9B3B-8928672CA8C2}"/>
+              </a:ext>
+            </a:extLst>
+          </p:cNvPr>
+          <p:cNvSpPr txBox="1"/>
+          <p:nvPr/>
+        </p:nvSpPr>
+        <p:spPr>
+          <a:xfrm>
+            <a:off x="457951" y="1551191"/>
+            <a:ext cx="8085221" cy="646331"/>
+          </a:xfrm>
+          <a:prstGeom prst="rect">
+            <a:avLst/>
+          </a:prstGeom>
+          <a:noFill/>
+        </p:spPr>
+        <p:txBody>
+          <a:bodyPr wrap="square" rtlCol="0">
+            <a:spAutoFit/>
+          </a:bodyPr>
+          <a:lstStyle/>
+          <a:p>
+            <a:pPr lvl="1"/>
+            <a:r>
+              <a:rPr lang="en-US" i="1" dirty="0"/>
+              <a:t>	</a:t>
+            </a:r>
+            <a:r>
+              <a:rPr lang="en-US" dirty="0"/>
+              <a:t>Comparison of energy per bit unit versus system throughput for central deployment of micro cells versus macro cells.</a:t>
+            </a:r>
+          </a:p>
+        </p:txBody>
+      </p:sp>
+      <p:pic>
+        <p:nvPicPr>
+          <p:cNvPr id="6" name="Picture 5">
+            <a:extLst>
+              <a:ext uri="{FF2B5EF4-FFF2-40B4-BE49-F238E27FC236}">
+                <a16:creationId xmlns:a16="http://schemas.microsoft.com/office/drawing/2014/main" id="{F7DC7828-CDC5-4206-823F-BF5AD9931175}"/>
+              </a:ext>
+            </a:extLst>
+          </p:cNvPr>
+          <p:cNvPicPr/>
+          <p:nvPr/>
+        </p:nvPicPr>
+        <p:blipFill>
+          <a:blip r:embed="rId3">
+            <a:extLst>
+              <a:ext uri="{28A0092B-C50C-407E-A947-70E740481C1C}">
+                <a14:useLocalDpi xmlns:a14="http://schemas.microsoft.com/office/drawing/2010/main" val="0"/>
+              </a:ext>
+            </a:extLst>
+          </a:blip>
+          <a:srcRect/>
+          <a:stretch>
+            <a:fillRect/>
+          </a:stretch>
+        </p:blipFill>
+        <p:spPr bwMode="auto">
+          <a:xfrm>
+            <a:off x="1203158" y="2427003"/>
+            <a:ext cx="6340642" cy="3769260"/>
+          </a:xfrm>
+          <a:prstGeom prst="rect">
+            <a:avLst/>
+          </a:prstGeom>
+          <a:noFill/>
+          <a:ln>
+            <a:solidFill>
+              <a:schemeClr val="accent1"/>
+            </a:solidFill>
+          </a:ln>
+        </p:spPr>
+      </p:pic>
+    </p:spTree>
+    <p:extLst>
+      <p:ext uri="{BB962C8B-B14F-4D97-AF65-F5344CB8AC3E}">
+        <p14:creationId xmlns:p14="http://schemas.microsoft.com/office/powerpoint/2010/main" val="290924323"/>
+      </p:ext>
+    </p:extLst>
+  </p:cSld>
+  <p:clrMapOvr>
+    <a:masterClrMapping/>
+  </p:clrMapOvr>
+</p:sld>
+</file>
+
+<file path=ppt/slides/slide37.xml><?xml version="1.0" encoding="utf-8"?>
+<p:sld xmlns:a="http://schemas.openxmlformats.org/drawingml/2006/main" xmlns:r="http://schemas.openxmlformats.org/officeDocument/2006/relationships" xmlns:p="http://schemas.openxmlformats.org/presentationml/2006/main">
+  <p:cSld>
+    <p:spTree>
+      <p:nvGrpSpPr>
+        <p:cNvPr id="1" name=""/>
+        <p:cNvGrpSpPr/>
+        <p:nvPr/>
+      </p:nvGrpSpPr>
+      <p:grpSpPr>
+        <a:xfrm>
+          <a:off x="0" y="0"/>
+          <a:ext cx="0" cy="0"/>
+          <a:chOff x="0" y="0"/>
+          <a:chExt cx="0" cy="0"/>
+        </a:xfrm>
+      </p:grpSpPr>
+      <p:sp>
+        <p:nvSpPr>
+          <p:cNvPr id="3" name="Title 2"/>
+          <p:cNvSpPr>
+            <a:spLocks noGrp="1"/>
+          </p:cNvSpPr>
+          <p:nvPr>
+            <p:ph type="title"/>
+          </p:nvPr>
+        </p:nvSpPr>
+        <p:spPr/>
+        <p:txBody>
+          <a:bodyPr/>
+          <a:lstStyle/>
+          <a:p>
+            <a:r>
+              <a:rPr lang="en-US" dirty="0">
+                <a:latin typeface="+mn-lt"/>
+                <a:ea typeface="Verdana" panose="020B0604030504040204" pitchFamily="34" charset="0"/>
+                <a:cs typeface="Verdana" panose="020B0604030504040204" pitchFamily="34" charset="0"/>
+              </a:rPr>
+              <a:t>Results</a:t>
+            </a:r>
+          </a:p>
+        </p:txBody>
+      </p:sp>
+      <p:sp>
+        <p:nvSpPr>
+          <p:cNvPr id="4" name="TextBox 3">
+            <a:extLst>
+              <a:ext uri="{FF2B5EF4-FFF2-40B4-BE49-F238E27FC236}">
+                <a16:creationId xmlns:a16="http://schemas.microsoft.com/office/drawing/2014/main" id="{850EE29C-6D76-4BC4-9B3B-8928672CA8C2}"/>
+              </a:ext>
+            </a:extLst>
+          </p:cNvPr>
+          <p:cNvSpPr txBox="1"/>
+          <p:nvPr/>
+        </p:nvSpPr>
+        <p:spPr>
+          <a:xfrm>
+            <a:off x="457951" y="1551191"/>
+            <a:ext cx="8085221" cy="646331"/>
+          </a:xfrm>
+          <a:prstGeom prst="rect">
+            <a:avLst/>
+          </a:prstGeom>
+          <a:noFill/>
+        </p:spPr>
+        <p:txBody>
+          <a:bodyPr wrap="square" rtlCol="0">
+            <a:spAutoFit/>
+          </a:bodyPr>
+          <a:lstStyle/>
+          <a:p>
+            <a:pPr lvl="1"/>
+            <a:r>
+              <a:rPr lang="en-US" i="1" dirty="0"/>
+              <a:t>	</a:t>
+            </a:r>
+            <a:r>
+              <a:rPr lang="en-US" dirty="0"/>
+              <a:t>Comparison of bits per unit energy versus system throughput for central deployment of micro cells versus macro cells.</a:t>
+            </a:r>
+          </a:p>
+        </p:txBody>
+      </p:sp>
+      <p:pic>
+        <p:nvPicPr>
+          <p:cNvPr id="5" name="Picture 4">
+            <a:extLst>
+              <a:ext uri="{FF2B5EF4-FFF2-40B4-BE49-F238E27FC236}">
+                <a16:creationId xmlns:a16="http://schemas.microsoft.com/office/drawing/2014/main" id="{8E17FDDF-A4BC-41F0-8B11-225F9F675A74}"/>
+              </a:ext>
+            </a:extLst>
+          </p:cNvPr>
+          <p:cNvPicPr/>
+          <p:nvPr/>
+        </p:nvPicPr>
+        <p:blipFill>
+          <a:blip r:embed="rId3">
+            <a:extLst>
+              <a:ext uri="{28A0092B-C50C-407E-A947-70E740481C1C}">
+                <a14:useLocalDpi xmlns:a14="http://schemas.microsoft.com/office/drawing/2010/main" val="0"/>
+              </a:ext>
+            </a:extLst>
+          </a:blip>
+          <a:srcRect/>
+          <a:stretch>
+            <a:fillRect/>
+          </a:stretch>
+        </p:blipFill>
+        <p:spPr bwMode="auto">
+          <a:xfrm>
+            <a:off x="1215189" y="2427003"/>
+            <a:ext cx="6328611" cy="3607929"/>
+          </a:xfrm>
+          <a:prstGeom prst="rect">
+            <a:avLst/>
+          </a:prstGeom>
+          <a:noFill/>
+          <a:ln>
+            <a:solidFill>
+              <a:schemeClr val="accent1"/>
+            </a:solidFill>
+          </a:ln>
+        </p:spPr>
+      </p:pic>
+    </p:spTree>
+    <p:extLst>
+      <p:ext uri="{BB962C8B-B14F-4D97-AF65-F5344CB8AC3E}">
+        <p14:creationId xmlns:p14="http://schemas.microsoft.com/office/powerpoint/2010/main" val="1102572103"/>
+      </p:ext>
+    </p:extLst>
+  </p:cSld>
+  <p:clrMapOvr>
+    <a:masterClrMapping/>
+  </p:clrMapOvr>
+</p:sld>
+</file>
+
+<file path=ppt/slides/slide38.xml><?xml version="1.0" encoding="utf-8"?>
+<p:sld xmlns:a="http://schemas.openxmlformats.org/drawingml/2006/main" xmlns:r="http://schemas.openxmlformats.org/officeDocument/2006/relationships" xmlns:p="http://schemas.openxmlformats.org/presentationml/2006/main">
+  <p:cSld>
+    <p:spTree>
+      <p:nvGrpSpPr>
+        <p:cNvPr id="1" name=""/>
+        <p:cNvGrpSpPr/>
+        <p:nvPr/>
+      </p:nvGrpSpPr>
+      <p:grpSpPr>
+        <a:xfrm>
+          <a:off x="0" y="0"/>
+          <a:ext cx="0" cy="0"/>
+          <a:chOff x="0" y="0"/>
+          <a:chExt cx="0" cy="0"/>
+        </a:xfrm>
+      </p:grpSpPr>
+      <p:sp>
+        <p:nvSpPr>
+          <p:cNvPr id="2" name="Title 1">
+            <a:extLst>
+              <a:ext uri="{FF2B5EF4-FFF2-40B4-BE49-F238E27FC236}">
+                <a16:creationId xmlns:a16="http://schemas.microsoft.com/office/drawing/2014/main" id="{73E47D1B-C4C9-4403-B328-DF46130421C4}"/>
+              </a:ext>
+            </a:extLst>
+          </p:cNvPr>
+          <p:cNvSpPr>
+            <a:spLocks noGrp="1"/>
+          </p:cNvSpPr>
+          <p:nvPr>
+            <p:ph type="title"/>
+          </p:nvPr>
+        </p:nvSpPr>
+        <p:spPr/>
+        <p:txBody>
+          <a:bodyPr/>
+          <a:lstStyle/>
+          <a:p>
+            <a:r>
+              <a:rPr lang="sv-SE" dirty="0" err="1"/>
+              <a:t>Calculation</a:t>
+            </a:r>
+            <a:r>
+              <a:rPr lang="sv-SE" dirty="0"/>
+              <a:t> </a:t>
+            </a:r>
+            <a:r>
+              <a:rPr lang="sv-SE" dirty="0" err="1"/>
+              <a:t>of</a:t>
+            </a:r>
+            <a:r>
+              <a:rPr lang="sv-SE" dirty="0"/>
+              <a:t> </a:t>
+            </a:r>
+            <a:r>
+              <a:rPr lang="sv-SE" dirty="0" err="1"/>
+              <a:t>Mbps</a:t>
+            </a:r>
+            <a:r>
+              <a:rPr lang="sv-SE" dirty="0"/>
+              <a:t> per km2 for Seoul </a:t>
+            </a:r>
+            <a:r>
+              <a:rPr lang="sv-SE" dirty="0" err="1"/>
+              <a:t>with</a:t>
+            </a:r>
+            <a:r>
+              <a:rPr lang="sv-SE" dirty="0"/>
+              <a:t> 2GB data per </a:t>
+            </a:r>
+            <a:r>
+              <a:rPr lang="sv-SE" dirty="0" err="1"/>
+              <a:t>user</a:t>
+            </a:r>
+            <a:r>
+              <a:rPr lang="sv-SE" dirty="0"/>
+              <a:t> per </a:t>
+            </a:r>
+            <a:r>
+              <a:rPr lang="sv-SE" dirty="0" err="1"/>
+              <a:t>month</a:t>
+            </a:r>
+            <a:endParaRPr lang="en-US" dirty="0"/>
+          </a:p>
+        </p:txBody>
+      </p:sp>
+      <p:sp>
+        <p:nvSpPr>
+          <p:cNvPr id="3" name="Content Placeholder 2">
+            <a:extLst>
+              <a:ext uri="{FF2B5EF4-FFF2-40B4-BE49-F238E27FC236}">
+                <a16:creationId xmlns:a16="http://schemas.microsoft.com/office/drawing/2014/main" id="{D279E063-052D-489A-A0D6-1E48E49CF05D}"/>
+              </a:ext>
+            </a:extLst>
+          </p:cNvPr>
+          <p:cNvSpPr>
+            <a:spLocks noGrp="1"/>
+          </p:cNvSpPr>
+          <p:nvPr>
+            <p:ph sz="half" idx="1"/>
+          </p:nvPr>
+        </p:nvSpPr>
+        <p:spPr>
+          <a:xfrm>
+            <a:off x="740244" y="1666308"/>
+            <a:ext cx="7685300" cy="3720107"/>
+          </a:xfrm>
+        </p:spPr>
+        <p:txBody>
+          <a:bodyPr/>
+          <a:lstStyle/>
+          <a:p>
+            <a:r>
+              <a:rPr lang="en-US" dirty="0"/>
+              <a:t>&gt;&gt; 9000000/605</a:t>
+            </a:r>
+          </a:p>
+          <a:p>
+            <a:r>
+              <a:rPr lang="en-US" dirty="0" err="1"/>
+              <a:t>ans</a:t>
+            </a:r>
+            <a:r>
+              <a:rPr lang="en-US" dirty="0"/>
+              <a:t> =   1.4876e+04</a:t>
+            </a:r>
+          </a:p>
+          <a:p>
+            <a:r>
+              <a:rPr lang="en-US" dirty="0"/>
+              <a:t>&gt;&gt;  1.4876e+04*2000000000/(30*24*60*60) = 1.1478e+07 =11Mbps per km2</a:t>
+            </a:r>
+          </a:p>
+          <a:p>
+            <a:r>
+              <a:rPr lang="en-US" dirty="0"/>
+              <a:t>&gt;&gt; 1.4876e+04*5000000000/(30*24*60*60) = 2.8696e+07</a:t>
+            </a:r>
+          </a:p>
+          <a:p>
+            <a:r>
+              <a:rPr lang="en-US" dirty="0"/>
+              <a:t>=28 </a:t>
+            </a:r>
+            <a:r>
+              <a:rPr lang="en-US" dirty="0" err="1"/>
+              <a:t>Mbps</a:t>
+            </a:r>
+            <a:r>
+              <a:rPr lang="en-US" dirty="0"/>
+              <a:t> per km2</a:t>
+            </a:r>
+          </a:p>
+        </p:txBody>
+      </p:sp>
+    </p:spTree>
+    <p:extLst>
+      <p:ext uri="{BB962C8B-B14F-4D97-AF65-F5344CB8AC3E}">
+        <p14:creationId xmlns:p14="http://schemas.microsoft.com/office/powerpoint/2010/main" val="125520364"/>
+      </p:ext>
+    </p:extLst>
+  </p:cSld>
+  <p:clrMapOvr>
+    <a:masterClrMapping/>
+  </p:clrMapOvr>
+</p:sld>
+</file>
+
+<file path=ppt/slides/slide4.xml><?xml version="1.0" encoding="utf-8"?>
+<p:sld xmlns:a="http://schemas.openxmlformats.org/drawingml/2006/main" xmlns:r="http://schemas.openxmlformats.org/officeDocument/2006/relationships" xmlns:p="http://schemas.openxmlformats.org/presentationml/2006/main">
+  <p:cSld>
+    <p:spTree>
+      <p:nvGrpSpPr>
+        <p:cNvPr id="1" name=""/>
+        <p:cNvGrpSpPr/>
+        <p:nvPr/>
+      </p:nvGrpSpPr>
+      <p:grpSpPr>
+        <a:xfrm>
+          <a:off x="0" y="0"/>
+          <a:ext cx="0" cy="0"/>
+          <a:chOff x="0" y="0"/>
+          <a:chExt cx="0" cy="0"/>
+        </a:xfrm>
+      </p:grpSpPr>
+      <p:sp>
+        <p:nvSpPr>
+          <p:cNvPr id="2" name="Rubrik 1"/>
+          <p:cNvSpPr>
+            <a:spLocks noGrp="1"/>
+          </p:cNvSpPr>
+          <p:nvPr>
+            <p:ph type="title"/>
+          </p:nvPr>
+        </p:nvSpPr>
+        <p:spPr/>
+        <p:txBody>
+          <a:bodyPr/>
+          <a:lstStyle/>
+          <a:p>
+            <a:r>
+              <a:rPr lang="en-GB" dirty="0">
+                <a:latin typeface="+mn-lt"/>
+              </a:rPr>
+              <a:t>Save Energy !!</a:t>
+            </a:r>
+          </a:p>
+        </p:txBody>
+      </p:sp>
+      <p:sp>
+        <p:nvSpPr>
+          <p:cNvPr id="3" name="Platshållare för innehåll 2"/>
+          <p:cNvSpPr>
+            <a:spLocks noGrp="1"/>
+          </p:cNvSpPr>
+          <p:nvPr>
+            <p:ph sz="half" idx="1"/>
+          </p:nvPr>
+        </p:nvSpPr>
+        <p:spPr>
+          <a:xfrm>
+            <a:off x="643263" y="1540578"/>
+            <a:ext cx="8069649" cy="4517322"/>
+          </a:xfrm>
+        </p:spPr>
+        <p:txBody>
+          <a:bodyPr/>
+          <a:lstStyle/>
+          <a:p>
+            <a:pPr marL="342900" indent="-342900" algn="just">
+              <a:buFont typeface="Arial" panose="020B0604020202020204" pitchFamily="34" charset="0"/>
+              <a:buChar char="•"/>
+            </a:pPr>
+            <a:r>
+              <a:rPr lang="en-US" sz="2400" dirty="0"/>
+              <a:t>ICT industry is responsible for 10% of world’s total energy consumption and is doubling in every 10 years. Cellular networks are among the main energy consumers in the ICT industry. </a:t>
+            </a:r>
+          </a:p>
+          <a:p>
+            <a:pPr marL="342900" indent="-342900" algn="just">
+              <a:buFont typeface="Arial" panose="020B0604020202020204" pitchFamily="34" charset="0"/>
+              <a:buChar char="•"/>
+            </a:pPr>
+            <a:r>
+              <a:rPr lang="en-US" sz="2400" dirty="0"/>
+              <a:t>In Germany, last year mobile network operators spent more than 200 million Euros on electricity bills.</a:t>
+            </a:r>
+          </a:p>
+          <a:p>
+            <a:pPr marL="342900" indent="-342900" algn="just">
+              <a:buFont typeface="Arial" panose="020B0604020202020204" pitchFamily="34" charset="0"/>
+              <a:buChar char="•"/>
+            </a:pPr>
+            <a:r>
+              <a:rPr lang="en-US" sz="2400" dirty="0"/>
+              <a:t>With IoT and connected cars, cellular networks are likely to densify furthermore.</a:t>
+            </a:r>
+          </a:p>
+        </p:txBody>
+      </p:sp>
+    </p:spTree>
+    <p:extLst>
+      <p:ext uri="{BB962C8B-B14F-4D97-AF65-F5344CB8AC3E}">
+        <p14:creationId xmlns:p14="http://schemas.microsoft.com/office/powerpoint/2010/main" val="3435044415"/>
       </p:ext>
     </p:extLst>
   </p:cSld>
@@ -21994,7 +22158,7 @@
               <a:rPr lang="en-GB" dirty="0">
                 <a:latin typeface="+mn-lt"/>
               </a:rPr>
-              <a:t>Power distribution in base station</a:t>
+              <a:t>Components of base station</a:t>
             </a:r>
             <a:endParaRPr lang="en-US" dirty="0">
               <a:latin typeface="+mn-lt"/>

--- a/PresentationKoustubh_version1.pptx
+++ b/PresentationKoustubh_version1.pptx
@@ -1187,7 +1187,7 @@
             <a:fld id="{AF53FA3B-A911-4294-9666-9D8A5388C07E}" type="datetimeFigureOut">
               <a:rPr lang="sv-SE" smtClean="0"/>
               <a:pPr/>
-              <a:t>2017-12-13</a:t>
+              <a:t>2017-12-15</a:t>
             </a:fld>
             <a:endParaRPr lang="sv-SE" dirty="0"/>
           </a:p>
@@ -1354,7 +1354,7 @@
             <a:fld id="{DAAF5E47-94AA-AA43-B08E-C5A5421011EB}" type="datetimeFigureOut">
               <a:rPr lang="sv-SE" smtClean="0"/>
               <a:pPr/>
-              <a:t>2017-12-13</a:t>
+              <a:t>2017-12-14</a:t>
             </a:fld>
             <a:endParaRPr lang="sv-SE" dirty="0"/>
           </a:p>
@@ -10770,8 +10770,8 @@
             </a:p>
           </p:txBody>
         </p:sp>
-        <mc:AlternateContent xmlns:mc="http://schemas.openxmlformats.org/markup-compatibility/2006">
-          <mc:Choice xmlns:a14="http://schemas.microsoft.com/office/drawing/2010/main" Requires="a14">
+        <mc:AlternateContent xmlns:mc="http://schemas.openxmlformats.org/markup-compatibility/2006" xmlns:a14="http://schemas.microsoft.com/office/drawing/2010/main">
+          <mc:Choice Requires="a14">
             <p:sp>
               <p:nvSpPr>
                 <p:cNvPr id="48" name="TextBox 47">
@@ -10833,7 +10833,7 @@
               </p:txBody>
             </p:sp>
           </mc:Choice>
-          <mc:Fallback>
+          <mc:Fallback xmlns="">
             <p:sp>
               <p:nvSpPr>
                 <p:cNvPr id="48" name="TextBox 47">
@@ -10938,8 +10938,8 @@
             <a:effectLst/>
           </p:spPr>
         </p:cxnSp>
-        <mc:AlternateContent xmlns:mc="http://schemas.openxmlformats.org/markup-compatibility/2006">
-          <mc:Choice xmlns:a14="http://schemas.microsoft.com/office/drawing/2010/main" Requires="a14">
+        <mc:AlternateContent xmlns:mc="http://schemas.openxmlformats.org/markup-compatibility/2006" xmlns:a14="http://schemas.microsoft.com/office/drawing/2010/main">
+          <mc:Choice Requires="a14">
             <p:sp>
               <p:nvSpPr>
                 <p:cNvPr id="51" name="Rectangle 50">
@@ -11026,7 +11026,7 @@
               </p:txBody>
             </p:sp>
           </mc:Choice>
-          <mc:Fallback>
+          <mc:Fallback xmlns="">
             <p:sp>
               <p:nvSpPr>
                 <p:cNvPr id="51" name="Rectangle 50">
@@ -11071,8 +11071,8 @@
             </p:sp>
           </mc:Fallback>
         </mc:AlternateContent>
-        <mc:AlternateContent xmlns:mc="http://schemas.openxmlformats.org/markup-compatibility/2006">
-          <mc:Choice xmlns:a14="http://schemas.microsoft.com/office/drawing/2010/main" Requires="a14">
+        <mc:AlternateContent xmlns:mc="http://schemas.openxmlformats.org/markup-compatibility/2006" xmlns:a14="http://schemas.microsoft.com/office/drawing/2010/main">
+          <mc:Choice Requires="a14">
             <p:sp>
               <p:nvSpPr>
                 <p:cNvPr id="52" name="Rectangle 51">
@@ -11131,7 +11131,7 @@
               </p:txBody>
             </p:sp>
           </mc:Choice>
-          <mc:Fallback>
+          <mc:Fallback xmlns="">
             <p:sp>
               <p:nvSpPr>
                 <p:cNvPr id="52" name="Rectangle 51">
@@ -11176,8 +11176,8 @@
             </p:sp>
           </mc:Fallback>
         </mc:AlternateContent>
-        <mc:AlternateContent xmlns:mc="http://schemas.openxmlformats.org/markup-compatibility/2006">
-          <mc:Choice xmlns:a14="http://schemas.microsoft.com/office/drawing/2010/main" Requires="a14">
+        <mc:AlternateContent xmlns:mc="http://schemas.openxmlformats.org/markup-compatibility/2006" xmlns:a14="http://schemas.microsoft.com/office/drawing/2010/main">
+          <mc:Choice Requires="a14">
             <p:sp>
               <p:nvSpPr>
                 <p:cNvPr id="53" name="Rectangle 52">
@@ -11264,7 +11264,7 @@
               </p:txBody>
             </p:sp>
           </mc:Choice>
-          <mc:Fallback>
+          <mc:Fallback xmlns="">
             <p:sp>
               <p:nvSpPr>
                 <p:cNvPr id="53" name="Rectangle 52">
@@ -11454,8 +11454,8 @@
             <a:effectLst/>
           </p:spPr>
         </p:cxnSp>
-        <mc:AlternateContent xmlns:mc="http://schemas.openxmlformats.org/markup-compatibility/2006">
-          <mc:Choice xmlns:a14="http://schemas.microsoft.com/office/drawing/2010/main" Requires="a14">
+        <mc:AlternateContent xmlns:mc="http://schemas.openxmlformats.org/markup-compatibility/2006" xmlns:a14="http://schemas.microsoft.com/office/drawing/2010/main">
+          <mc:Choice Requires="a14">
             <p:sp>
               <p:nvSpPr>
                 <p:cNvPr id="59" name="Rectangle 58">
@@ -11539,7 +11539,7 @@
               </p:txBody>
             </p:sp>
           </mc:Choice>
-          <mc:Fallback>
+          <mc:Fallback xmlns="">
             <p:sp>
               <p:nvSpPr>
                 <p:cNvPr id="59" name="Rectangle 58">
@@ -25080,7 +25080,7 @@
               <p:nvPr/>
             </p:nvPicPr>
             <p:blipFill>
-              <a:blip r:embed="rId4">
+              <a:blip r:embed="rId3">
                 <a:extLst>
                   <a:ext uri="{28A0092B-C50C-407E-A947-70E740481C1C}">
                     <a14:useLocalDpi xmlns:a14="http://schemas.microsoft.com/office/drawing/2010/main" val="0"/>
@@ -25140,7 +25140,7 @@
               <p:nvPr/>
             </p:nvPicPr>
             <p:blipFill>
-              <a:blip r:embed="rId5">
+              <a:blip r:embed="rId4">
                 <a:extLst>
                   <a:ext uri="{28A0092B-C50C-407E-A947-70E740481C1C}">
                     <a14:useLocalDpi xmlns:a14="http://schemas.microsoft.com/office/drawing/2010/main" val="0"/>
@@ -25307,6 +25307,66 @@
               <p:nvPr/>
             </p:nvPicPr>
             <p:blipFill>
+              <a:blip r:embed="rId5">
+                <a:extLst>
+                  <a:ext uri="{28A0092B-C50C-407E-A947-70E740481C1C}">
+                    <a14:useLocalDpi xmlns:a14="http://schemas.microsoft.com/office/drawing/2010/main" val="0"/>
+                  </a:ext>
+                </a:extLst>
+              </a:blip>
+              <a:srcRect/>
+              <a:stretch>
+                <a:fillRect/>
+              </a:stretch>
+            </p:blipFill>
+            <p:spPr bwMode="auto">
+              <a:xfrm>
+                <a:off x="2124076" y="2900367"/>
+                <a:ext cx="411163" cy="1435101"/>
+              </a:xfrm>
+              <a:prstGeom prst="rect">
+                <a:avLst/>
+              </a:prstGeom>
+              <a:noFill/>
+              <a:ln>
+                <a:noFill/>
+              </a:ln>
+              <a:extLst>
+                <a:ext uri="{909E8E84-426E-40DD-AFC4-6F175D3DCCD1}">
+                  <a14:hiddenFill xmlns:a14="http://schemas.microsoft.com/office/drawing/2010/main">
+                    <a:solidFill>
+                      <a:srgbClr val="FFFFFF"/>
+                    </a:solidFill>
+                  </a14:hiddenFill>
+                </a:ext>
+                <a:ext uri="{91240B29-F687-4F45-9708-019B960494DF}">
+                  <a14:hiddenLine xmlns:a14="http://schemas.microsoft.com/office/drawing/2010/main" w="9525">
+                    <a:solidFill>
+                      <a:srgbClr val="000000"/>
+                    </a:solidFill>
+                    <a:miter lim="800000"/>
+                    <a:headEnd/>
+                    <a:tailEnd/>
+                  </a14:hiddenLine>
+                </a:ext>
+              </a:extLst>
+            </p:spPr>
+          </p:pic>
+          <p:pic>
+            <p:nvPicPr>
+              <p:cNvPr id="2114" name="Picture 66">
+                <a:extLst>
+                  <a:ext uri="{FF2B5EF4-FFF2-40B4-BE49-F238E27FC236}">
+                    <a16:creationId xmlns:a16="http://schemas.microsoft.com/office/drawing/2014/main" id="{DF9E243F-6B99-4003-ACD5-5E3531EDC49E}"/>
+                  </a:ext>
+                </a:extLst>
+              </p:cNvPr>
+              <p:cNvPicPr>
+                <a:picLocks noChangeAspect="1" noChangeArrowheads="1"/>
+              </p:cNvPicPr>
+              <p:nvPr/>
+            </p:nvPicPr>
+            <p:blipFill>
               <a:blip r:embed="rId6">
                 <a:extLst>
                   <a:ext uri="{28A0092B-C50C-407E-A947-70E740481C1C}">
@@ -25354,66 +25414,6 @@
           </p:pic>
           <p:pic>
             <p:nvPicPr>
-              <p:cNvPr id="2114" name="Picture 66">
-                <a:extLst>
-                  <a:ext uri="{FF2B5EF4-FFF2-40B4-BE49-F238E27FC236}">
-                    <a16:creationId xmlns:a16="http://schemas.microsoft.com/office/drawing/2014/main" id="{DF9E243F-6B99-4003-ACD5-5E3531EDC49E}"/>
-                  </a:ext>
-                </a:extLst>
-              </p:cNvPr>
-              <p:cNvPicPr>
-                <a:picLocks noChangeAspect="1" noChangeArrowheads="1"/>
-              </p:cNvPicPr>
-              <p:nvPr/>
-            </p:nvPicPr>
-            <p:blipFill>
-              <a:blip r:embed="rId7">
-                <a:extLst>
-                  <a:ext uri="{28A0092B-C50C-407E-A947-70E740481C1C}">
-                    <a14:useLocalDpi xmlns:a14="http://schemas.microsoft.com/office/drawing/2010/main" val="0"/>
-                  </a:ext>
-                </a:extLst>
-              </a:blip>
-              <a:srcRect/>
-              <a:stretch>
-                <a:fillRect/>
-              </a:stretch>
-            </p:blipFill>
-            <p:spPr bwMode="auto">
-              <a:xfrm>
-                <a:off x="2124076" y="2900367"/>
-                <a:ext cx="411163" cy="1435101"/>
-              </a:xfrm>
-              <a:prstGeom prst="rect">
-                <a:avLst/>
-              </a:prstGeom>
-              <a:noFill/>
-              <a:ln>
-                <a:noFill/>
-              </a:ln>
-              <a:extLst>
-                <a:ext uri="{909E8E84-426E-40DD-AFC4-6F175D3DCCD1}">
-                  <a14:hiddenFill xmlns:a14="http://schemas.microsoft.com/office/drawing/2010/main">
-                    <a:solidFill>
-                      <a:srgbClr val="FFFFFF"/>
-                    </a:solidFill>
-                  </a14:hiddenFill>
-                </a:ext>
-                <a:ext uri="{91240B29-F687-4F45-9708-019B960494DF}">
-                  <a14:hiddenLine xmlns:a14="http://schemas.microsoft.com/office/drawing/2010/main" w="9525">
-                    <a:solidFill>
-                      <a:srgbClr val="000000"/>
-                    </a:solidFill>
-                    <a:miter lim="800000"/>
-                    <a:headEnd/>
-                    <a:tailEnd/>
-                  </a14:hiddenLine>
-                </a:ext>
-              </a:extLst>
-            </p:spPr>
-          </p:pic>
-          <p:pic>
-            <p:nvPicPr>
               <p:cNvPr id="2115" name="Picture 67">
                 <a:extLst>
                   <a:ext uri="{FF2B5EF4-FFF2-40B4-BE49-F238E27FC236}">
@@ -25427,7 +25427,7 @@
               <p:nvPr/>
             </p:nvPicPr>
             <p:blipFill>
-              <a:blip r:embed="rId8">
+              <a:blip r:embed="rId7">
                 <a:extLst>
                   <a:ext uri="{28A0092B-C50C-407E-A947-70E740481C1C}">
                     <a14:useLocalDpi xmlns:a14="http://schemas.microsoft.com/office/drawing/2010/main" val="0"/>
@@ -25487,7 +25487,7 @@
               <p:nvPr/>
             </p:nvPicPr>
             <p:blipFill>
-              <a:blip r:embed="rId9">
+              <a:blip r:embed="rId8">
                 <a:extLst>
                   <a:ext uri="{28A0092B-C50C-407E-A947-70E740481C1C}">
                     <a14:useLocalDpi xmlns:a14="http://schemas.microsoft.com/office/drawing/2010/main" val="0"/>
@@ -25654,6 +25654,66 @@
               <p:nvPr/>
             </p:nvPicPr>
             <p:blipFill>
+              <a:blip r:embed="rId9">
+                <a:extLst>
+                  <a:ext uri="{28A0092B-C50C-407E-A947-70E740481C1C}">
+                    <a14:useLocalDpi xmlns:a14="http://schemas.microsoft.com/office/drawing/2010/main" val="0"/>
+                  </a:ext>
+                </a:extLst>
+              </a:blip>
+              <a:srcRect/>
+              <a:stretch>
+                <a:fillRect/>
+              </a:stretch>
+            </p:blipFill>
+            <p:spPr bwMode="auto">
+              <a:xfrm>
+                <a:off x="2657476" y="3251204"/>
+                <a:ext cx="411163" cy="933451"/>
+              </a:xfrm>
+              <a:prstGeom prst="rect">
+                <a:avLst/>
+              </a:prstGeom>
+              <a:noFill/>
+              <a:ln>
+                <a:noFill/>
+              </a:ln>
+              <a:extLst>
+                <a:ext uri="{909E8E84-426E-40DD-AFC4-6F175D3DCCD1}">
+                  <a14:hiddenFill xmlns:a14="http://schemas.microsoft.com/office/drawing/2010/main">
+                    <a:solidFill>
+                      <a:srgbClr val="FFFFFF"/>
+                    </a:solidFill>
+                  </a14:hiddenFill>
+                </a:ext>
+                <a:ext uri="{91240B29-F687-4F45-9708-019B960494DF}">
+                  <a14:hiddenLine xmlns:a14="http://schemas.microsoft.com/office/drawing/2010/main" w="9525">
+                    <a:solidFill>
+                      <a:srgbClr val="000000"/>
+                    </a:solidFill>
+                    <a:miter lim="800000"/>
+                    <a:headEnd/>
+                    <a:tailEnd/>
+                  </a14:hiddenLine>
+                </a:ext>
+              </a:extLst>
+            </p:spPr>
+          </p:pic>
+          <p:pic>
+            <p:nvPicPr>
+              <p:cNvPr id="2120" name="Picture 72">
+                <a:extLst>
+                  <a:ext uri="{FF2B5EF4-FFF2-40B4-BE49-F238E27FC236}">
+                    <a16:creationId xmlns:a16="http://schemas.microsoft.com/office/drawing/2014/main" id="{8D42DEB0-3FCF-4FDD-A091-DA2C33CD540D}"/>
+                  </a:ext>
+                </a:extLst>
+              </p:cNvPr>
+              <p:cNvPicPr>
+                <a:picLocks noChangeAspect="1" noChangeArrowheads="1"/>
+              </p:cNvPicPr>
+              <p:nvPr/>
+            </p:nvPicPr>
+            <p:blipFill>
               <a:blip r:embed="rId10">
                 <a:extLst>
                   <a:ext uri="{28A0092B-C50C-407E-A947-70E740481C1C}">
@@ -25701,66 +25761,6 @@
           </p:pic>
           <p:pic>
             <p:nvPicPr>
-              <p:cNvPr id="2120" name="Picture 72">
-                <a:extLst>
-                  <a:ext uri="{FF2B5EF4-FFF2-40B4-BE49-F238E27FC236}">
-                    <a16:creationId xmlns:a16="http://schemas.microsoft.com/office/drawing/2014/main" id="{8D42DEB0-3FCF-4FDD-A091-DA2C33CD540D}"/>
-                  </a:ext>
-                </a:extLst>
-              </p:cNvPr>
-              <p:cNvPicPr>
-                <a:picLocks noChangeAspect="1" noChangeArrowheads="1"/>
-              </p:cNvPicPr>
-              <p:nvPr/>
-            </p:nvPicPr>
-            <p:blipFill>
-              <a:blip r:embed="rId11">
-                <a:extLst>
-                  <a:ext uri="{28A0092B-C50C-407E-A947-70E740481C1C}">
-                    <a14:useLocalDpi xmlns:a14="http://schemas.microsoft.com/office/drawing/2010/main" val="0"/>
-                  </a:ext>
-                </a:extLst>
-              </a:blip>
-              <a:srcRect/>
-              <a:stretch>
-                <a:fillRect/>
-              </a:stretch>
-            </p:blipFill>
-            <p:spPr bwMode="auto">
-              <a:xfrm>
-                <a:off x="2657476" y="3251204"/>
-                <a:ext cx="411163" cy="933451"/>
-              </a:xfrm>
-              <a:prstGeom prst="rect">
-                <a:avLst/>
-              </a:prstGeom>
-              <a:noFill/>
-              <a:ln>
-                <a:noFill/>
-              </a:ln>
-              <a:extLst>
-                <a:ext uri="{909E8E84-426E-40DD-AFC4-6F175D3DCCD1}">
-                  <a14:hiddenFill xmlns:a14="http://schemas.microsoft.com/office/drawing/2010/main">
-                    <a:solidFill>
-                      <a:srgbClr val="FFFFFF"/>
-                    </a:solidFill>
-                  </a14:hiddenFill>
-                </a:ext>
-                <a:ext uri="{91240B29-F687-4F45-9708-019B960494DF}">
-                  <a14:hiddenLine xmlns:a14="http://schemas.microsoft.com/office/drawing/2010/main" w="9525">
-                    <a:solidFill>
-                      <a:srgbClr val="000000"/>
-                    </a:solidFill>
-                    <a:miter lim="800000"/>
-                    <a:headEnd/>
-                    <a:tailEnd/>
-                  </a14:hiddenLine>
-                </a:ext>
-              </a:extLst>
-            </p:spPr>
-          </p:pic>
-          <p:pic>
-            <p:nvPicPr>
               <p:cNvPr id="2121" name="Picture 73">
                 <a:extLst>
                   <a:ext uri="{FF2B5EF4-FFF2-40B4-BE49-F238E27FC236}">
@@ -25774,7 +25774,7 @@
               <p:nvPr/>
             </p:nvPicPr>
             <p:blipFill>
-              <a:blip r:embed="rId12">
+              <a:blip r:embed="rId11">
                 <a:extLst>
                   <a:ext uri="{28A0092B-C50C-407E-A947-70E740481C1C}">
                     <a14:useLocalDpi xmlns:a14="http://schemas.microsoft.com/office/drawing/2010/main" val="0"/>
@@ -25834,7 +25834,7 @@
               <p:nvPr/>
             </p:nvPicPr>
             <p:blipFill>
-              <a:blip r:embed="rId13">
+              <a:blip r:embed="rId12">
                 <a:extLst>
                   <a:ext uri="{28A0092B-C50C-407E-A947-70E740481C1C}">
                     <a14:useLocalDpi xmlns:a14="http://schemas.microsoft.com/office/drawing/2010/main" val="0"/>
@@ -26001,6 +26001,66 @@
               <p:nvPr/>
             </p:nvPicPr>
             <p:blipFill>
+              <a:blip r:embed="rId13">
+                <a:extLst>
+                  <a:ext uri="{28A0092B-C50C-407E-A947-70E740481C1C}">
+                    <a14:useLocalDpi xmlns:a14="http://schemas.microsoft.com/office/drawing/2010/main" val="0"/>
+                  </a:ext>
+                </a:extLst>
+              </a:blip>
+              <a:srcRect/>
+              <a:stretch>
+                <a:fillRect/>
+              </a:stretch>
+            </p:blipFill>
+            <p:spPr bwMode="auto">
+              <a:xfrm>
+                <a:off x="3192463" y="3762378"/>
+                <a:ext cx="411163" cy="403225"/>
+              </a:xfrm>
+              <a:prstGeom prst="rect">
+                <a:avLst/>
+              </a:prstGeom>
+              <a:noFill/>
+              <a:ln>
+                <a:noFill/>
+              </a:ln>
+              <a:extLst>
+                <a:ext uri="{909E8E84-426E-40DD-AFC4-6F175D3DCCD1}">
+                  <a14:hiddenFill xmlns:a14="http://schemas.microsoft.com/office/drawing/2010/main">
+                    <a:solidFill>
+                      <a:srgbClr val="FFFFFF"/>
+                    </a:solidFill>
+                  </a14:hiddenFill>
+                </a:ext>
+                <a:ext uri="{91240B29-F687-4F45-9708-019B960494DF}">
+                  <a14:hiddenLine xmlns:a14="http://schemas.microsoft.com/office/drawing/2010/main" w="9525">
+                    <a:solidFill>
+                      <a:srgbClr val="000000"/>
+                    </a:solidFill>
+                    <a:miter lim="800000"/>
+                    <a:headEnd/>
+                    <a:tailEnd/>
+                  </a14:hiddenLine>
+                </a:ext>
+              </a:extLst>
+            </p:spPr>
+          </p:pic>
+          <p:pic>
+            <p:nvPicPr>
+              <p:cNvPr id="2126" name="Picture 78">
+                <a:extLst>
+                  <a:ext uri="{FF2B5EF4-FFF2-40B4-BE49-F238E27FC236}">
+                    <a16:creationId xmlns:a16="http://schemas.microsoft.com/office/drawing/2014/main" id="{DB9FCE92-20E0-4F4B-99C7-82929E62E78A}"/>
+                  </a:ext>
+                </a:extLst>
+              </p:cNvPr>
+              <p:cNvPicPr>
+                <a:picLocks noChangeAspect="1" noChangeArrowheads="1"/>
+              </p:cNvPicPr>
+              <p:nvPr/>
+            </p:nvPicPr>
+            <p:blipFill>
               <a:blip r:embed="rId14">
                 <a:extLst>
                   <a:ext uri="{28A0092B-C50C-407E-A947-70E740481C1C}">
@@ -26048,10 +26108,10 @@
           </p:pic>
           <p:pic>
             <p:nvPicPr>
-              <p:cNvPr id="2126" name="Picture 78">
+              <p:cNvPr id="2127" name="Picture 79">
                 <a:extLst>
                   <a:ext uri="{FF2B5EF4-FFF2-40B4-BE49-F238E27FC236}">
-                    <a16:creationId xmlns:a16="http://schemas.microsoft.com/office/drawing/2014/main" id="{DB9FCE92-20E0-4F4B-99C7-82929E62E78A}"/>
+                    <a16:creationId xmlns:a16="http://schemas.microsoft.com/office/drawing/2014/main" id="{2EA2D0A3-A0DE-4D16-9620-FC41227168B6}"/>
                   </a:ext>
                 </a:extLst>
               </p:cNvPr>
@@ -26075,8 +26135,8 @@
             </p:blipFill>
             <p:spPr bwMode="auto">
               <a:xfrm>
-                <a:off x="3192463" y="3762378"/>
-                <a:ext cx="411163" cy="403225"/>
+                <a:off x="3192463" y="3619503"/>
+                <a:ext cx="411163" cy="393701"/>
               </a:xfrm>
               <a:prstGeom prst="rect">
                 <a:avLst/>
@@ -26108,10 +26168,10 @@
           </p:pic>
           <p:pic>
             <p:nvPicPr>
-              <p:cNvPr id="2127" name="Picture 79">
+              <p:cNvPr id="2128" name="Picture 80">
                 <a:extLst>
                   <a:ext uri="{FF2B5EF4-FFF2-40B4-BE49-F238E27FC236}">
-                    <a16:creationId xmlns:a16="http://schemas.microsoft.com/office/drawing/2014/main" id="{2EA2D0A3-A0DE-4D16-9620-FC41227168B6}"/>
+                    <a16:creationId xmlns:a16="http://schemas.microsoft.com/office/drawing/2014/main" id="{C5C18EF0-6D40-44E0-95FB-9ED9F8EEE2FB}"/>
                   </a:ext>
                 </a:extLst>
               </p:cNvPr>
@@ -26168,10 +26228,10 @@
           </p:pic>
           <p:pic>
             <p:nvPicPr>
-              <p:cNvPr id="2128" name="Picture 80">
+              <p:cNvPr id="2129" name="Picture 81">
                 <a:extLst>
                   <a:ext uri="{FF2B5EF4-FFF2-40B4-BE49-F238E27FC236}">
-                    <a16:creationId xmlns:a16="http://schemas.microsoft.com/office/drawing/2014/main" id="{C5C18EF0-6D40-44E0-95FB-9ED9F8EEE2FB}"/>
+                    <a16:creationId xmlns:a16="http://schemas.microsoft.com/office/drawing/2014/main" id="{EF792163-701B-45A5-B054-85EE1E5555B0}"/>
                   </a:ext>
                 </a:extLst>
               </p:cNvPr>
@@ -26195,8 +26255,8 @@
             </p:blipFill>
             <p:spPr bwMode="auto">
               <a:xfrm>
-                <a:off x="3192463" y="3619503"/>
-                <a:ext cx="411163" cy="393701"/>
+                <a:off x="3192463" y="3549653"/>
+                <a:ext cx="411163" cy="320675"/>
               </a:xfrm>
               <a:prstGeom prst="rect">
                 <a:avLst/>
@@ -26228,10 +26288,10 @@
           </p:pic>
           <p:pic>
             <p:nvPicPr>
-              <p:cNvPr id="2129" name="Picture 81">
+              <p:cNvPr id="2130" name="Picture 82">
                 <a:extLst>
                   <a:ext uri="{FF2B5EF4-FFF2-40B4-BE49-F238E27FC236}">
-                    <a16:creationId xmlns:a16="http://schemas.microsoft.com/office/drawing/2014/main" id="{EF792163-701B-45A5-B054-85EE1E5555B0}"/>
+                    <a16:creationId xmlns:a16="http://schemas.microsoft.com/office/drawing/2014/main" id="{D08A309E-AD09-427E-9157-7A71AC2A29D2}"/>
                   </a:ext>
                 </a:extLst>
               </p:cNvPr>
@@ -26288,66 +26348,6 @@
           </p:pic>
           <p:pic>
             <p:nvPicPr>
-              <p:cNvPr id="2130" name="Picture 82">
-                <a:extLst>
-                  <a:ext uri="{FF2B5EF4-FFF2-40B4-BE49-F238E27FC236}">
-                    <a16:creationId xmlns:a16="http://schemas.microsoft.com/office/drawing/2014/main" id="{D08A309E-AD09-427E-9157-7A71AC2A29D2}"/>
-                  </a:ext>
-                </a:extLst>
-              </p:cNvPr>
-              <p:cNvPicPr>
-                <a:picLocks noChangeAspect="1" noChangeArrowheads="1"/>
-              </p:cNvPicPr>
-              <p:nvPr/>
-            </p:nvPicPr>
-            <p:blipFill>
-              <a:blip r:embed="rId19">
-                <a:extLst>
-                  <a:ext uri="{28A0092B-C50C-407E-A947-70E740481C1C}">
-                    <a14:useLocalDpi xmlns:a14="http://schemas.microsoft.com/office/drawing/2010/main" val="0"/>
-                  </a:ext>
-                </a:extLst>
-              </a:blip>
-              <a:srcRect/>
-              <a:stretch>
-                <a:fillRect/>
-              </a:stretch>
-            </p:blipFill>
-            <p:spPr bwMode="auto">
-              <a:xfrm>
-                <a:off x="3192463" y="3549653"/>
-                <a:ext cx="411163" cy="320675"/>
-              </a:xfrm>
-              <a:prstGeom prst="rect">
-                <a:avLst/>
-              </a:prstGeom>
-              <a:noFill/>
-              <a:ln>
-                <a:noFill/>
-              </a:ln>
-              <a:extLst>
-                <a:ext uri="{909E8E84-426E-40DD-AFC4-6F175D3DCCD1}">
-                  <a14:hiddenFill xmlns:a14="http://schemas.microsoft.com/office/drawing/2010/main">
-                    <a:solidFill>
-                      <a:srgbClr val="FFFFFF"/>
-                    </a:solidFill>
-                  </a14:hiddenFill>
-                </a:ext>
-                <a:ext uri="{91240B29-F687-4F45-9708-019B960494DF}">
-                  <a14:hiddenLine xmlns:a14="http://schemas.microsoft.com/office/drawing/2010/main" w="9525">
-                    <a:solidFill>
-                      <a:srgbClr val="000000"/>
-                    </a:solidFill>
-                    <a:miter lim="800000"/>
-                    <a:headEnd/>
-                    <a:tailEnd/>
-                  </a14:hiddenLine>
-                </a:ext>
-              </a:extLst>
-            </p:spPr>
-          </p:pic>
-          <p:pic>
-            <p:nvPicPr>
               <p:cNvPr id="2131" name="Picture 83">
                 <a:extLst>
                   <a:ext uri="{FF2B5EF4-FFF2-40B4-BE49-F238E27FC236}">
@@ -26361,7 +26361,7 @@
               <p:nvPr/>
             </p:nvPicPr>
             <p:blipFill>
-              <a:blip r:embed="rId20">
+              <a:blip r:embed="rId19">
                 <a:extLst>
                   <a:ext uri="{28A0092B-C50C-407E-A947-70E740481C1C}">
                     <a14:useLocalDpi xmlns:a14="http://schemas.microsoft.com/office/drawing/2010/main" val="0"/>
@@ -26421,7 +26421,7 @@
               <p:nvPr/>
             </p:nvPicPr>
             <p:blipFill>
-              <a:blip r:embed="rId21">
+              <a:blip r:embed="rId20">
                 <a:extLst>
                   <a:ext uri="{28A0092B-C50C-407E-A947-70E740481C1C}">
                     <a14:useLocalDpi xmlns:a14="http://schemas.microsoft.com/office/drawing/2010/main" val="0"/>
@@ -35108,8 +35108,8 @@
           </a:graphicData>
         </a:graphic>
       </p:graphicFrame>
-      <mc:AlternateContent xmlns:mc="http://schemas.openxmlformats.org/markup-compatibility/2006">
-        <mc:Choice xmlns:a14="http://schemas.microsoft.com/office/drawing/2010/main" Requires="a14">
+      <mc:AlternateContent xmlns:mc="http://schemas.openxmlformats.org/markup-compatibility/2006" xmlns:a14="http://schemas.microsoft.com/office/drawing/2010/main">
+        <mc:Choice Requires="a14">
           <p:sp>
             <p:nvSpPr>
               <p:cNvPr id="56" name="Rectangle 55">
@@ -35266,7 +35266,7 @@
             </p:txBody>
           </p:sp>
         </mc:Choice>
-        <mc:Fallback>
+        <mc:Fallback xmlns="">
           <p:sp>
             <p:nvSpPr>
               <p:cNvPr id="56" name="Rectangle 55">
